--- a/yeast_screens/figs/Figs.pptx
+++ b/yeast_screens/figs/Figs.pptx
@@ -5,23 +5,29 @@
     <p:sldMasterId id="2147483648" r:id="rId1"/>
   </p:sldMasterIdLst>
   <p:notesMasterIdLst>
-    <p:notesMasterId r:id="rId16"/>
+    <p:notesMasterId r:id="rId22"/>
   </p:notesMasterIdLst>
   <p:sldIdLst>
     <p:sldId id="266" r:id="rId2"/>
-    <p:sldId id="272" r:id="rId3"/>
-    <p:sldId id="265" r:id="rId4"/>
-    <p:sldId id="274" r:id="rId5"/>
-    <p:sldId id="260" r:id="rId6"/>
-    <p:sldId id="262" r:id="rId7"/>
-    <p:sldId id="263" r:id="rId8"/>
-    <p:sldId id="273" r:id="rId9"/>
-    <p:sldId id="267" r:id="rId10"/>
-    <p:sldId id="268" r:id="rId11"/>
-    <p:sldId id="275" r:id="rId12"/>
-    <p:sldId id="269" r:id="rId13"/>
-    <p:sldId id="271" r:id="rId14"/>
-    <p:sldId id="270" r:id="rId15"/>
+    <p:sldId id="277" r:id="rId3"/>
+    <p:sldId id="278" r:id="rId4"/>
+    <p:sldId id="279" r:id="rId5"/>
+    <p:sldId id="281" r:id="rId6"/>
+    <p:sldId id="282" r:id="rId7"/>
+    <p:sldId id="280" r:id="rId8"/>
+    <p:sldId id="272" r:id="rId9"/>
+    <p:sldId id="265" r:id="rId10"/>
+    <p:sldId id="274" r:id="rId11"/>
+    <p:sldId id="260" r:id="rId12"/>
+    <p:sldId id="262" r:id="rId13"/>
+    <p:sldId id="263" r:id="rId14"/>
+    <p:sldId id="273" r:id="rId15"/>
+    <p:sldId id="267" r:id="rId16"/>
+    <p:sldId id="268" r:id="rId17"/>
+    <p:sldId id="275" r:id="rId18"/>
+    <p:sldId id="269" r:id="rId19"/>
+    <p:sldId id="271" r:id="rId20"/>
+    <p:sldId id="270" r:id="rId21"/>
   </p:sldIdLst>
   <p:sldSz cx="12192000" cy="6858000"/>
   <p:notesSz cx="6858000" cy="9144000"/>
@@ -221,7 +227,7 @@
           <a:p>
             <a:fld id="{36ED59FA-786A-CA44-97E1-799C04F92917}" type="datetimeFigureOut">
               <a:rPr lang="en-US" smtClean="0"/>
-              <a:t>9/20/22</a:t>
+              <a:t>10/25/22</a:t>
             </a:fld>
             <a:endParaRPr lang="en-US"/>
           </a:p>
@@ -534,94 +540,15 @@
           <a:p>
             <a:r>
               <a:rPr lang="en-US" dirty="0"/>
-              <a:t>evidence of </a:t>
+              <a:t>2020, </a:t>
             </a:r>
             <a:r>
               <a:rPr lang="en-US" dirty="0" err="1"/>
-              <a:t>functinally</a:t>
+              <a:t>pval</a:t>
             </a:r>
             <a:r>
               <a:rPr lang="en-US" dirty="0"/>
-              <a:t> redundant</a:t>
-            </a:r>
-          </a:p>
-          <a:p>
-            <a:r>
-              <a:rPr lang="en-US" dirty="0"/>
-              <a:t>look into these gene pairs more for story</a:t>
-            </a:r>
-          </a:p>
-          <a:p>
-            <a:endParaRPr lang="en-US" dirty="0"/>
-          </a:p>
-          <a:p>
-            <a:r>
-              <a:rPr lang="en-US" dirty="0"/>
-              <a:t>all math in </a:t>
-            </a:r>
-            <a:r>
-              <a:rPr lang="en-US" dirty="0" err="1"/>
-              <a:t>sep.</a:t>
-            </a:r>
-            <a:r>
-              <a:rPr lang="en-US" dirty="0"/>
-              <a:t> document with data reanalysis in own manuscript? multivariate </a:t>
-            </a:r>
-            <a:r>
-              <a:rPr lang="en-US" dirty="0" err="1"/>
-              <a:t>bern</a:t>
-            </a:r>
-            <a:r>
-              <a:rPr lang="en-US" dirty="0"/>
-              <a:t>. in another paper</a:t>
-            </a:r>
-          </a:p>
-          <a:p>
-            <a:endParaRPr lang="en-US" dirty="0"/>
-          </a:p>
-          <a:p>
-            <a:r>
-              <a:rPr lang="en-US" dirty="0"/>
-              <a:t>venues: PNAS? mol. </a:t>
-            </a:r>
-            <a:r>
-              <a:rPr lang="en-US" dirty="0" err="1"/>
-              <a:t>sys.bio</a:t>
-            </a:r>
-            <a:r>
-              <a:rPr lang="en-US" dirty="0"/>
-              <a:t>., </a:t>
-            </a:r>
-            <a:r>
-              <a:rPr lang="en-US" dirty="0" err="1"/>
-              <a:t>plos</a:t>
-            </a:r>
-            <a:r>
-              <a:rPr lang="en-US" dirty="0"/>
-              <a:t> comp bio</a:t>
-            </a:r>
-          </a:p>
-          <a:p>
-            <a:endParaRPr lang="en-US" dirty="0"/>
-          </a:p>
-          <a:p>
-            <a:r>
-              <a:rPr lang="en-US" dirty="0"/>
-              <a:t>drug </a:t>
-            </a:r>
-            <a:r>
-              <a:rPr lang="en-US" dirty="0" err="1"/>
-              <a:t>reponse</a:t>
-            </a:r>
-            <a:r>
-              <a:rPr lang="en-US" dirty="0"/>
-              <a:t> analysis for wider audience, other organisms with knockouts?</a:t>
-            </a:r>
-          </a:p>
-          <a:p>
-            <a:r>
-              <a:rPr lang="en-US" dirty="0"/>
-              <a:t>just run drug analyses and show they’re different</a:t>
+              <a:t> &lt; 0.05</a:t>
             </a:r>
           </a:p>
         </p:txBody>
@@ -643,7 +570,7 @@
           <a:p>
             <a:fld id="{99DC428D-B8B9-9A4D-9B63-4FFB6E16CD68}" type="slidenum">
               <a:rPr lang="en-US" smtClean="0"/>
-              <a:t>5</a:t>
+              <a:t>2</a:t>
             </a:fld>
             <a:endParaRPr lang="en-US"/>
           </a:p>
@@ -652,7 +579,7 @@
     </p:spTree>
     <p:extLst>
       <p:ext uri="{BB962C8B-B14F-4D97-AF65-F5344CB8AC3E}">
-        <p14:creationId xmlns:p14="http://schemas.microsoft.com/office/powerpoint/2010/main" val="3781149296"/>
+        <p14:creationId xmlns:p14="http://schemas.microsoft.com/office/powerpoint/2010/main" val="2348247218"/>
       </p:ext>
     </p:extLst>
   </p:cSld>
@@ -708,94 +635,15 @@
           <a:p>
             <a:r>
               <a:rPr lang="en-US" dirty="0"/>
-              <a:t>evidence of </a:t>
+              <a:t>2018, </a:t>
             </a:r>
             <a:r>
               <a:rPr lang="en-US" dirty="0" err="1"/>
-              <a:t>functinally</a:t>
+              <a:t>pval</a:t>
             </a:r>
             <a:r>
               <a:rPr lang="en-US" dirty="0"/>
-              <a:t> redundant</a:t>
-            </a:r>
-          </a:p>
-          <a:p>
-            <a:r>
-              <a:rPr lang="en-US" dirty="0"/>
-              <a:t>look into these gene pairs more for story</a:t>
-            </a:r>
-          </a:p>
-          <a:p>
-            <a:endParaRPr lang="en-US" dirty="0"/>
-          </a:p>
-          <a:p>
-            <a:r>
-              <a:rPr lang="en-US" dirty="0"/>
-              <a:t>all math in </a:t>
-            </a:r>
-            <a:r>
-              <a:rPr lang="en-US" dirty="0" err="1"/>
-              <a:t>sep.</a:t>
-            </a:r>
-            <a:r>
-              <a:rPr lang="en-US" dirty="0"/>
-              <a:t> document with data reanalysis in own manuscript? multivariate </a:t>
-            </a:r>
-            <a:r>
-              <a:rPr lang="en-US" dirty="0" err="1"/>
-              <a:t>bern</a:t>
-            </a:r>
-            <a:r>
-              <a:rPr lang="en-US" dirty="0"/>
-              <a:t>. in another paper</a:t>
-            </a:r>
-          </a:p>
-          <a:p>
-            <a:endParaRPr lang="en-US" dirty="0"/>
-          </a:p>
-          <a:p>
-            <a:r>
-              <a:rPr lang="en-US" dirty="0"/>
-              <a:t>venues: PNAS? mol. </a:t>
-            </a:r>
-            <a:r>
-              <a:rPr lang="en-US" dirty="0" err="1"/>
-              <a:t>sys.bio</a:t>
-            </a:r>
-            <a:r>
-              <a:rPr lang="en-US" dirty="0"/>
-              <a:t>., </a:t>
-            </a:r>
-            <a:r>
-              <a:rPr lang="en-US" dirty="0" err="1"/>
-              <a:t>plos</a:t>
-            </a:r>
-            <a:r>
-              <a:rPr lang="en-US" dirty="0"/>
-              <a:t> comp bio</a:t>
-            </a:r>
-          </a:p>
-          <a:p>
-            <a:endParaRPr lang="en-US" dirty="0"/>
-          </a:p>
-          <a:p>
-            <a:r>
-              <a:rPr lang="en-US" dirty="0"/>
-              <a:t>drug </a:t>
-            </a:r>
-            <a:r>
-              <a:rPr lang="en-US" dirty="0" err="1"/>
-              <a:t>reponse</a:t>
-            </a:r>
-            <a:r>
-              <a:rPr lang="en-US" dirty="0"/>
-              <a:t> analysis for wider audience, other organisms with knockouts?</a:t>
-            </a:r>
-          </a:p>
-          <a:p>
-            <a:r>
-              <a:rPr lang="en-US" dirty="0"/>
-              <a:t>just run drug analyses and show they’re different</a:t>
+              <a:t> &lt; 0.05</a:t>
             </a:r>
           </a:p>
         </p:txBody>
@@ -817,7 +665,7 @@
           <a:p>
             <a:fld id="{99DC428D-B8B9-9A4D-9B63-4FFB6E16CD68}" type="slidenum">
               <a:rPr lang="en-US" smtClean="0"/>
-              <a:t>8</a:t>
+              <a:t>4</a:t>
             </a:fld>
             <a:endParaRPr lang="en-US"/>
           </a:p>
@@ -826,7 +674,7 @@
     </p:spTree>
     <p:extLst>
       <p:ext uri="{BB962C8B-B14F-4D97-AF65-F5344CB8AC3E}">
-        <p14:creationId xmlns:p14="http://schemas.microsoft.com/office/powerpoint/2010/main" val="1635314218"/>
+        <p14:creationId xmlns:p14="http://schemas.microsoft.com/office/powerpoint/2010/main" val="410250001"/>
       </p:ext>
     </p:extLst>
   </p:cSld>
@@ -880,7 +728,18 @@
           <a:bodyPr/>
           <a:lstStyle/>
           <a:p>
-            <a:endParaRPr lang="en-US" dirty="0"/>
+            <a:r>
+              <a:rPr lang="en-US" dirty="0"/>
+              <a:t>2020, </a:t>
+            </a:r>
+            <a:r>
+              <a:rPr lang="en-US" dirty="0" err="1"/>
+              <a:t>pval</a:t>
+            </a:r>
+            <a:r>
+              <a:rPr lang="en-US" dirty="0"/>
+              <a:t> &lt; 1</a:t>
+            </a:r>
           </a:p>
         </p:txBody>
       </p:sp>
@@ -901,7 +760,534 @@
           <a:p>
             <a:fld id="{99DC428D-B8B9-9A4D-9B63-4FFB6E16CD68}" type="slidenum">
               <a:rPr lang="en-US" smtClean="0"/>
+              <a:t>5</a:t>
+            </a:fld>
+            <a:endParaRPr lang="en-US"/>
+          </a:p>
+        </p:txBody>
+      </p:sp>
+    </p:spTree>
+    <p:extLst>
+      <p:ext uri="{BB962C8B-B14F-4D97-AF65-F5344CB8AC3E}">
+        <p14:creationId xmlns:p14="http://schemas.microsoft.com/office/powerpoint/2010/main" val="2123757312"/>
+      </p:ext>
+    </p:extLst>
+  </p:cSld>
+  <p:clrMapOvr>
+    <a:masterClrMapping/>
+  </p:clrMapOvr>
+</p:notes>
+</file>
+
+<file path=ppt/notesSlides/notesSlide4.xml><?xml version="1.0" encoding="utf-8"?>
+<p:notes xmlns:a="http://schemas.openxmlformats.org/drawingml/2006/main" xmlns:r="http://schemas.openxmlformats.org/officeDocument/2006/relationships" xmlns:p="http://schemas.openxmlformats.org/presentationml/2006/main">
+  <p:cSld>
+    <p:spTree>
+      <p:nvGrpSpPr>
+        <p:cNvPr id="1" name=""/>
+        <p:cNvGrpSpPr/>
+        <p:nvPr/>
+      </p:nvGrpSpPr>
+      <p:grpSpPr>
+        <a:xfrm>
+          <a:off x="0" y="0"/>
+          <a:ext cx="0" cy="0"/>
+          <a:chOff x="0" y="0"/>
+          <a:chExt cx="0" cy="0"/>
+        </a:xfrm>
+      </p:grpSpPr>
+      <p:sp>
+        <p:nvSpPr>
+          <p:cNvPr id="2" name="Slide Image Placeholder 1"/>
+          <p:cNvSpPr>
+            <a:spLocks noGrp="1" noRot="1" noChangeAspect="1"/>
+          </p:cNvSpPr>
+          <p:nvPr>
+            <p:ph type="sldImg"/>
+          </p:nvPr>
+        </p:nvSpPr>
+        <p:spPr/>
+      </p:sp>
+      <p:sp>
+        <p:nvSpPr>
+          <p:cNvPr id="3" name="Notes Placeholder 2"/>
+          <p:cNvSpPr>
+            <a:spLocks noGrp="1"/>
+          </p:cNvSpPr>
+          <p:nvPr>
+            <p:ph type="body" idx="1"/>
+          </p:nvPr>
+        </p:nvSpPr>
+        <p:spPr/>
+        <p:txBody>
+          <a:bodyPr/>
+          <a:lstStyle/>
+          <a:p>
+            <a:r>
+              <a:rPr lang="en-US" dirty="0"/>
+              <a:t>2018, </a:t>
+            </a:r>
+            <a:r>
+              <a:rPr lang="en-US" dirty="0" err="1"/>
+              <a:t>pval</a:t>
+            </a:r>
+            <a:r>
+              <a:rPr lang="en-US" dirty="0"/>
+              <a:t> &lt; 1</a:t>
+            </a:r>
+          </a:p>
+        </p:txBody>
+      </p:sp>
+      <p:sp>
+        <p:nvSpPr>
+          <p:cNvPr id="4" name="Slide Number Placeholder 3"/>
+          <p:cNvSpPr>
+            <a:spLocks noGrp="1"/>
+          </p:cNvSpPr>
+          <p:nvPr>
+            <p:ph type="sldNum" sz="quarter" idx="5"/>
+          </p:nvPr>
+        </p:nvSpPr>
+        <p:spPr/>
+        <p:txBody>
+          <a:bodyPr/>
+          <a:lstStyle/>
+          <a:p>
+            <a:fld id="{99DC428D-B8B9-9A4D-9B63-4FFB6E16CD68}" type="slidenum">
+              <a:rPr lang="en-US" smtClean="0"/>
+              <a:t>6</a:t>
+            </a:fld>
+            <a:endParaRPr lang="en-US"/>
+          </a:p>
+        </p:txBody>
+      </p:sp>
+    </p:spTree>
+    <p:extLst>
+      <p:ext uri="{BB962C8B-B14F-4D97-AF65-F5344CB8AC3E}">
+        <p14:creationId xmlns:p14="http://schemas.microsoft.com/office/powerpoint/2010/main" val="362477915"/>
+      </p:ext>
+    </p:extLst>
+  </p:cSld>
+  <p:clrMapOvr>
+    <a:masterClrMapping/>
+  </p:clrMapOvr>
+</p:notes>
+</file>
+
+<file path=ppt/notesSlides/notesSlide5.xml><?xml version="1.0" encoding="utf-8"?>
+<p:notes xmlns:a="http://schemas.openxmlformats.org/drawingml/2006/main" xmlns:r="http://schemas.openxmlformats.org/officeDocument/2006/relationships" xmlns:p="http://schemas.openxmlformats.org/presentationml/2006/main">
+  <p:cSld>
+    <p:spTree>
+      <p:nvGrpSpPr>
+        <p:cNvPr id="1" name=""/>
+        <p:cNvGrpSpPr/>
+        <p:nvPr/>
+      </p:nvGrpSpPr>
+      <p:grpSpPr>
+        <a:xfrm>
+          <a:off x="0" y="0"/>
+          <a:ext cx="0" cy="0"/>
+          <a:chOff x="0" y="0"/>
+          <a:chExt cx="0" cy="0"/>
+        </a:xfrm>
+      </p:grpSpPr>
+      <p:sp>
+        <p:nvSpPr>
+          <p:cNvPr id="2" name="Slide Image Placeholder 1"/>
+          <p:cNvSpPr>
+            <a:spLocks noGrp="1" noRot="1" noChangeAspect="1"/>
+          </p:cNvSpPr>
+          <p:nvPr>
+            <p:ph type="sldImg"/>
+          </p:nvPr>
+        </p:nvSpPr>
+        <p:spPr/>
+      </p:sp>
+      <p:sp>
+        <p:nvSpPr>
+          <p:cNvPr id="3" name="Notes Placeholder 2"/>
+          <p:cNvSpPr>
+            <a:spLocks noGrp="1"/>
+          </p:cNvSpPr>
+          <p:nvPr>
+            <p:ph type="body" idx="1"/>
+          </p:nvPr>
+        </p:nvSpPr>
+        <p:spPr/>
+        <p:txBody>
+          <a:bodyPr/>
+          <a:lstStyle/>
+          <a:p>
+            <a:r>
+              <a:rPr lang="en-US" dirty="0"/>
+              <a:t>evidence of </a:t>
+            </a:r>
+            <a:r>
+              <a:rPr lang="en-US" dirty="0" err="1"/>
+              <a:t>functinally</a:t>
+            </a:r>
+            <a:r>
+              <a:rPr lang="en-US" dirty="0"/>
+              <a:t> redundant</a:t>
+            </a:r>
+          </a:p>
+          <a:p>
+            <a:r>
+              <a:rPr lang="en-US" dirty="0"/>
+              <a:t>look into these gene pairs more for story</a:t>
+            </a:r>
+          </a:p>
+          <a:p>
+            <a:endParaRPr lang="en-US" dirty="0"/>
+          </a:p>
+          <a:p>
+            <a:r>
+              <a:rPr lang="en-US" dirty="0"/>
+              <a:t>all math in </a:t>
+            </a:r>
+            <a:r>
+              <a:rPr lang="en-US" dirty="0" err="1"/>
+              <a:t>sep.</a:t>
+            </a:r>
+            <a:r>
+              <a:rPr lang="en-US" dirty="0"/>
+              <a:t> document with data reanalysis in own manuscript? multivariate </a:t>
+            </a:r>
+            <a:r>
+              <a:rPr lang="en-US" dirty="0" err="1"/>
+              <a:t>bern</a:t>
+            </a:r>
+            <a:r>
+              <a:rPr lang="en-US" dirty="0"/>
+              <a:t>. in another paper</a:t>
+            </a:r>
+          </a:p>
+          <a:p>
+            <a:endParaRPr lang="en-US" dirty="0"/>
+          </a:p>
+          <a:p>
+            <a:r>
+              <a:rPr lang="en-US" dirty="0"/>
+              <a:t>venues: PNAS? mol. </a:t>
+            </a:r>
+            <a:r>
+              <a:rPr lang="en-US" dirty="0" err="1"/>
+              <a:t>sys.bio</a:t>
+            </a:r>
+            <a:r>
+              <a:rPr lang="en-US" dirty="0"/>
+              <a:t>., </a:t>
+            </a:r>
+            <a:r>
+              <a:rPr lang="en-US" dirty="0" err="1"/>
+              <a:t>plos</a:t>
+            </a:r>
+            <a:r>
+              <a:rPr lang="en-US" dirty="0"/>
+              <a:t> comp bio</a:t>
+            </a:r>
+          </a:p>
+          <a:p>
+            <a:endParaRPr lang="en-US" dirty="0"/>
+          </a:p>
+          <a:p>
+            <a:r>
+              <a:rPr lang="en-US" dirty="0"/>
+              <a:t>drug </a:t>
+            </a:r>
+            <a:r>
+              <a:rPr lang="en-US" dirty="0" err="1"/>
+              <a:t>reponse</a:t>
+            </a:r>
+            <a:r>
+              <a:rPr lang="en-US" dirty="0"/>
+              <a:t> analysis for wider audience, other organisms with knockouts?</a:t>
+            </a:r>
+          </a:p>
+          <a:p>
+            <a:r>
+              <a:rPr lang="en-US" dirty="0"/>
+              <a:t>just run drug analyses and show they’re different</a:t>
+            </a:r>
+          </a:p>
+        </p:txBody>
+      </p:sp>
+      <p:sp>
+        <p:nvSpPr>
+          <p:cNvPr id="4" name="Slide Number Placeholder 3"/>
+          <p:cNvSpPr>
+            <a:spLocks noGrp="1"/>
+          </p:cNvSpPr>
+          <p:nvPr>
+            <p:ph type="sldNum" sz="quarter" idx="5"/>
+          </p:nvPr>
+        </p:nvSpPr>
+        <p:spPr/>
+        <p:txBody>
+          <a:bodyPr/>
+          <a:lstStyle/>
+          <a:p>
+            <a:fld id="{99DC428D-B8B9-9A4D-9B63-4FFB6E16CD68}" type="slidenum">
+              <a:rPr lang="en-US" smtClean="0"/>
+              <a:t>11</a:t>
+            </a:fld>
+            <a:endParaRPr lang="en-US"/>
+          </a:p>
+        </p:txBody>
+      </p:sp>
+    </p:spTree>
+    <p:extLst>
+      <p:ext uri="{BB962C8B-B14F-4D97-AF65-F5344CB8AC3E}">
+        <p14:creationId xmlns:p14="http://schemas.microsoft.com/office/powerpoint/2010/main" val="3781149296"/>
+      </p:ext>
+    </p:extLst>
+  </p:cSld>
+  <p:clrMapOvr>
+    <a:masterClrMapping/>
+  </p:clrMapOvr>
+</p:notes>
+</file>
+
+<file path=ppt/notesSlides/notesSlide6.xml><?xml version="1.0" encoding="utf-8"?>
+<p:notes xmlns:a="http://schemas.openxmlformats.org/drawingml/2006/main" xmlns:r="http://schemas.openxmlformats.org/officeDocument/2006/relationships" xmlns:p="http://schemas.openxmlformats.org/presentationml/2006/main">
+  <p:cSld>
+    <p:spTree>
+      <p:nvGrpSpPr>
+        <p:cNvPr id="1" name=""/>
+        <p:cNvGrpSpPr/>
+        <p:nvPr/>
+      </p:nvGrpSpPr>
+      <p:grpSpPr>
+        <a:xfrm>
+          <a:off x="0" y="0"/>
+          <a:ext cx="0" cy="0"/>
+          <a:chOff x="0" y="0"/>
+          <a:chExt cx="0" cy="0"/>
+        </a:xfrm>
+      </p:grpSpPr>
+      <p:sp>
+        <p:nvSpPr>
+          <p:cNvPr id="2" name="Slide Image Placeholder 1"/>
+          <p:cNvSpPr>
+            <a:spLocks noGrp="1" noRot="1" noChangeAspect="1"/>
+          </p:cNvSpPr>
+          <p:nvPr>
+            <p:ph type="sldImg"/>
+          </p:nvPr>
+        </p:nvSpPr>
+        <p:spPr/>
+      </p:sp>
+      <p:sp>
+        <p:nvSpPr>
+          <p:cNvPr id="3" name="Notes Placeholder 2"/>
+          <p:cNvSpPr>
+            <a:spLocks noGrp="1"/>
+          </p:cNvSpPr>
+          <p:nvPr>
+            <p:ph type="body" idx="1"/>
+          </p:nvPr>
+        </p:nvSpPr>
+        <p:spPr/>
+        <p:txBody>
+          <a:bodyPr/>
+          <a:lstStyle/>
+          <a:p>
+            <a:r>
+              <a:rPr lang="en-US" dirty="0"/>
+              <a:t>evidence of </a:t>
+            </a:r>
+            <a:r>
+              <a:rPr lang="en-US" dirty="0" err="1"/>
+              <a:t>functinally</a:t>
+            </a:r>
+            <a:r>
+              <a:rPr lang="en-US" dirty="0"/>
+              <a:t> redundant</a:t>
+            </a:r>
+          </a:p>
+          <a:p>
+            <a:r>
+              <a:rPr lang="en-US" dirty="0"/>
+              <a:t>look into these gene pairs more for story</a:t>
+            </a:r>
+          </a:p>
+          <a:p>
+            <a:endParaRPr lang="en-US" dirty="0"/>
+          </a:p>
+          <a:p>
+            <a:r>
+              <a:rPr lang="en-US" dirty="0"/>
+              <a:t>all math in </a:t>
+            </a:r>
+            <a:r>
+              <a:rPr lang="en-US" dirty="0" err="1"/>
+              <a:t>sep.</a:t>
+            </a:r>
+            <a:r>
+              <a:rPr lang="en-US" dirty="0"/>
+              <a:t> document with data reanalysis in own manuscript? multivariate </a:t>
+            </a:r>
+            <a:r>
+              <a:rPr lang="en-US" dirty="0" err="1"/>
+              <a:t>bern</a:t>
+            </a:r>
+            <a:r>
+              <a:rPr lang="en-US" dirty="0"/>
+              <a:t>. in another paper</a:t>
+            </a:r>
+          </a:p>
+          <a:p>
+            <a:endParaRPr lang="en-US" dirty="0"/>
+          </a:p>
+          <a:p>
+            <a:r>
+              <a:rPr lang="en-US" dirty="0"/>
+              <a:t>venues: PNAS? mol. </a:t>
+            </a:r>
+            <a:r>
+              <a:rPr lang="en-US" dirty="0" err="1"/>
+              <a:t>sys.bio</a:t>
+            </a:r>
+            <a:r>
+              <a:rPr lang="en-US" dirty="0"/>
+              <a:t>., </a:t>
+            </a:r>
+            <a:r>
+              <a:rPr lang="en-US" dirty="0" err="1"/>
+              <a:t>plos</a:t>
+            </a:r>
+            <a:r>
+              <a:rPr lang="en-US" dirty="0"/>
+              <a:t> comp bio</a:t>
+            </a:r>
+          </a:p>
+          <a:p>
+            <a:endParaRPr lang="en-US" dirty="0"/>
+          </a:p>
+          <a:p>
+            <a:r>
+              <a:rPr lang="en-US" dirty="0"/>
+              <a:t>drug </a:t>
+            </a:r>
+            <a:r>
+              <a:rPr lang="en-US" dirty="0" err="1"/>
+              <a:t>reponse</a:t>
+            </a:r>
+            <a:r>
+              <a:rPr lang="en-US" dirty="0"/>
+              <a:t> analysis for wider audience, other organisms with knockouts?</a:t>
+            </a:r>
+          </a:p>
+          <a:p>
+            <a:r>
+              <a:rPr lang="en-US" dirty="0"/>
+              <a:t>just run drug analyses and show they’re different</a:t>
+            </a:r>
+          </a:p>
+        </p:txBody>
+      </p:sp>
+      <p:sp>
+        <p:nvSpPr>
+          <p:cNvPr id="4" name="Slide Number Placeholder 3"/>
+          <p:cNvSpPr>
+            <a:spLocks noGrp="1"/>
+          </p:cNvSpPr>
+          <p:nvPr>
+            <p:ph type="sldNum" sz="quarter" idx="5"/>
+          </p:nvPr>
+        </p:nvSpPr>
+        <p:spPr/>
+        <p:txBody>
+          <a:bodyPr/>
+          <a:lstStyle/>
+          <a:p>
+            <a:fld id="{99DC428D-B8B9-9A4D-9B63-4FFB6E16CD68}" type="slidenum">
+              <a:rPr lang="en-US" smtClean="0"/>
               <a:t>14</a:t>
+            </a:fld>
+            <a:endParaRPr lang="en-US"/>
+          </a:p>
+        </p:txBody>
+      </p:sp>
+    </p:spTree>
+    <p:extLst>
+      <p:ext uri="{BB962C8B-B14F-4D97-AF65-F5344CB8AC3E}">
+        <p14:creationId xmlns:p14="http://schemas.microsoft.com/office/powerpoint/2010/main" val="1635314218"/>
+      </p:ext>
+    </p:extLst>
+  </p:cSld>
+  <p:clrMapOvr>
+    <a:masterClrMapping/>
+  </p:clrMapOvr>
+</p:notes>
+</file>
+
+<file path=ppt/notesSlides/notesSlide7.xml><?xml version="1.0" encoding="utf-8"?>
+<p:notes xmlns:a="http://schemas.openxmlformats.org/drawingml/2006/main" xmlns:r="http://schemas.openxmlformats.org/officeDocument/2006/relationships" xmlns:p="http://schemas.openxmlformats.org/presentationml/2006/main">
+  <p:cSld>
+    <p:spTree>
+      <p:nvGrpSpPr>
+        <p:cNvPr id="1" name=""/>
+        <p:cNvGrpSpPr/>
+        <p:nvPr/>
+      </p:nvGrpSpPr>
+      <p:grpSpPr>
+        <a:xfrm>
+          <a:off x="0" y="0"/>
+          <a:ext cx="0" cy="0"/>
+          <a:chOff x="0" y="0"/>
+          <a:chExt cx="0" cy="0"/>
+        </a:xfrm>
+      </p:grpSpPr>
+      <p:sp>
+        <p:nvSpPr>
+          <p:cNvPr id="2" name="Slide Image Placeholder 1"/>
+          <p:cNvSpPr>
+            <a:spLocks noGrp="1" noRot="1" noChangeAspect="1"/>
+          </p:cNvSpPr>
+          <p:nvPr>
+            <p:ph type="sldImg"/>
+          </p:nvPr>
+        </p:nvSpPr>
+        <p:spPr/>
+      </p:sp>
+      <p:sp>
+        <p:nvSpPr>
+          <p:cNvPr id="3" name="Notes Placeholder 2"/>
+          <p:cNvSpPr>
+            <a:spLocks noGrp="1"/>
+          </p:cNvSpPr>
+          <p:nvPr>
+            <p:ph type="body" idx="1"/>
+          </p:nvPr>
+        </p:nvSpPr>
+        <p:spPr/>
+        <p:txBody>
+          <a:bodyPr/>
+          <a:lstStyle/>
+          <a:p>
+            <a:endParaRPr lang="en-US" dirty="0"/>
+          </a:p>
+        </p:txBody>
+      </p:sp>
+      <p:sp>
+        <p:nvSpPr>
+          <p:cNvPr id="4" name="Slide Number Placeholder 3"/>
+          <p:cNvSpPr>
+            <a:spLocks noGrp="1"/>
+          </p:cNvSpPr>
+          <p:nvPr>
+            <p:ph type="sldNum" sz="quarter" idx="5"/>
+          </p:nvPr>
+        </p:nvSpPr>
+        <p:spPr/>
+        <p:txBody>
+          <a:bodyPr/>
+          <a:lstStyle/>
+          <a:p>
+            <a:fld id="{99DC428D-B8B9-9A4D-9B63-4FFB6E16CD68}" type="slidenum">
+              <a:rPr lang="en-US" smtClean="0"/>
+              <a:t>20</a:t>
             </a:fld>
             <a:endParaRPr lang="en-US"/>
           </a:p>
@@ -1067,7 +1453,7 @@
           <a:p>
             <a:fld id="{603DBC62-F765-EF46-81A2-1D333B03ED06}" type="datetimeFigureOut">
               <a:rPr lang="en-US" smtClean="0"/>
-              <a:t>9/20/22</a:t>
+              <a:t>10/25/22</a:t>
             </a:fld>
             <a:endParaRPr lang="en-US"/>
           </a:p>
@@ -1265,7 +1651,7 @@
           <a:p>
             <a:fld id="{603DBC62-F765-EF46-81A2-1D333B03ED06}" type="datetimeFigureOut">
               <a:rPr lang="en-US" smtClean="0"/>
-              <a:t>9/20/22</a:t>
+              <a:t>10/25/22</a:t>
             </a:fld>
             <a:endParaRPr lang="en-US"/>
           </a:p>
@@ -1473,7 +1859,7 @@
           <a:p>
             <a:fld id="{603DBC62-F765-EF46-81A2-1D333B03ED06}" type="datetimeFigureOut">
               <a:rPr lang="en-US" smtClean="0"/>
-              <a:t>9/20/22</a:t>
+              <a:t>10/25/22</a:t>
             </a:fld>
             <a:endParaRPr lang="en-US"/>
           </a:p>
@@ -1671,7 +2057,7 @@
           <a:p>
             <a:fld id="{603DBC62-F765-EF46-81A2-1D333B03ED06}" type="datetimeFigureOut">
               <a:rPr lang="en-US" smtClean="0"/>
-              <a:t>9/20/22</a:t>
+              <a:t>10/25/22</a:t>
             </a:fld>
             <a:endParaRPr lang="en-US"/>
           </a:p>
@@ -1946,7 +2332,7 @@
           <a:p>
             <a:fld id="{603DBC62-F765-EF46-81A2-1D333B03ED06}" type="datetimeFigureOut">
               <a:rPr lang="en-US" smtClean="0"/>
-              <a:t>9/20/22</a:t>
+              <a:t>10/25/22</a:t>
             </a:fld>
             <a:endParaRPr lang="en-US"/>
           </a:p>
@@ -2211,7 +2597,7 @@
           <a:p>
             <a:fld id="{603DBC62-F765-EF46-81A2-1D333B03ED06}" type="datetimeFigureOut">
               <a:rPr lang="en-US" smtClean="0"/>
-              <a:t>9/20/22</a:t>
+              <a:t>10/25/22</a:t>
             </a:fld>
             <a:endParaRPr lang="en-US"/>
           </a:p>
@@ -2623,7 +3009,7 @@
           <a:p>
             <a:fld id="{603DBC62-F765-EF46-81A2-1D333B03ED06}" type="datetimeFigureOut">
               <a:rPr lang="en-US" smtClean="0"/>
-              <a:t>9/20/22</a:t>
+              <a:t>10/25/22</a:t>
             </a:fld>
             <a:endParaRPr lang="en-US"/>
           </a:p>
@@ -2764,7 +3150,7 @@
           <a:p>
             <a:fld id="{603DBC62-F765-EF46-81A2-1D333B03ED06}" type="datetimeFigureOut">
               <a:rPr lang="en-US" smtClean="0"/>
-              <a:t>9/20/22</a:t>
+              <a:t>10/25/22</a:t>
             </a:fld>
             <a:endParaRPr lang="en-US"/>
           </a:p>
@@ -2877,7 +3263,7 @@
           <a:p>
             <a:fld id="{603DBC62-F765-EF46-81A2-1D333B03ED06}" type="datetimeFigureOut">
               <a:rPr lang="en-US" smtClean="0"/>
-              <a:t>9/20/22</a:t>
+              <a:t>10/25/22</a:t>
             </a:fld>
             <a:endParaRPr lang="en-US"/>
           </a:p>
@@ -3188,7 +3574,7 @@
           <a:p>
             <a:fld id="{603DBC62-F765-EF46-81A2-1D333B03ED06}" type="datetimeFigureOut">
               <a:rPr lang="en-US" smtClean="0"/>
-              <a:t>9/20/22</a:t>
+              <a:t>10/25/22</a:t>
             </a:fld>
             <a:endParaRPr lang="en-US"/>
           </a:p>
@@ -3476,7 +3862,7 @@
           <a:p>
             <a:fld id="{603DBC62-F765-EF46-81A2-1D333B03ED06}" type="datetimeFigureOut">
               <a:rPr lang="en-US" smtClean="0"/>
-              <a:t>9/20/22</a:t>
+              <a:t>10/25/22</a:t>
             </a:fld>
             <a:endParaRPr lang="en-US"/>
           </a:p>
@@ -3717,7 +4103,7 @@
           <a:p>
             <a:fld id="{603DBC62-F765-EF46-81A2-1D333B03ED06}" type="datetimeFigureOut">
               <a:rPr lang="en-US" smtClean="0"/>
-              <a:t>9/20/22</a:t>
+              <a:t>10/25/22</a:t>
             </a:fld>
             <a:endParaRPr lang="en-US"/>
           </a:p>
@@ -4220,2271 +4606,6 @@
         </p:nvSpPr>
         <p:spPr>
           <a:xfrm>
-            <a:off x="2505992" y="204413"/>
-            <a:ext cx="1518364" cy="369332"/>
-          </a:xfrm>
-          <a:prstGeom prst="rect">
-            <a:avLst/>
-          </a:prstGeom>
-          <a:noFill/>
-        </p:spPr>
-        <p:txBody>
-          <a:bodyPr wrap="none" rtlCol="0">
-            <a:spAutoFit/>
-          </a:bodyPr>
-          <a:lstStyle/>
-          <a:p>
-            <a:r>
-              <a:rPr lang="en-US" dirty="0">
-                <a:latin typeface="Helvetica" pitchFamily="2" charset="0"/>
-              </a:rPr>
-              <a:t>2020 dataset</a:t>
-            </a:r>
-          </a:p>
-        </p:txBody>
-      </p:sp>
-      <p:pic>
-        <p:nvPicPr>
-          <p:cNvPr id="2" name="Picture 1">
-            <a:extLst>
-              <a:ext uri="{FF2B5EF4-FFF2-40B4-BE49-F238E27FC236}">
-                <a16:creationId xmlns:a16="http://schemas.microsoft.com/office/drawing/2014/main" id="{082BA019-4DBA-0C9C-2971-C5F1AA7D1893}"/>
-              </a:ext>
-            </a:extLst>
-          </p:cNvPr>
-          <p:cNvPicPr>
-            <a:picLocks noChangeAspect="1"/>
-          </p:cNvPicPr>
-          <p:nvPr/>
-        </p:nvPicPr>
-        <p:blipFill>
-          <a:blip r:embed="rId2"/>
-          <a:stretch>
-            <a:fillRect/>
-          </a:stretch>
-        </p:blipFill>
-        <p:spPr>
-          <a:xfrm>
-            <a:off x="1107988" y="604960"/>
-            <a:ext cx="4314372" cy="2651760"/>
-          </a:xfrm>
-          <a:prstGeom prst="rect">
-            <a:avLst/>
-          </a:prstGeom>
-        </p:spPr>
-      </p:pic>
-      <p:sp>
-        <p:nvSpPr>
-          <p:cNvPr id="4" name="TextBox 3">
-            <a:extLst>
-              <a:ext uri="{FF2B5EF4-FFF2-40B4-BE49-F238E27FC236}">
-                <a16:creationId xmlns:a16="http://schemas.microsoft.com/office/drawing/2014/main" id="{02F4BFEF-9FDE-CE72-2285-A609EF0B0F98}"/>
-              </a:ext>
-            </a:extLst>
-          </p:cNvPr>
-          <p:cNvSpPr txBox="1"/>
-          <p:nvPr/>
-        </p:nvSpPr>
-        <p:spPr>
-          <a:xfrm>
-            <a:off x="2505992" y="3363160"/>
-            <a:ext cx="1518364" cy="369332"/>
-          </a:xfrm>
-          <a:prstGeom prst="rect">
-            <a:avLst/>
-          </a:prstGeom>
-          <a:noFill/>
-        </p:spPr>
-        <p:txBody>
-          <a:bodyPr wrap="none" rtlCol="0">
-            <a:spAutoFit/>
-          </a:bodyPr>
-          <a:lstStyle/>
-          <a:p>
-            <a:r>
-              <a:rPr lang="en-US" dirty="0">
-                <a:latin typeface="Helvetica" pitchFamily="2" charset="0"/>
-              </a:rPr>
-              <a:t>2018 dataset</a:t>
-            </a:r>
-          </a:p>
-        </p:txBody>
-      </p:sp>
-      <p:pic>
-        <p:nvPicPr>
-          <p:cNvPr id="11" name="Picture 10">
-            <a:extLst>
-              <a:ext uri="{FF2B5EF4-FFF2-40B4-BE49-F238E27FC236}">
-                <a16:creationId xmlns:a16="http://schemas.microsoft.com/office/drawing/2014/main" id="{154C5E8A-3E02-9C85-D5B4-AF96094BF5B7}"/>
-              </a:ext>
-            </a:extLst>
-          </p:cNvPr>
-          <p:cNvPicPr>
-            <a:picLocks noChangeAspect="1"/>
-          </p:cNvPicPr>
-          <p:nvPr/>
-        </p:nvPicPr>
-        <p:blipFill>
-          <a:blip r:embed="rId3"/>
-          <a:stretch>
-            <a:fillRect/>
-          </a:stretch>
-        </p:blipFill>
-        <p:spPr>
-          <a:xfrm>
-            <a:off x="1150080" y="3777845"/>
-            <a:ext cx="4272280" cy="2651760"/>
-          </a:xfrm>
-          <a:prstGeom prst="rect">
-            <a:avLst/>
-          </a:prstGeom>
-        </p:spPr>
-      </p:pic>
-      <p:sp>
-        <p:nvSpPr>
-          <p:cNvPr id="18" name="TextBox 17">
-            <a:extLst>
-              <a:ext uri="{FF2B5EF4-FFF2-40B4-BE49-F238E27FC236}">
-                <a16:creationId xmlns:a16="http://schemas.microsoft.com/office/drawing/2014/main" id="{4CEA69C1-F5D1-802A-7DF1-8721F7CE7AE2}"/>
-              </a:ext>
-            </a:extLst>
-          </p:cNvPr>
-          <p:cNvSpPr txBox="1"/>
-          <p:nvPr/>
-        </p:nvSpPr>
-        <p:spPr>
-          <a:xfrm>
-            <a:off x="1024467" y="92877"/>
-            <a:ext cx="423514" cy="523220"/>
-          </a:xfrm>
-          <a:prstGeom prst="rect">
-            <a:avLst/>
-          </a:prstGeom>
-          <a:noFill/>
-        </p:spPr>
-        <p:txBody>
-          <a:bodyPr wrap="none" rtlCol="0">
-            <a:spAutoFit/>
-          </a:bodyPr>
-          <a:lstStyle/>
-          <a:p>
-            <a:r>
-              <a:rPr lang="en-US" sz="2800" dirty="0">
-                <a:latin typeface="Helvetica" pitchFamily="2" charset="0"/>
-              </a:rPr>
-              <a:t>A</a:t>
-            </a:r>
-          </a:p>
-        </p:txBody>
-      </p:sp>
-      <p:sp>
-        <p:nvSpPr>
-          <p:cNvPr id="20" name="TextBox 19">
-            <a:extLst>
-              <a:ext uri="{FF2B5EF4-FFF2-40B4-BE49-F238E27FC236}">
-                <a16:creationId xmlns:a16="http://schemas.microsoft.com/office/drawing/2014/main" id="{9D781A77-2F4B-881B-87C0-6150C9E3DFF6}"/>
-              </a:ext>
-            </a:extLst>
-          </p:cNvPr>
-          <p:cNvSpPr txBox="1"/>
-          <p:nvPr/>
-        </p:nvSpPr>
-        <p:spPr>
-          <a:xfrm>
-            <a:off x="1024467" y="3261241"/>
-            <a:ext cx="423514" cy="523220"/>
-          </a:xfrm>
-          <a:prstGeom prst="rect">
-            <a:avLst/>
-          </a:prstGeom>
-          <a:noFill/>
-        </p:spPr>
-        <p:txBody>
-          <a:bodyPr wrap="none" rtlCol="0">
-            <a:spAutoFit/>
-          </a:bodyPr>
-          <a:lstStyle/>
-          <a:p>
-            <a:r>
-              <a:rPr lang="en-US" sz="2800" dirty="0">
-                <a:latin typeface="Helvetica" pitchFamily="2" charset="0"/>
-              </a:rPr>
-              <a:t>B</a:t>
-            </a:r>
-          </a:p>
-        </p:txBody>
-      </p:sp>
-    </p:spTree>
-    <p:extLst>
-      <p:ext uri="{BB962C8B-B14F-4D97-AF65-F5344CB8AC3E}">
-        <p14:creationId xmlns:p14="http://schemas.microsoft.com/office/powerpoint/2010/main" val="1651700424"/>
-      </p:ext>
-    </p:extLst>
-  </p:cSld>
-  <p:clrMapOvr>
-    <a:masterClrMapping/>
-  </p:clrMapOvr>
-</p:sld>
-</file>
-
-<file path=ppt/slides/slide11.xml><?xml version="1.0" encoding="utf-8"?>
-<p:sld xmlns:a="http://schemas.openxmlformats.org/drawingml/2006/main" xmlns:r="http://schemas.openxmlformats.org/officeDocument/2006/relationships" xmlns:p="http://schemas.openxmlformats.org/presentationml/2006/main">
-  <p:cSld>
-    <p:bg>
-      <p:bgPr>
-        <a:solidFill>
-          <a:schemeClr val="bg1">
-            <a:alpha val="47177"/>
-          </a:schemeClr>
-        </a:solidFill>
-        <a:effectLst/>
-      </p:bgPr>
-    </p:bg>
-    <p:spTree>
-      <p:nvGrpSpPr>
-        <p:cNvPr id="1" name=""/>
-        <p:cNvGrpSpPr/>
-        <p:nvPr/>
-      </p:nvGrpSpPr>
-      <p:grpSpPr>
-        <a:xfrm>
-          <a:off x="0" y="0"/>
-          <a:ext cx="0" cy="0"/>
-          <a:chOff x="0" y="0"/>
-          <a:chExt cx="0" cy="0"/>
-        </a:xfrm>
-      </p:grpSpPr>
-      <p:grpSp>
-        <p:nvGrpSpPr>
-          <p:cNvPr id="16" name="Group 15">
-            <a:extLst>
-              <a:ext uri="{FF2B5EF4-FFF2-40B4-BE49-F238E27FC236}">
-                <a16:creationId xmlns:a16="http://schemas.microsoft.com/office/drawing/2014/main" id="{A076B026-A562-1F4F-79B2-52821FC640FF}"/>
-              </a:ext>
-            </a:extLst>
-          </p:cNvPr>
-          <p:cNvGrpSpPr/>
-          <p:nvPr/>
-        </p:nvGrpSpPr>
-        <p:grpSpPr>
-          <a:xfrm>
-            <a:off x="1098233" y="160169"/>
-            <a:ext cx="4314372" cy="6176544"/>
-            <a:chOff x="6405911" y="261769"/>
-            <a:chExt cx="4314372" cy="6176544"/>
-          </a:xfrm>
-        </p:grpSpPr>
-        <p:sp>
-          <p:nvSpPr>
-            <p:cNvPr id="17" name="TextBox 16">
-              <a:extLst>
-                <a:ext uri="{FF2B5EF4-FFF2-40B4-BE49-F238E27FC236}">
-                  <a16:creationId xmlns:a16="http://schemas.microsoft.com/office/drawing/2014/main" id="{CCC06B6F-0619-968C-F2AC-9F22B08985E1}"/>
-                </a:ext>
-              </a:extLst>
-            </p:cNvPr>
-            <p:cNvSpPr txBox="1"/>
-            <p:nvPr/>
-          </p:nvSpPr>
-          <p:spPr>
-            <a:xfrm>
-              <a:off x="7813670" y="261769"/>
-              <a:ext cx="1518364" cy="369332"/>
-            </a:xfrm>
-            <a:prstGeom prst="rect">
-              <a:avLst/>
-            </a:prstGeom>
-            <a:noFill/>
-          </p:spPr>
-          <p:txBody>
-            <a:bodyPr wrap="none" rtlCol="0">
-              <a:spAutoFit/>
-            </a:bodyPr>
-            <a:lstStyle/>
-            <a:p>
-              <a:r>
-                <a:rPr lang="en-US" dirty="0">
-                  <a:latin typeface="Helvetica" pitchFamily="2" charset="0"/>
-                </a:rPr>
-                <a:t>2020 dataset</a:t>
-              </a:r>
-            </a:p>
-          </p:txBody>
-        </p:sp>
-        <p:pic>
-          <p:nvPicPr>
-            <p:cNvPr id="2" name="Picture 1">
-              <a:extLst>
-                <a:ext uri="{FF2B5EF4-FFF2-40B4-BE49-F238E27FC236}">
-                  <a16:creationId xmlns:a16="http://schemas.microsoft.com/office/drawing/2014/main" id="{082BA019-4DBA-0C9C-2971-C5F1AA7D1893}"/>
-                </a:ext>
-              </a:extLst>
-            </p:cNvPr>
-            <p:cNvPicPr>
-              <a:picLocks noChangeAspect="1"/>
-            </p:cNvPicPr>
-            <p:nvPr/>
-          </p:nvPicPr>
-          <p:blipFill>
-            <a:blip r:embed="rId2"/>
-            <a:stretch>
-              <a:fillRect/>
-            </a:stretch>
-          </p:blipFill>
-          <p:spPr>
-            <a:xfrm>
-              <a:off x="6405911" y="3786553"/>
-              <a:ext cx="4314372" cy="2651760"/>
-            </a:xfrm>
-            <a:prstGeom prst="rect">
-              <a:avLst/>
-            </a:prstGeom>
-          </p:spPr>
-        </p:pic>
-        <p:pic>
-          <p:nvPicPr>
-            <p:cNvPr id="5" name="Picture 4">
-              <a:extLst>
-                <a:ext uri="{FF2B5EF4-FFF2-40B4-BE49-F238E27FC236}">
-                  <a16:creationId xmlns:a16="http://schemas.microsoft.com/office/drawing/2014/main" id="{952C7601-6911-868A-A857-2ECA7520C082}"/>
-                </a:ext>
-              </a:extLst>
-            </p:cNvPr>
-            <p:cNvPicPr>
-              <a:picLocks noChangeAspect="1"/>
-            </p:cNvPicPr>
-            <p:nvPr/>
-          </p:nvPicPr>
-          <p:blipFill>
-            <a:blip r:embed="rId3"/>
-            <a:stretch>
-              <a:fillRect/>
-            </a:stretch>
-          </p:blipFill>
-          <p:spPr>
-            <a:xfrm>
-              <a:off x="6767905" y="700982"/>
-              <a:ext cx="3590383" cy="2734056"/>
-            </a:xfrm>
-            <a:prstGeom prst="rect">
-              <a:avLst/>
-            </a:prstGeom>
-          </p:spPr>
-        </p:pic>
-      </p:grpSp>
-      <p:grpSp>
-        <p:nvGrpSpPr>
-          <p:cNvPr id="15" name="Group 14">
-            <a:extLst>
-              <a:ext uri="{FF2B5EF4-FFF2-40B4-BE49-F238E27FC236}">
-                <a16:creationId xmlns:a16="http://schemas.microsoft.com/office/drawing/2014/main" id="{49EF675B-5B62-9A5D-D8D1-DEA6E46028C5}"/>
-              </a:ext>
-            </a:extLst>
-          </p:cNvPr>
-          <p:cNvGrpSpPr/>
-          <p:nvPr/>
-        </p:nvGrpSpPr>
-        <p:grpSpPr>
-          <a:xfrm>
-            <a:off x="5918200" y="147469"/>
-            <a:ext cx="4272280" cy="6189244"/>
-            <a:chOff x="556484" y="249069"/>
-            <a:chExt cx="4272280" cy="6189244"/>
-          </a:xfrm>
-        </p:grpSpPr>
-        <p:sp>
-          <p:nvSpPr>
-            <p:cNvPr id="4" name="TextBox 3">
-              <a:extLst>
-                <a:ext uri="{FF2B5EF4-FFF2-40B4-BE49-F238E27FC236}">
-                  <a16:creationId xmlns:a16="http://schemas.microsoft.com/office/drawing/2014/main" id="{02F4BFEF-9FDE-CE72-2285-A609EF0B0F98}"/>
-                </a:ext>
-              </a:extLst>
-            </p:cNvPr>
-            <p:cNvSpPr txBox="1"/>
-            <p:nvPr/>
-          </p:nvSpPr>
-          <p:spPr>
-            <a:xfrm>
-              <a:off x="1945287" y="249069"/>
-              <a:ext cx="1518364" cy="369332"/>
-            </a:xfrm>
-            <a:prstGeom prst="rect">
-              <a:avLst/>
-            </a:prstGeom>
-            <a:noFill/>
-          </p:spPr>
-          <p:txBody>
-            <a:bodyPr wrap="none" rtlCol="0">
-              <a:spAutoFit/>
-            </a:bodyPr>
-            <a:lstStyle/>
-            <a:p>
-              <a:r>
-                <a:rPr lang="en-US" dirty="0">
-                  <a:latin typeface="Helvetica" pitchFamily="2" charset="0"/>
-                </a:rPr>
-                <a:t>2018 dataset</a:t>
-              </a:r>
-            </a:p>
-          </p:txBody>
-        </p:sp>
-        <p:pic>
-          <p:nvPicPr>
-            <p:cNvPr id="9" name="Picture 8">
-              <a:extLst>
-                <a:ext uri="{FF2B5EF4-FFF2-40B4-BE49-F238E27FC236}">
-                  <a16:creationId xmlns:a16="http://schemas.microsoft.com/office/drawing/2014/main" id="{6958F28B-CBE7-7298-0700-D70F11403E8C}"/>
-                </a:ext>
-              </a:extLst>
-            </p:cNvPr>
-            <p:cNvPicPr>
-              <a:picLocks noChangeAspect="1"/>
-            </p:cNvPicPr>
-            <p:nvPr/>
-          </p:nvPicPr>
-          <p:blipFill>
-            <a:blip r:embed="rId4"/>
-            <a:stretch>
-              <a:fillRect/>
-            </a:stretch>
-          </p:blipFill>
-          <p:spPr>
-            <a:xfrm>
-              <a:off x="899384" y="700982"/>
-              <a:ext cx="3590383" cy="2734056"/>
-            </a:xfrm>
-            <a:prstGeom prst="rect">
-              <a:avLst/>
-            </a:prstGeom>
-          </p:spPr>
-        </p:pic>
-        <p:pic>
-          <p:nvPicPr>
-            <p:cNvPr id="11" name="Picture 10">
-              <a:extLst>
-                <a:ext uri="{FF2B5EF4-FFF2-40B4-BE49-F238E27FC236}">
-                  <a16:creationId xmlns:a16="http://schemas.microsoft.com/office/drawing/2014/main" id="{154C5E8A-3E02-9C85-D5B4-AF96094BF5B7}"/>
-                </a:ext>
-              </a:extLst>
-            </p:cNvPr>
-            <p:cNvPicPr>
-              <a:picLocks noChangeAspect="1"/>
-            </p:cNvPicPr>
-            <p:nvPr/>
-          </p:nvPicPr>
-          <p:blipFill>
-            <a:blip r:embed="rId5"/>
-            <a:stretch>
-              <a:fillRect/>
-            </a:stretch>
-          </p:blipFill>
-          <p:spPr>
-            <a:xfrm>
-              <a:off x="556484" y="3786553"/>
-              <a:ext cx="4272280" cy="2651760"/>
-            </a:xfrm>
-            <a:prstGeom prst="rect">
-              <a:avLst/>
-            </a:prstGeom>
-          </p:spPr>
-        </p:pic>
-      </p:grpSp>
-      <p:sp>
-        <p:nvSpPr>
-          <p:cNvPr id="18" name="TextBox 17">
-            <a:extLst>
-              <a:ext uri="{FF2B5EF4-FFF2-40B4-BE49-F238E27FC236}">
-                <a16:creationId xmlns:a16="http://schemas.microsoft.com/office/drawing/2014/main" id="{4CEA69C1-F5D1-802A-7DF1-8721F7CE7AE2}"/>
-              </a:ext>
-            </a:extLst>
-          </p:cNvPr>
-          <p:cNvSpPr txBox="1"/>
-          <p:nvPr/>
-        </p:nvSpPr>
-        <p:spPr>
-          <a:xfrm>
-            <a:off x="1024467" y="92877"/>
-            <a:ext cx="423514" cy="523220"/>
-          </a:xfrm>
-          <a:prstGeom prst="rect">
-            <a:avLst/>
-          </a:prstGeom>
-          <a:noFill/>
-        </p:spPr>
-        <p:txBody>
-          <a:bodyPr wrap="none" rtlCol="0">
-            <a:spAutoFit/>
-          </a:bodyPr>
-          <a:lstStyle/>
-          <a:p>
-            <a:r>
-              <a:rPr lang="en-US" sz="2800" dirty="0">
-                <a:latin typeface="Helvetica" pitchFamily="2" charset="0"/>
-              </a:rPr>
-              <a:t>A</a:t>
-            </a:r>
-          </a:p>
-        </p:txBody>
-      </p:sp>
-      <p:sp>
-        <p:nvSpPr>
-          <p:cNvPr id="19" name="TextBox 18">
-            <a:extLst>
-              <a:ext uri="{FF2B5EF4-FFF2-40B4-BE49-F238E27FC236}">
-                <a16:creationId xmlns:a16="http://schemas.microsoft.com/office/drawing/2014/main" id="{7235B3FF-0567-27FC-6321-8F73255D8D47}"/>
-              </a:ext>
-            </a:extLst>
-          </p:cNvPr>
-          <p:cNvSpPr txBox="1"/>
-          <p:nvPr/>
-        </p:nvSpPr>
-        <p:spPr>
-          <a:xfrm>
-            <a:off x="5795718" y="108149"/>
-            <a:ext cx="444352" cy="523220"/>
-          </a:xfrm>
-          <a:prstGeom prst="rect">
-            <a:avLst/>
-          </a:prstGeom>
-          <a:noFill/>
-        </p:spPr>
-        <p:txBody>
-          <a:bodyPr wrap="none" rtlCol="0">
-            <a:spAutoFit/>
-          </a:bodyPr>
-          <a:lstStyle/>
-          <a:p>
-            <a:r>
-              <a:rPr lang="en-US" sz="2800" dirty="0">
-                <a:latin typeface="Helvetica" pitchFamily="2" charset="0"/>
-              </a:rPr>
-              <a:t>C</a:t>
-            </a:r>
-          </a:p>
-        </p:txBody>
-      </p:sp>
-      <p:sp>
-        <p:nvSpPr>
-          <p:cNvPr id="20" name="TextBox 19">
-            <a:extLst>
-              <a:ext uri="{FF2B5EF4-FFF2-40B4-BE49-F238E27FC236}">
-                <a16:creationId xmlns:a16="http://schemas.microsoft.com/office/drawing/2014/main" id="{9D781A77-2F4B-881B-87C0-6150C9E3DFF6}"/>
-              </a:ext>
-            </a:extLst>
-          </p:cNvPr>
-          <p:cNvSpPr txBox="1"/>
-          <p:nvPr/>
-        </p:nvSpPr>
-        <p:spPr>
-          <a:xfrm>
-            <a:off x="1024467" y="3261241"/>
-            <a:ext cx="423514" cy="523220"/>
-          </a:xfrm>
-          <a:prstGeom prst="rect">
-            <a:avLst/>
-          </a:prstGeom>
-          <a:noFill/>
-        </p:spPr>
-        <p:txBody>
-          <a:bodyPr wrap="none" rtlCol="0">
-            <a:spAutoFit/>
-          </a:bodyPr>
-          <a:lstStyle/>
-          <a:p>
-            <a:r>
-              <a:rPr lang="en-US" sz="2800" dirty="0">
-                <a:latin typeface="Helvetica" pitchFamily="2" charset="0"/>
-              </a:rPr>
-              <a:t>B</a:t>
-            </a:r>
-          </a:p>
-        </p:txBody>
-      </p:sp>
-      <p:sp>
-        <p:nvSpPr>
-          <p:cNvPr id="21" name="TextBox 20">
-            <a:extLst>
-              <a:ext uri="{FF2B5EF4-FFF2-40B4-BE49-F238E27FC236}">
-                <a16:creationId xmlns:a16="http://schemas.microsoft.com/office/drawing/2014/main" id="{66FA19AA-8B04-E3D7-C290-D23221007867}"/>
-              </a:ext>
-            </a:extLst>
-          </p:cNvPr>
-          <p:cNvSpPr txBox="1"/>
-          <p:nvPr/>
-        </p:nvSpPr>
-        <p:spPr>
-          <a:xfrm>
-            <a:off x="5797025" y="3256720"/>
-            <a:ext cx="444352" cy="523220"/>
-          </a:xfrm>
-          <a:prstGeom prst="rect">
-            <a:avLst/>
-          </a:prstGeom>
-          <a:noFill/>
-        </p:spPr>
-        <p:txBody>
-          <a:bodyPr wrap="none" rtlCol="0">
-            <a:spAutoFit/>
-          </a:bodyPr>
-          <a:lstStyle/>
-          <a:p>
-            <a:r>
-              <a:rPr lang="en-US" sz="2800" dirty="0">
-                <a:latin typeface="Helvetica" pitchFamily="2" charset="0"/>
-              </a:rPr>
-              <a:t>D</a:t>
-            </a:r>
-          </a:p>
-        </p:txBody>
-      </p:sp>
-    </p:spTree>
-    <p:extLst>
-      <p:ext uri="{BB962C8B-B14F-4D97-AF65-F5344CB8AC3E}">
-        <p14:creationId xmlns:p14="http://schemas.microsoft.com/office/powerpoint/2010/main" val="1134357242"/>
-      </p:ext>
-    </p:extLst>
-  </p:cSld>
-  <p:clrMapOvr>
-    <a:masterClrMapping/>
-  </p:clrMapOvr>
-</p:sld>
-</file>
-
-<file path=ppt/slides/slide12.xml><?xml version="1.0" encoding="utf-8"?>
-<p:sld xmlns:a="http://schemas.openxmlformats.org/drawingml/2006/main" xmlns:r="http://schemas.openxmlformats.org/officeDocument/2006/relationships" xmlns:p="http://schemas.openxmlformats.org/presentationml/2006/main">
-  <p:cSld>
-    <p:spTree>
-      <p:nvGrpSpPr>
-        <p:cNvPr id="1" name=""/>
-        <p:cNvGrpSpPr/>
-        <p:nvPr/>
-      </p:nvGrpSpPr>
-      <p:grpSpPr>
-        <a:xfrm>
-          <a:off x="0" y="0"/>
-          <a:ext cx="0" cy="0"/>
-          <a:chOff x="0" y="0"/>
-          <a:chExt cx="0" cy="0"/>
-        </a:xfrm>
-      </p:grpSpPr>
-      <p:pic>
-        <p:nvPicPr>
-          <p:cNvPr id="6" name="Picture 5">
-            <a:extLst>
-              <a:ext uri="{FF2B5EF4-FFF2-40B4-BE49-F238E27FC236}">
-                <a16:creationId xmlns:a16="http://schemas.microsoft.com/office/drawing/2014/main" id="{44C19633-CFF9-1FDF-5DE5-1318DBCC2B41}"/>
-              </a:ext>
-            </a:extLst>
-          </p:cNvPr>
-          <p:cNvPicPr>
-            <a:picLocks noChangeAspect="1"/>
-          </p:cNvPicPr>
-          <p:nvPr/>
-        </p:nvPicPr>
-        <p:blipFill>
-          <a:blip r:embed="rId2"/>
-          <a:stretch>
-            <a:fillRect/>
-          </a:stretch>
-        </p:blipFill>
-        <p:spPr>
-          <a:xfrm>
-            <a:off x="5908511" y="2531456"/>
-            <a:ext cx="5028475" cy="3090672"/>
-          </a:xfrm>
-          <a:prstGeom prst="rect">
-            <a:avLst/>
-          </a:prstGeom>
-        </p:spPr>
-      </p:pic>
-      <p:pic>
-        <p:nvPicPr>
-          <p:cNvPr id="8" name="Picture 7">
-            <a:extLst>
-              <a:ext uri="{FF2B5EF4-FFF2-40B4-BE49-F238E27FC236}">
-                <a16:creationId xmlns:a16="http://schemas.microsoft.com/office/drawing/2014/main" id="{852C9346-EAA0-D8A2-A4E1-1DFF55903CDA}"/>
-              </a:ext>
-            </a:extLst>
-          </p:cNvPr>
-          <p:cNvPicPr>
-            <a:picLocks noChangeAspect="1"/>
-          </p:cNvPicPr>
-          <p:nvPr/>
-        </p:nvPicPr>
-        <p:blipFill>
-          <a:blip r:embed="rId3"/>
-          <a:stretch>
-            <a:fillRect/>
-          </a:stretch>
-        </p:blipFill>
-        <p:spPr>
-          <a:xfrm>
-            <a:off x="415073" y="2531456"/>
-            <a:ext cx="4979416" cy="3090672"/>
-          </a:xfrm>
-          <a:prstGeom prst="rect">
-            <a:avLst/>
-          </a:prstGeom>
-        </p:spPr>
-      </p:pic>
-      <p:sp>
-        <p:nvSpPr>
-          <p:cNvPr id="11" name="TextBox 10">
-            <a:extLst>
-              <a:ext uri="{FF2B5EF4-FFF2-40B4-BE49-F238E27FC236}">
-                <a16:creationId xmlns:a16="http://schemas.microsoft.com/office/drawing/2014/main" id="{8301A948-B0EC-473F-31A5-AD21A1D3BF71}"/>
-              </a:ext>
-            </a:extLst>
-          </p:cNvPr>
-          <p:cNvSpPr txBox="1"/>
-          <p:nvPr/>
-        </p:nvSpPr>
-        <p:spPr>
-          <a:xfrm>
-            <a:off x="363491" y="2222500"/>
-            <a:ext cx="423514" cy="523220"/>
-          </a:xfrm>
-          <a:prstGeom prst="rect">
-            <a:avLst/>
-          </a:prstGeom>
-          <a:noFill/>
-        </p:spPr>
-        <p:txBody>
-          <a:bodyPr wrap="none" rtlCol="0">
-            <a:spAutoFit/>
-          </a:bodyPr>
-          <a:lstStyle/>
-          <a:p>
-            <a:r>
-              <a:rPr lang="en-US" sz="2800" dirty="0">
-                <a:latin typeface="Helvetica" pitchFamily="2" charset="0"/>
-              </a:rPr>
-              <a:t>A</a:t>
-            </a:r>
-          </a:p>
-        </p:txBody>
-      </p:sp>
-      <p:sp>
-        <p:nvSpPr>
-          <p:cNvPr id="16" name="TextBox 15">
-            <a:extLst>
-              <a:ext uri="{FF2B5EF4-FFF2-40B4-BE49-F238E27FC236}">
-                <a16:creationId xmlns:a16="http://schemas.microsoft.com/office/drawing/2014/main" id="{6D9F0437-5678-B2DF-983F-1704D2A68F81}"/>
-              </a:ext>
-            </a:extLst>
-          </p:cNvPr>
-          <p:cNvSpPr txBox="1"/>
-          <p:nvPr/>
-        </p:nvSpPr>
-        <p:spPr>
-          <a:xfrm>
-            <a:off x="5896742" y="2237772"/>
-            <a:ext cx="423514" cy="523220"/>
-          </a:xfrm>
-          <a:prstGeom prst="rect">
-            <a:avLst/>
-          </a:prstGeom>
-          <a:noFill/>
-        </p:spPr>
-        <p:txBody>
-          <a:bodyPr wrap="none" rtlCol="0">
-            <a:spAutoFit/>
-          </a:bodyPr>
-          <a:lstStyle/>
-          <a:p>
-            <a:r>
-              <a:rPr lang="en-US" sz="2800" dirty="0">
-                <a:latin typeface="Helvetica" pitchFamily="2" charset="0"/>
-              </a:rPr>
-              <a:t>B</a:t>
-            </a:r>
-          </a:p>
-        </p:txBody>
-      </p:sp>
-      <p:sp>
-        <p:nvSpPr>
-          <p:cNvPr id="22" name="TextBox 21">
-            <a:extLst>
-              <a:ext uri="{FF2B5EF4-FFF2-40B4-BE49-F238E27FC236}">
-                <a16:creationId xmlns:a16="http://schemas.microsoft.com/office/drawing/2014/main" id="{F83D2853-C761-BC0F-B00F-D057DEA52A05}"/>
-              </a:ext>
-            </a:extLst>
-          </p:cNvPr>
-          <p:cNvSpPr txBox="1"/>
-          <p:nvPr/>
-        </p:nvSpPr>
-        <p:spPr>
-          <a:xfrm>
-            <a:off x="2143005" y="2037834"/>
-            <a:ext cx="1518364" cy="369332"/>
-          </a:xfrm>
-          <a:prstGeom prst="rect">
-            <a:avLst/>
-          </a:prstGeom>
-          <a:noFill/>
-        </p:spPr>
-        <p:txBody>
-          <a:bodyPr wrap="none" rtlCol="0">
-            <a:spAutoFit/>
-          </a:bodyPr>
-          <a:lstStyle/>
-          <a:p>
-            <a:r>
-              <a:rPr lang="en-US" dirty="0">
-                <a:latin typeface="Helvetica" pitchFamily="2" charset="0"/>
-              </a:rPr>
-              <a:t>2020 dataset</a:t>
-            </a:r>
-          </a:p>
-        </p:txBody>
-      </p:sp>
-      <p:sp>
-        <p:nvSpPr>
-          <p:cNvPr id="27" name="TextBox 26">
-            <a:extLst>
-              <a:ext uri="{FF2B5EF4-FFF2-40B4-BE49-F238E27FC236}">
-                <a16:creationId xmlns:a16="http://schemas.microsoft.com/office/drawing/2014/main" id="{30040F0F-25F2-1A84-4973-8D392D46F9E2}"/>
-              </a:ext>
-            </a:extLst>
-          </p:cNvPr>
-          <p:cNvSpPr txBox="1"/>
-          <p:nvPr/>
-        </p:nvSpPr>
-        <p:spPr>
-          <a:xfrm>
-            <a:off x="7663326" y="2037834"/>
-            <a:ext cx="1518364" cy="369332"/>
-          </a:xfrm>
-          <a:prstGeom prst="rect">
-            <a:avLst/>
-          </a:prstGeom>
-          <a:noFill/>
-        </p:spPr>
-        <p:txBody>
-          <a:bodyPr wrap="none" rtlCol="0">
-            <a:spAutoFit/>
-          </a:bodyPr>
-          <a:lstStyle/>
-          <a:p>
-            <a:r>
-              <a:rPr lang="en-US" dirty="0">
-                <a:latin typeface="Helvetica" pitchFamily="2" charset="0"/>
-              </a:rPr>
-              <a:t>2018 dataset</a:t>
-            </a:r>
-          </a:p>
-        </p:txBody>
-      </p:sp>
-    </p:spTree>
-    <p:extLst>
-      <p:ext uri="{BB962C8B-B14F-4D97-AF65-F5344CB8AC3E}">
-        <p14:creationId xmlns:p14="http://schemas.microsoft.com/office/powerpoint/2010/main" val="1140928553"/>
-      </p:ext>
-    </p:extLst>
-  </p:cSld>
-  <p:clrMapOvr>
-    <a:masterClrMapping/>
-  </p:clrMapOvr>
-</p:sld>
-</file>
-
-<file path=ppt/slides/slide13.xml><?xml version="1.0" encoding="utf-8"?>
-<p:sld xmlns:a="http://schemas.openxmlformats.org/drawingml/2006/main" xmlns:r="http://schemas.openxmlformats.org/officeDocument/2006/relationships" xmlns:p="http://schemas.openxmlformats.org/presentationml/2006/main">
-  <p:cSld>
-    <p:spTree>
-      <p:nvGrpSpPr>
-        <p:cNvPr id="1" name=""/>
-        <p:cNvGrpSpPr/>
-        <p:nvPr/>
-      </p:nvGrpSpPr>
-      <p:grpSpPr>
-        <a:xfrm>
-          <a:off x="0" y="0"/>
-          <a:ext cx="0" cy="0"/>
-          <a:chOff x="0" y="0"/>
-          <a:chExt cx="0" cy="0"/>
-        </a:xfrm>
-      </p:grpSpPr>
-      <p:grpSp>
-        <p:nvGrpSpPr>
-          <p:cNvPr id="9" name="Group 8">
-            <a:extLst>
-              <a:ext uri="{FF2B5EF4-FFF2-40B4-BE49-F238E27FC236}">
-                <a16:creationId xmlns:a16="http://schemas.microsoft.com/office/drawing/2014/main" id="{2C4238BB-C963-992E-CC78-184DBCA52FA8}"/>
-              </a:ext>
-            </a:extLst>
-          </p:cNvPr>
-          <p:cNvGrpSpPr/>
-          <p:nvPr/>
-        </p:nvGrpSpPr>
-        <p:grpSpPr>
-          <a:xfrm>
-            <a:off x="1496974" y="165100"/>
-            <a:ext cx="9198052" cy="3031129"/>
-            <a:chOff x="1496974" y="3741549"/>
-            <a:chExt cx="9198052" cy="3031129"/>
-          </a:xfrm>
-        </p:grpSpPr>
-        <p:sp>
-          <p:nvSpPr>
-            <p:cNvPr id="5" name="TextBox 4">
-              <a:extLst>
-                <a:ext uri="{FF2B5EF4-FFF2-40B4-BE49-F238E27FC236}">
-                  <a16:creationId xmlns:a16="http://schemas.microsoft.com/office/drawing/2014/main" id="{259CE62B-BDAC-03E0-0088-CD2FB277DF65}"/>
-                </a:ext>
-              </a:extLst>
-            </p:cNvPr>
-            <p:cNvSpPr txBox="1"/>
-            <p:nvPr/>
-          </p:nvSpPr>
-          <p:spPr>
-            <a:xfrm>
-              <a:off x="5346710" y="3741549"/>
-              <a:ext cx="1518364" cy="369332"/>
-            </a:xfrm>
-            <a:prstGeom prst="rect">
-              <a:avLst/>
-            </a:prstGeom>
-            <a:noFill/>
-          </p:spPr>
-          <p:txBody>
-            <a:bodyPr wrap="none" rtlCol="0">
-              <a:spAutoFit/>
-            </a:bodyPr>
-            <a:lstStyle/>
-            <a:p>
-              <a:r>
-                <a:rPr lang="en-US" dirty="0">
-                  <a:latin typeface="Helvetica" pitchFamily="2" charset="0"/>
-                </a:rPr>
-                <a:t>2020 dataset</a:t>
-              </a:r>
-            </a:p>
-          </p:txBody>
-        </p:sp>
-        <p:pic>
-          <p:nvPicPr>
-            <p:cNvPr id="4" name="Picture 3">
-              <a:extLst>
-                <a:ext uri="{FF2B5EF4-FFF2-40B4-BE49-F238E27FC236}">
-                  <a16:creationId xmlns:a16="http://schemas.microsoft.com/office/drawing/2014/main" id="{95EBE989-5155-A626-E935-8890FFE8BD8B}"/>
-                </a:ext>
-              </a:extLst>
-            </p:cNvPr>
-            <p:cNvPicPr>
-              <a:picLocks noChangeAspect="1"/>
-            </p:cNvPicPr>
-            <p:nvPr/>
-          </p:nvPicPr>
-          <p:blipFill>
-            <a:blip r:embed="rId2"/>
-            <a:stretch>
-              <a:fillRect/>
-            </a:stretch>
-          </p:blipFill>
-          <p:spPr>
-            <a:xfrm>
-              <a:off x="1496974" y="4203214"/>
-              <a:ext cx="9198052" cy="2569464"/>
-            </a:xfrm>
-            <a:prstGeom prst="rect">
-              <a:avLst/>
-            </a:prstGeom>
-          </p:spPr>
-        </p:pic>
-      </p:grpSp>
-      <p:grpSp>
-        <p:nvGrpSpPr>
-          <p:cNvPr id="8" name="Group 7">
-            <a:extLst>
-              <a:ext uri="{FF2B5EF4-FFF2-40B4-BE49-F238E27FC236}">
-                <a16:creationId xmlns:a16="http://schemas.microsoft.com/office/drawing/2014/main" id="{8D343915-F7FF-D487-59B5-E4324332AD84}"/>
-              </a:ext>
-            </a:extLst>
-          </p:cNvPr>
-          <p:cNvGrpSpPr/>
-          <p:nvPr/>
-        </p:nvGrpSpPr>
-        <p:grpSpPr>
-          <a:xfrm>
-            <a:off x="1496974" y="3421229"/>
-            <a:ext cx="9198052" cy="3140206"/>
-            <a:chOff x="1496974" y="492266"/>
-            <a:chExt cx="9198052" cy="3140206"/>
-          </a:xfrm>
-        </p:grpSpPr>
-        <p:sp>
-          <p:nvSpPr>
-            <p:cNvPr id="7" name="TextBox 6">
-              <a:extLst>
-                <a:ext uri="{FF2B5EF4-FFF2-40B4-BE49-F238E27FC236}">
-                  <a16:creationId xmlns:a16="http://schemas.microsoft.com/office/drawing/2014/main" id="{C3A443DE-6A79-90DC-C40A-238B08A8BED1}"/>
-                </a:ext>
-              </a:extLst>
-            </p:cNvPr>
-            <p:cNvSpPr txBox="1"/>
-            <p:nvPr/>
-          </p:nvSpPr>
-          <p:spPr>
-            <a:xfrm>
-              <a:off x="5347492" y="492266"/>
-              <a:ext cx="1518364" cy="369332"/>
-            </a:xfrm>
-            <a:prstGeom prst="rect">
-              <a:avLst/>
-            </a:prstGeom>
-            <a:noFill/>
-          </p:spPr>
-          <p:txBody>
-            <a:bodyPr wrap="none" rtlCol="0">
-              <a:spAutoFit/>
-            </a:bodyPr>
-            <a:lstStyle/>
-            <a:p>
-              <a:r>
-                <a:rPr lang="en-US" dirty="0">
-                  <a:latin typeface="Helvetica" pitchFamily="2" charset="0"/>
-                </a:rPr>
-                <a:t>2018 dataset</a:t>
-              </a:r>
-            </a:p>
-          </p:txBody>
-        </p:sp>
-        <p:pic>
-          <p:nvPicPr>
-            <p:cNvPr id="6" name="Picture 5">
-              <a:extLst>
-                <a:ext uri="{FF2B5EF4-FFF2-40B4-BE49-F238E27FC236}">
-                  <a16:creationId xmlns:a16="http://schemas.microsoft.com/office/drawing/2014/main" id="{FF6A5203-22FE-B8AB-CCE9-E056C5D69D12}"/>
-                </a:ext>
-              </a:extLst>
-            </p:cNvPr>
-            <p:cNvPicPr>
-              <a:picLocks noChangeAspect="1"/>
-            </p:cNvPicPr>
-            <p:nvPr/>
-          </p:nvPicPr>
-          <p:blipFill>
-            <a:blip r:embed="rId3"/>
-            <a:stretch>
-              <a:fillRect/>
-            </a:stretch>
-          </p:blipFill>
-          <p:spPr>
-            <a:xfrm>
-              <a:off x="1496974" y="1063008"/>
-              <a:ext cx="9198052" cy="2569464"/>
-            </a:xfrm>
-            <a:prstGeom prst="rect">
-              <a:avLst/>
-            </a:prstGeom>
-          </p:spPr>
-        </p:pic>
-      </p:grpSp>
-      <p:sp>
-        <p:nvSpPr>
-          <p:cNvPr id="10" name="TextBox 9">
-            <a:extLst>
-              <a:ext uri="{FF2B5EF4-FFF2-40B4-BE49-F238E27FC236}">
-                <a16:creationId xmlns:a16="http://schemas.microsoft.com/office/drawing/2014/main" id="{511A7DCE-7532-081A-E576-499CD4461ED2}"/>
-              </a:ext>
-            </a:extLst>
-          </p:cNvPr>
-          <p:cNvSpPr txBox="1"/>
-          <p:nvPr/>
-        </p:nvSpPr>
-        <p:spPr>
-          <a:xfrm>
-            <a:off x="1278467" y="283377"/>
-            <a:ext cx="423514" cy="523220"/>
-          </a:xfrm>
-          <a:prstGeom prst="rect">
-            <a:avLst/>
-          </a:prstGeom>
-          <a:noFill/>
-        </p:spPr>
-        <p:txBody>
-          <a:bodyPr wrap="none" rtlCol="0">
-            <a:spAutoFit/>
-          </a:bodyPr>
-          <a:lstStyle/>
-          <a:p>
-            <a:r>
-              <a:rPr lang="en-US" sz="2800" dirty="0">
-                <a:latin typeface="Helvetica" pitchFamily="2" charset="0"/>
-              </a:rPr>
-              <a:t>A</a:t>
-            </a:r>
-          </a:p>
-        </p:txBody>
-      </p:sp>
-      <p:sp>
-        <p:nvSpPr>
-          <p:cNvPr id="11" name="TextBox 10">
-            <a:extLst>
-              <a:ext uri="{FF2B5EF4-FFF2-40B4-BE49-F238E27FC236}">
-                <a16:creationId xmlns:a16="http://schemas.microsoft.com/office/drawing/2014/main" id="{10711A06-4153-4F48-8C9A-462756BE31F5}"/>
-              </a:ext>
-            </a:extLst>
-          </p:cNvPr>
-          <p:cNvSpPr txBox="1"/>
-          <p:nvPr/>
-        </p:nvSpPr>
-        <p:spPr>
-          <a:xfrm>
-            <a:off x="1278467" y="3451741"/>
-            <a:ext cx="423514" cy="523220"/>
-          </a:xfrm>
-          <a:prstGeom prst="rect">
-            <a:avLst/>
-          </a:prstGeom>
-          <a:noFill/>
-        </p:spPr>
-        <p:txBody>
-          <a:bodyPr wrap="none" rtlCol="0">
-            <a:spAutoFit/>
-          </a:bodyPr>
-          <a:lstStyle/>
-          <a:p>
-            <a:r>
-              <a:rPr lang="en-US" sz="2800" dirty="0">
-                <a:latin typeface="Helvetica" pitchFamily="2" charset="0"/>
-              </a:rPr>
-              <a:t>B</a:t>
-            </a:r>
-          </a:p>
-        </p:txBody>
-      </p:sp>
-    </p:spTree>
-    <p:extLst>
-      <p:ext uri="{BB962C8B-B14F-4D97-AF65-F5344CB8AC3E}">
-        <p14:creationId xmlns:p14="http://schemas.microsoft.com/office/powerpoint/2010/main" val="4122970339"/>
-      </p:ext>
-    </p:extLst>
-  </p:cSld>
-  <p:clrMapOvr>
-    <a:masterClrMapping/>
-  </p:clrMapOvr>
-</p:sld>
-</file>
-
-<file path=ppt/slides/slide14.xml><?xml version="1.0" encoding="utf-8"?>
-<p:sld xmlns:a="http://schemas.openxmlformats.org/drawingml/2006/main" xmlns:r="http://schemas.openxmlformats.org/officeDocument/2006/relationships" xmlns:p="http://schemas.openxmlformats.org/presentationml/2006/main">
-  <p:cSld>
-    <p:spTree>
-      <p:nvGrpSpPr>
-        <p:cNvPr id="1" name=""/>
-        <p:cNvGrpSpPr/>
-        <p:nvPr/>
-      </p:nvGrpSpPr>
-      <p:grpSpPr>
-        <a:xfrm>
-          <a:off x="0" y="0"/>
-          <a:ext cx="0" cy="0"/>
-          <a:chOff x="0" y="0"/>
-          <a:chExt cx="0" cy="0"/>
-        </a:xfrm>
-      </p:grpSpPr>
-      <p:sp>
-        <p:nvSpPr>
-          <p:cNvPr id="6" name="TextBox 5">
-            <a:extLst>
-              <a:ext uri="{FF2B5EF4-FFF2-40B4-BE49-F238E27FC236}">
-                <a16:creationId xmlns:a16="http://schemas.microsoft.com/office/drawing/2014/main" id="{DB14438D-A487-05C2-C2F0-A60240B8FB7B}"/>
-              </a:ext>
-            </a:extLst>
-          </p:cNvPr>
-          <p:cNvSpPr txBox="1"/>
-          <p:nvPr/>
-        </p:nvSpPr>
-        <p:spPr>
-          <a:xfrm>
-            <a:off x="6586780" y="6462793"/>
-            <a:ext cx="5071966" cy="369332"/>
-          </a:xfrm>
-          <a:prstGeom prst="rect">
-            <a:avLst/>
-          </a:prstGeom>
-          <a:noFill/>
-        </p:spPr>
-        <p:txBody>
-          <a:bodyPr wrap="none" rtlCol="0">
-            <a:spAutoFit/>
-          </a:bodyPr>
-          <a:lstStyle/>
-          <a:p>
-            <a:r>
-              <a:rPr lang="en-US" dirty="0"/>
-              <a:t>since </a:t>
-            </a:r>
-            <a:r>
-              <a:rPr lang="en-US" dirty="0" err="1"/>
-              <a:t>only_reported</a:t>
-            </a:r>
-            <a:r>
-              <a:rPr lang="en-US" dirty="0"/>
-              <a:t> == </a:t>
-            </a:r>
-            <a:r>
-              <a:rPr lang="en-US" dirty="0" err="1"/>
-              <a:t>only_mult</a:t>
-            </a:r>
-            <a:r>
-              <a:rPr lang="en-US" dirty="0"/>
-              <a:t>, didn’t subsample</a:t>
-            </a:r>
-          </a:p>
-        </p:txBody>
-      </p:sp>
-      <p:grpSp>
-        <p:nvGrpSpPr>
-          <p:cNvPr id="20" name="Group 19">
-            <a:extLst>
-              <a:ext uri="{FF2B5EF4-FFF2-40B4-BE49-F238E27FC236}">
-                <a16:creationId xmlns:a16="http://schemas.microsoft.com/office/drawing/2014/main" id="{9DDC254B-4F53-FEAA-C542-091AC9BDA240}"/>
-              </a:ext>
-            </a:extLst>
-          </p:cNvPr>
-          <p:cNvGrpSpPr/>
-          <p:nvPr/>
-        </p:nvGrpSpPr>
-        <p:grpSpPr>
-          <a:xfrm>
-            <a:off x="1392480" y="533400"/>
-            <a:ext cx="2369571" cy="5043681"/>
-            <a:chOff x="6586780" y="522250"/>
-            <a:chExt cx="2369571" cy="5043681"/>
-          </a:xfrm>
-        </p:grpSpPr>
-        <p:sp>
-          <p:nvSpPr>
-            <p:cNvPr id="8" name="TextBox 7">
-              <a:extLst>
-                <a:ext uri="{FF2B5EF4-FFF2-40B4-BE49-F238E27FC236}">
-                  <a16:creationId xmlns:a16="http://schemas.microsoft.com/office/drawing/2014/main" id="{4C142AB7-4C58-724C-D377-B2433533E7B0}"/>
-                </a:ext>
-              </a:extLst>
-            </p:cNvPr>
-            <p:cNvSpPr txBox="1"/>
-            <p:nvPr/>
-          </p:nvSpPr>
-          <p:spPr>
-            <a:xfrm>
-              <a:off x="7025019" y="522250"/>
-              <a:ext cx="1518364" cy="369332"/>
-            </a:xfrm>
-            <a:prstGeom prst="rect">
-              <a:avLst/>
-            </a:prstGeom>
-            <a:noFill/>
-          </p:spPr>
-          <p:txBody>
-            <a:bodyPr wrap="none" rtlCol="0">
-              <a:spAutoFit/>
-            </a:bodyPr>
-            <a:lstStyle/>
-            <a:p>
-              <a:r>
-                <a:rPr lang="en-US" dirty="0">
-                  <a:latin typeface="Helvetica" pitchFamily="2" charset="0"/>
-                </a:rPr>
-                <a:t>2020 dataset</a:t>
-              </a:r>
-            </a:p>
-          </p:txBody>
-        </p:sp>
-        <p:pic>
-          <p:nvPicPr>
-            <p:cNvPr id="13" name="Picture 12">
-              <a:extLst>
-                <a:ext uri="{FF2B5EF4-FFF2-40B4-BE49-F238E27FC236}">
-                  <a16:creationId xmlns:a16="http://schemas.microsoft.com/office/drawing/2014/main" id="{8EF5C56E-4D42-AD92-4489-B4635E7409C3}"/>
-                </a:ext>
-              </a:extLst>
-            </p:cNvPr>
-            <p:cNvPicPr>
-              <a:picLocks noChangeAspect="1"/>
-            </p:cNvPicPr>
-            <p:nvPr/>
-          </p:nvPicPr>
-          <p:blipFill>
-            <a:blip r:embed="rId3"/>
-            <a:stretch>
-              <a:fillRect/>
-            </a:stretch>
-          </p:blipFill>
-          <p:spPr>
-            <a:xfrm>
-              <a:off x="6605762" y="1012670"/>
-              <a:ext cx="2350589" cy="2249424"/>
-            </a:xfrm>
-            <a:prstGeom prst="rect">
-              <a:avLst/>
-            </a:prstGeom>
-          </p:spPr>
-        </p:pic>
-        <p:pic>
-          <p:nvPicPr>
-            <p:cNvPr id="14" name="Picture 13">
-              <a:extLst>
-                <a:ext uri="{FF2B5EF4-FFF2-40B4-BE49-F238E27FC236}">
-                  <a16:creationId xmlns:a16="http://schemas.microsoft.com/office/drawing/2014/main" id="{4C8693F6-9A01-7E73-534B-D8CD3EA16EBF}"/>
-                </a:ext>
-              </a:extLst>
-            </p:cNvPr>
-            <p:cNvPicPr>
-              <a:picLocks noChangeAspect="1"/>
-            </p:cNvPicPr>
-            <p:nvPr/>
-          </p:nvPicPr>
-          <p:blipFill>
-            <a:blip r:embed="rId4"/>
-            <a:stretch>
-              <a:fillRect/>
-            </a:stretch>
-          </p:blipFill>
-          <p:spPr>
-            <a:xfrm>
-              <a:off x="6586780" y="3316507"/>
-              <a:ext cx="2350589" cy="2249424"/>
-            </a:xfrm>
-            <a:prstGeom prst="rect">
-              <a:avLst/>
-            </a:prstGeom>
-          </p:spPr>
-        </p:pic>
-      </p:grpSp>
-      <p:sp>
-        <p:nvSpPr>
-          <p:cNvPr id="15" name="TextBox 14">
-            <a:extLst>
-              <a:ext uri="{FF2B5EF4-FFF2-40B4-BE49-F238E27FC236}">
-                <a16:creationId xmlns:a16="http://schemas.microsoft.com/office/drawing/2014/main" id="{BE31E3DF-7A40-A7F6-89B1-122A0D3F01FC}"/>
-              </a:ext>
-            </a:extLst>
-          </p:cNvPr>
-          <p:cNvSpPr txBox="1"/>
-          <p:nvPr/>
-        </p:nvSpPr>
-        <p:spPr>
-          <a:xfrm>
-            <a:off x="1441244" y="5733094"/>
-            <a:ext cx="2487219" cy="523220"/>
-          </a:xfrm>
-          <a:prstGeom prst="rect">
-            <a:avLst/>
-          </a:prstGeom>
-          <a:noFill/>
-        </p:spPr>
-        <p:txBody>
-          <a:bodyPr wrap="none" rtlCol="0">
-            <a:spAutoFit/>
-          </a:bodyPr>
-          <a:lstStyle/>
-          <a:p>
-            <a:r>
-              <a:rPr lang="en-US" sz="1400" dirty="0"/>
-              <a:t>only reported adds 1437 genes,</a:t>
-            </a:r>
-          </a:p>
-          <a:p>
-            <a:r>
-              <a:rPr lang="en-US" sz="1400" dirty="0"/>
-              <a:t>0.05 quantile is 1435 genes</a:t>
-            </a:r>
-          </a:p>
-        </p:txBody>
-      </p:sp>
-      <p:grpSp>
-        <p:nvGrpSpPr>
-          <p:cNvPr id="19" name="Group 18">
-            <a:extLst>
-              <a:ext uri="{FF2B5EF4-FFF2-40B4-BE49-F238E27FC236}">
-                <a16:creationId xmlns:a16="http://schemas.microsoft.com/office/drawing/2014/main" id="{F2631009-313A-4B1F-FACE-A4E4FD4D08B3}"/>
-              </a:ext>
-            </a:extLst>
-          </p:cNvPr>
-          <p:cNvGrpSpPr/>
-          <p:nvPr/>
-        </p:nvGrpSpPr>
-        <p:grpSpPr>
-          <a:xfrm>
-            <a:off x="4766663" y="537013"/>
-            <a:ext cx="2416048" cy="5157981"/>
-            <a:chOff x="954871" y="407950"/>
-            <a:chExt cx="2416048" cy="5157981"/>
-          </a:xfrm>
-        </p:grpSpPr>
-        <p:sp>
-          <p:nvSpPr>
-            <p:cNvPr id="7" name="TextBox 6">
-              <a:extLst>
-                <a:ext uri="{FF2B5EF4-FFF2-40B4-BE49-F238E27FC236}">
-                  <a16:creationId xmlns:a16="http://schemas.microsoft.com/office/drawing/2014/main" id="{22EBF74C-0878-404D-4436-B5659CF92509}"/>
-                </a:ext>
-              </a:extLst>
-            </p:cNvPr>
-            <p:cNvSpPr txBox="1"/>
-            <p:nvPr/>
-          </p:nvSpPr>
-          <p:spPr>
-            <a:xfrm>
-              <a:off x="1420925" y="407950"/>
-              <a:ext cx="1518364" cy="369332"/>
-            </a:xfrm>
-            <a:prstGeom prst="rect">
-              <a:avLst/>
-            </a:prstGeom>
-            <a:noFill/>
-          </p:spPr>
-          <p:txBody>
-            <a:bodyPr wrap="none" rtlCol="0">
-              <a:spAutoFit/>
-            </a:bodyPr>
-            <a:lstStyle/>
-            <a:p>
-              <a:r>
-                <a:rPr lang="en-US" dirty="0">
-                  <a:latin typeface="Helvetica" pitchFamily="2" charset="0"/>
-                </a:rPr>
-                <a:t>2018 dataset</a:t>
-              </a:r>
-            </a:p>
-          </p:txBody>
-        </p:sp>
-        <p:pic>
-          <p:nvPicPr>
-            <p:cNvPr id="16" name="Picture 15">
-              <a:extLst>
-                <a:ext uri="{FF2B5EF4-FFF2-40B4-BE49-F238E27FC236}">
-                  <a16:creationId xmlns:a16="http://schemas.microsoft.com/office/drawing/2014/main" id="{F0C287F8-F67A-9F0B-D1CE-0D4904BB0510}"/>
-                </a:ext>
-              </a:extLst>
-            </p:cNvPr>
-            <p:cNvPicPr>
-              <a:picLocks noChangeAspect="1"/>
-            </p:cNvPicPr>
-            <p:nvPr/>
-          </p:nvPicPr>
-          <p:blipFill>
-            <a:blip r:embed="rId5"/>
-            <a:stretch>
-              <a:fillRect/>
-            </a:stretch>
-          </p:blipFill>
-          <p:spPr>
-            <a:xfrm>
-              <a:off x="954871" y="890975"/>
-              <a:ext cx="2416048" cy="2249424"/>
-            </a:xfrm>
-            <a:prstGeom prst="rect">
-              <a:avLst/>
-            </a:prstGeom>
-          </p:spPr>
-        </p:pic>
-        <p:pic>
-          <p:nvPicPr>
-            <p:cNvPr id="17" name="Picture 16">
-              <a:extLst>
-                <a:ext uri="{FF2B5EF4-FFF2-40B4-BE49-F238E27FC236}">
-                  <a16:creationId xmlns:a16="http://schemas.microsoft.com/office/drawing/2014/main" id="{03E28493-5E91-A793-78E9-794BEEE9897D}"/>
-                </a:ext>
-              </a:extLst>
-            </p:cNvPr>
-            <p:cNvPicPr>
-              <a:picLocks noChangeAspect="1"/>
-            </p:cNvPicPr>
-            <p:nvPr/>
-          </p:nvPicPr>
-          <p:blipFill>
-            <a:blip r:embed="rId6"/>
-            <a:stretch>
-              <a:fillRect/>
-            </a:stretch>
-          </p:blipFill>
-          <p:spPr>
-            <a:xfrm>
-              <a:off x="1020330" y="3316507"/>
-              <a:ext cx="2350589" cy="2249424"/>
-            </a:xfrm>
-            <a:prstGeom prst="rect">
-              <a:avLst/>
-            </a:prstGeom>
-          </p:spPr>
-        </p:pic>
-      </p:grpSp>
-      <p:sp>
-        <p:nvSpPr>
-          <p:cNvPr id="18" name="TextBox 17">
-            <a:extLst>
-              <a:ext uri="{FF2B5EF4-FFF2-40B4-BE49-F238E27FC236}">
-                <a16:creationId xmlns:a16="http://schemas.microsoft.com/office/drawing/2014/main" id="{4C21FED9-6025-01A7-C0A1-D355E3650F19}"/>
-              </a:ext>
-            </a:extLst>
-          </p:cNvPr>
-          <p:cNvSpPr txBox="1"/>
-          <p:nvPr/>
-        </p:nvSpPr>
-        <p:spPr>
-          <a:xfrm>
-            <a:off x="4628922" y="5758494"/>
-            <a:ext cx="3254481" cy="523220"/>
-          </a:xfrm>
-          <a:prstGeom prst="rect">
-            <a:avLst/>
-          </a:prstGeom>
-          <a:noFill/>
-        </p:spPr>
-        <p:txBody>
-          <a:bodyPr wrap="none" rtlCol="0">
-            <a:spAutoFit/>
-          </a:bodyPr>
-          <a:lstStyle/>
-          <a:p>
-            <a:r>
-              <a:rPr lang="en-US" sz="1400" dirty="0"/>
-              <a:t>only reported adds 1339 genes,</a:t>
-            </a:r>
-          </a:p>
-          <a:p>
-            <a:r>
-              <a:rPr lang="en-US" sz="1400" dirty="0"/>
-              <a:t>0.05 quantile is 1339 genes, so not P&lt;0.05</a:t>
-            </a:r>
-          </a:p>
-        </p:txBody>
-      </p:sp>
-      <p:sp>
-        <p:nvSpPr>
-          <p:cNvPr id="21" name="TextBox 20">
-            <a:extLst>
-              <a:ext uri="{FF2B5EF4-FFF2-40B4-BE49-F238E27FC236}">
-                <a16:creationId xmlns:a16="http://schemas.microsoft.com/office/drawing/2014/main" id="{C7F530D7-E843-B019-8CE6-F8E0AD7A5A07}"/>
-              </a:ext>
-            </a:extLst>
-          </p:cNvPr>
-          <p:cNvSpPr txBox="1"/>
-          <p:nvPr/>
-        </p:nvSpPr>
-        <p:spPr>
-          <a:xfrm>
-            <a:off x="1219420" y="553771"/>
-            <a:ext cx="423514" cy="523220"/>
-          </a:xfrm>
-          <a:prstGeom prst="rect">
-            <a:avLst/>
-          </a:prstGeom>
-          <a:noFill/>
-        </p:spPr>
-        <p:txBody>
-          <a:bodyPr wrap="none" rtlCol="0">
-            <a:spAutoFit/>
-          </a:bodyPr>
-          <a:lstStyle/>
-          <a:p>
-            <a:r>
-              <a:rPr lang="en-US" sz="2800" dirty="0">
-                <a:latin typeface="Helvetica" pitchFamily="2" charset="0"/>
-              </a:rPr>
-              <a:t>A</a:t>
-            </a:r>
-          </a:p>
-        </p:txBody>
-      </p:sp>
-      <p:sp>
-        <p:nvSpPr>
-          <p:cNvPr id="22" name="TextBox 21">
-            <a:extLst>
-              <a:ext uri="{FF2B5EF4-FFF2-40B4-BE49-F238E27FC236}">
-                <a16:creationId xmlns:a16="http://schemas.microsoft.com/office/drawing/2014/main" id="{7F6B3C56-0BD4-309F-F5DF-93445CF396E0}"/>
-              </a:ext>
-            </a:extLst>
-          </p:cNvPr>
-          <p:cNvSpPr txBox="1"/>
-          <p:nvPr/>
-        </p:nvSpPr>
-        <p:spPr>
-          <a:xfrm>
-            <a:off x="4469512" y="548742"/>
-            <a:ext cx="444352" cy="523220"/>
-          </a:xfrm>
-          <a:prstGeom prst="rect">
-            <a:avLst/>
-          </a:prstGeom>
-          <a:noFill/>
-        </p:spPr>
-        <p:txBody>
-          <a:bodyPr wrap="none" rtlCol="0">
-            <a:spAutoFit/>
-          </a:bodyPr>
-          <a:lstStyle/>
-          <a:p>
-            <a:r>
-              <a:rPr lang="en-US" sz="2800" dirty="0">
-                <a:latin typeface="Helvetica" pitchFamily="2" charset="0"/>
-              </a:rPr>
-              <a:t>C</a:t>
-            </a:r>
-          </a:p>
-        </p:txBody>
-      </p:sp>
-      <p:sp>
-        <p:nvSpPr>
-          <p:cNvPr id="23" name="TextBox 22">
-            <a:extLst>
-              <a:ext uri="{FF2B5EF4-FFF2-40B4-BE49-F238E27FC236}">
-                <a16:creationId xmlns:a16="http://schemas.microsoft.com/office/drawing/2014/main" id="{129DC235-2215-2C8C-E485-8F8F48E8F339}"/>
-              </a:ext>
-            </a:extLst>
-          </p:cNvPr>
-          <p:cNvSpPr txBox="1"/>
-          <p:nvPr/>
-        </p:nvSpPr>
-        <p:spPr>
-          <a:xfrm>
-            <a:off x="1181320" y="2960135"/>
-            <a:ext cx="423514" cy="523220"/>
-          </a:xfrm>
-          <a:prstGeom prst="rect">
-            <a:avLst/>
-          </a:prstGeom>
-          <a:noFill/>
-        </p:spPr>
-        <p:txBody>
-          <a:bodyPr wrap="none" rtlCol="0">
-            <a:spAutoFit/>
-          </a:bodyPr>
-          <a:lstStyle/>
-          <a:p>
-            <a:r>
-              <a:rPr lang="en-US" sz="2800" dirty="0">
-                <a:latin typeface="Helvetica" pitchFamily="2" charset="0"/>
-              </a:rPr>
-              <a:t>B</a:t>
-            </a:r>
-          </a:p>
-        </p:txBody>
-      </p:sp>
-      <p:sp>
-        <p:nvSpPr>
-          <p:cNvPr id="24" name="TextBox 23">
-            <a:extLst>
-              <a:ext uri="{FF2B5EF4-FFF2-40B4-BE49-F238E27FC236}">
-                <a16:creationId xmlns:a16="http://schemas.microsoft.com/office/drawing/2014/main" id="{46E22A85-E370-9F2D-14E5-AADB1C80EE55}"/>
-              </a:ext>
-            </a:extLst>
-          </p:cNvPr>
-          <p:cNvSpPr txBox="1"/>
-          <p:nvPr/>
-        </p:nvSpPr>
-        <p:spPr>
-          <a:xfrm>
-            <a:off x="4469073" y="2971799"/>
-            <a:ext cx="444352" cy="523220"/>
-          </a:xfrm>
-          <a:prstGeom prst="rect">
-            <a:avLst/>
-          </a:prstGeom>
-          <a:noFill/>
-        </p:spPr>
-        <p:txBody>
-          <a:bodyPr wrap="none" rtlCol="0">
-            <a:spAutoFit/>
-          </a:bodyPr>
-          <a:lstStyle/>
-          <a:p>
-            <a:r>
-              <a:rPr lang="en-US" sz="2800" dirty="0">
-                <a:latin typeface="Helvetica" pitchFamily="2" charset="0"/>
-              </a:rPr>
-              <a:t>D</a:t>
-            </a:r>
-          </a:p>
-        </p:txBody>
-      </p:sp>
-    </p:spTree>
-    <p:extLst>
-      <p:ext uri="{BB962C8B-B14F-4D97-AF65-F5344CB8AC3E}">
-        <p14:creationId xmlns:p14="http://schemas.microsoft.com/office/powerpoint/2010/main" val="169818959"/>
-      </p:ext>
-    </p:extLst>
-  </p:cSld>
-  <p:clrMapOvr>
-    <a:masterClrMapping/>
-  </p:clrMapOvr>
-</p:sld>
-</file>
-
-<file path=ppt/slides/slide2.xml><?xml version="1.0" encoding="utf-8"?>
-<p:sld xmlns:a="http://schemas.openxmlformats.org/drawingml/2006/main" xmlns:r="http://schemas.openxmlformats.org/officeDocument/2006/relationships" xmlns:p="http://schemas.openxmlformats.org/presentationml/2006/main">
-  <p:cSld>
-    <p:bg>
-      <p:bgPr>
-        <a:solidFill>
-          <a:schemeClr val="bg1">
-            <a:alpha val="47177"/>
-          </a:schemeClr>
-        </a:solidFill>
-        <a:effectLst/>
-      </p:bgPr>
-    </p:bg>
-    <p:spTree>
-      <p:nvGrpSpPr>
-        <p:cNvPr id="1" name=""/>
-        <p:cNvGrpSpPr/>
-        <p:nvPr/>
-      </p:nvGrpSpPr>
-      <p:grpSpPr>
-        <a:xfrm>
-          <a:off x="0" y="0"/>
-          <a:ext cx="0" cy="0"/>
-          <a:chOff x="0" y="0"/>
-          <a:chExt cx="0" cy="0"/>
-        </a:xfrm>
-      </p:grpSpPr>
-      <p:sp>
-        <p:nvSpPr>
-          <p:cNvPr id="17" name="TextBox 16">
-            <a:extLst>
-              <a:ext uri="{FF2B5EF4-FFF2-40B4-BE49-F238E27FC236}">
-                <a16:creationId xmlns:a16="http://schemas.microsoft.com/office/drawing/2014/main" id="{CCC06B6F-0619-968C-F2AC-9F22B08985E1}"/>
-              </a:ext>
-            </a:extLst>
-          </p:cNvPr>
-          <p:cNvSpPr txBox="1"/>
-          <p:nvPr/>
-        </p:nvSpPr>
-        <p:spPr>
-          <a:xfrm>
-            <a:off x="2788668" y="386466"/>
-            <a:ext cx="1518364" cy="369332"/>
-          </a:xfrm>
-          <a:prstGeom prst="rect">
-            <a:avLst/>
-          </a:prstGeom>
-          <a:noFill/>
-        </p:spPr>
-        <p:txBody>
-          <a:bodyPr wrap="none" rtlCol="0">
-            <a:spAutoFit/>
-          </a:bodyPr>
-          <a:lstStyle/>
-          <a:p>
-            <a:r>
-              <a:rPr lang="en-US" dirty="0">
-                <a:latin typeface="Helvetica" pitchFamily="2" charset="0"/>
-              </a:rPr>
-              <a:t>2020 dataset</a:t>
-            </a:r>
-          </a:p>
-        </p:txBody>
-      </p:sp>
-      <p:pic>
-        <p:nvPicPr>
-          <p:cNvPr id="6" name="Picture 5">
-            <a:extLst>
-              <a:ext uri="{FF2B5EF4-FFF2-40B4-BE49-F238E27FC236}">
-                <a16:creationId xmlns:a16="http://schemas.microsoft.com/office/drawing/2014/main" id="{B2BEB89D-6B6C-9464-D7D1-C84F6C3FEB10}"/>
-              </a:ext>
-            </a:extLst>
-          </p:cNvPr>
-          <p:cNvPicPr>
-            <a:picLocks noChangeAspect="1"/>
-          </p:cNvPicPr>
-          <p:nvPr/>
-        </p:nvPicPr>
-        <p:blipFill>
-          <a:blip r:embed="rId2"/>
-          <a:stretch>
-            <a:fillRect/>
-          </a:stretch>
-        </p:blipFill>
-        <p:spPr>
-          <a:xfrm>
-            <a:off x="1758174" y="839366"/>
-            <a:ext cx="3584969" cy="2729933"/>
-          </a:xfrm>
-          <a:prstGeom prst="rect">
-            <a:avLst/>
-          </a:prstGeom>
-        </p:spPr>
-      </p:pic>
-      <p:sp>
-        <p:nvSpPr>
-          <p:cNvPr id="4" name="TextBox 3">
-            <a:extLst>
-              <a:ext uri="{FF2B5EF4-FFF2-40B4-BE49-F238E27FC236}">
-                <a16:creationId xmlns:a16="http://schemas.microsoft.com/office/drawing/2014/main" id="{02F4BFEF-9FDE-CE72-2285-A609EF0B0F98}"/>
-              </a:ext>
-            </a:extLst>
-          </p:cNvPr>
-          <p:cNvSpPr txBox="1"/>
-          <p:nvPr/>
-        </p:nvSpPr>
-        <p:spPr>
-          <a:xfrm>
-            <a:off x="2722963" y="3722665"/>
-            <a:ext cx="1518364" cy="369332"/>
-          </a:xfrm>
-          <a:prstGeom prst="rect">
-            <a:avLst/>
-          </a:prstGeom>
-          <a:noFill/>
-        </p:spPr>
-        <p:txBody>
-          <a:bodyPr wrap="none" rtlCol="0">
-            <a:spAutoFit/>
-          </a:bodyPr>
-          <a:lstStyle/>
-          <a:p>
-            <a:r>
-              <a:rPr lang="en-US" dirty="0">
-                <a:latin typeface="Helvetica" pitchFamily="2" charset="0"/>
-              </a:rPr>
-              <a:t>2018 dataset</a:t>
-            </a:r>
-          </a:p>
-        </p:txBody>
-      </p:sp>
-      <p:pic>
-        <p:nvPicPr>
-          <p:cNvPr id="7" name="Picture 6">
-            <a:extLst>
-              <a:ext uri="{FF2B5EF4-FFF2-40B4-BE49-F238E27FC236}">
-                <a16:creationId xmlns:a16="http://schemas.microsoft.com/office/drawing/2014/main" id="{6E1D97D5-3859-CC08-8560-1F37B6D146E6}"/>
-              </a:ext>
-            </a:extLst>
-          </p:cNvPr>
-          <p:cNvPicPr>
-            <a:picLocks noChangeAspect="1"/>
-          </p:cNvPicPr>
-          <p:nvPr/>
-        </p:nvPicPr>
-        <p:blipFill>
-          <a:blip r:embed="rId3"/>
-          <a:stretch>
-            <a:fillRect/>
-          </a:stretch>
-        </p:blipFill>
-        <p:spPr>
-          <a:xfrm>
-            <a:off x="1758174" y="4123944"/>
-            <a:ext cx="3590383" cy="2734056"/>
-          </a:xfrm>
-          <a:prstGeom prst="rect">
-            <a:avLst/>
-          </a:prstGeom>
-        </p:spPr>
-      </p:pic>
-      <p:sp>
-        <p:nvSpPr>
-          <p:cNvPr id="9" name="TextBox 8">
-            <a:extLst>
-              <a:ext uri="{FF2B5EF4-FFF2-40B4-BE49-F238E27FC236}">
-                <a16:creationId xmlns:a16="http://schemas.microsoft.com/office/drawing/2014/main" id="{35236A05-BC21-D248-80D5-123EC22E62C7}"/>
-              </a:ext>
-            </a:extLst>
-          </p:cNvPr>
-          <p:cNvSpPr txBox="1"/>
-          <p:nvPr/>
-        </p:nvSpPr>
-        <p:spPr>
-          <a:xfrm>
-            <a:off x="1278467" y="232577"/>
-            <a:ext cx="423514" cy="523220"/>
-          </a:xfrm>
-          <a:prstGeom prst="rect">
-            <a:avLst/>
-          </a:prstGeom>
-          <a:noFill/>
-        </p:spPr>
-        <p:txBody>
-          <a:bodyPr wrap="none" rtlCol="0">
-            <a:spAutoFit/>
-          </a:bodyPr>
-          <a:lstStyle/>
-          <a:p>
-            <a:r>
-              <a:rPr lang="en-US" sz="2800" dirty="0">
-                <a:latin typeface="Helvetica" pitchFamily="2" charset="0"/>
-              </a:rPr>
-              <a:t>A</a:t>
-            </a:r>
-          </a:p>
-        </p:txBody>
-      </p:sp>
-      <p:sp>
-        <p:nvSpPr>
-          <p:cNvPr id="11" name="TextBox 10">
-            <a:extLst>
-              <a:ext uri="{FF2B5EF4-FFF2-40B4-BE49-F238E27FC236}">
-                <a16:creationId xmlns:a16="http://schemas.microsoft.com/office/drawing/2014/main" id="{3D61AE7B-C40B-10EB-BCE7-55ED273E64AE}"/>
-              </a:ext>
-            </a:extLst>
-          </p:cNvPr>
-          <p:cNvSpPr txBox="1"/>
-          <p:nvPr/>
-        </p:nvSpPr>
-        <p:spPr>
-          <a:xfrm>
-            <a:off x="1278467" y="3400941"/>
-            <a:ext cx="423514" cy="523220"/>
-          </a:xfrm>
-          <a:prstGeom prst="rect">
-            <a:avLst/>
-          </a:prstGeom>
-          <a:noFill/>
-        </p:spPr>
-        <p:txBody>
-          <a:bodyPr wrap="none" rtlCol="0">
-            <a:spAutoFit/>
-          </a:bodyPr>
-          <a:lstStyle/>
-          <a:p>
-            <a:r>
-              <a:rPr lang="en-US" sz="2800" dirty="0">
-                <a:latin typeface="Helvetica" pitchFamily="2" charset="0"/>
-              </a:rPr>
-              <a:t>B</a:t>
-            </a:r>
-          </a:p>
-        </p:txBody>
-      </p:sp>
-    </p:spTree>
-    <p:extLst>
-      <p:ext uri="{BB962C8B-B14F-4D97-AF65-F5344CB8AC3E}">
-        <p14:creationId xmlns:p14="http://schemas.microsoft.com/office/powerpoint/2010/main" val="3341280753"/>
-      </p:ext>
-    </p:extLst>
-  </p:cSld>
-  <p:clrMapOvr>
-    <a:masterClrMapping/>
-  </p:clrMapOvr>
-</p:sld>
-</file>
-
-<file path=ppt/slides/slide3.xml><?xml version="1.0" encoding="utf-8"?>
-<p:sld xmlns:a="http://schemas.openxmlformats.org/drawingml/2006/main" xmlns:r="http://schemas.openxmlformats.org/officeDocument/2006/relationships" xmlns:p="http://schemas.openxmlformats.org/presentationml/2006/main">
-  <p:cSld>
-    <p:spTree>
-      <p:nvGrpSpPr>
-        <p:cNvPr id="1" name=""/>
-        <p:cNvGrpSpPr/>
-        <p:nvPr/>
-      </p:nvGrpSpPr>
-      <p:grpSpPr>
-        <a:xfrm>
-          <a:off x="0" y="0"/>
-          <a:ext cx="0" cy="0"/>
-          <a:chOff x="0" y="0"/>
-          <a:chExt cx="0" cy="0"/>
-        </a:xfrm>
-      </p:grpSpPr>
-      <p:grpSp>
-        <p:nvGrpSpPr>
-          <p:cNvPr id="6" name="Group 5">
-            <a:extLst>
-              <a:ext uri="{FF2B5EF4-FFF2-40B4-BE49-F238E27FC236}">
-                <a16:creationId xmlns:a16="http://schemas.microsoft.com/office/drawing/2014/main" id="{4615EA7B-150C-5076-E971-4D3BD2340A55}"/>
-              </a:ext>
-            </a:extLst>
-          </p:cNvPr>
-          <p:cNvGrpSpPr/>
-          <p:nvPr/>
-        </p:nvGrpSpPr>
-        <p:grpSpPr>
-          <a:xfrm>
-            <a:off x="1359282" y="307273"/>
-            <a:ext cx="9193236" cy="3121727"/>
-            <a:chOff x="1246164" y="3741549"/>
-            <a:chExt cx="9193236" cy="3121727"/>
-          </a:xfrm>
-        </p:grpSpPr>
-        <p:sp>
-          <p:nvSpPr>
-            <p:cNvPr id="5" name="TextBox 4">
-              <a:extLst>
-                <a:ext uri="{FF2B5EF4-FFF2-40B4-BE49-F238E27FC236}">
-                  <a16:creationId xmlns:a16="http://schemas.microsoft.com/office/drawing/2014/main" id="{259CE62B-BDAC-03E0-0088-CD2FB277DF65}"/>
-                </a:ext>
-              </a:extLst>
-            </p:cNvPr>
-            <p:cNvSpPr txBox="1"/>
-            <p:nvPr/>
-          </p:nvSpPr>
-          <p:spPr>
-            <a:xfrm>
-              <a:off x="5080010" y="3741549"/>
-              <a:ext cx="1518364" cy="369332"/>
-            </a:xfrm>
-            <a:prstGeom prst="rect">
-              <a:avLst/>
-            </a:prstGeom>
-            <a:noFill/>
-          </p:spPr>
-          <p:txBody>
-            <a:bodyPr wrap="none" rtlCol="0">
-              <a:spAutoFit/>
-            </a:bodyPr>
-            <a:lstStyle/>
-            <a:p>
-              <a:r>
-                <a:rPr lang="en-US" dirty="0">
-                  <a:latin typeface="Helvetica" pitchFamily="2" charset="0"/>
-                </a:rPr>
-                <a:t>2020 dataset</a:t>
-              </a:r>
-            </a:p>
-          </p:txBody>
-        </p:sp>
-        <p:pic>
-          <p:nvPicPr>
-            <p:cNvPr id="2" name="Picture 1">
-              <a:extLst>
-                <a:ext uri="{FF2B5EF4-FFF2-40B4-BE49-F238E27FC236}">
-                  <a16:creationId xmlns:a16="http://schemas.microsoft.com/office/drawing/2014/main" id="{BDC03239-0A47-AB49-3864-9056AC8738E8}"/>
-                </a:ext>
-              </a:extLst>
-            </p:cNvPr>
-            <p:cNvPicPr>
-              <a:picLocks noChangeAspect="1"/>
-            </p:cNvPicPr>
-            <p:nvPr/>
-          </p:nvPicPr>
-          <p:blipFill>
-            <a:blip r:embed="rId2"/>
-            <a:stretch>
-              <a:fillRect/>
-            </a:stretch>
-          </p:blipFill>
-          <p:spPr>
-            <a:xfrm>
-              <a:off x="1246164" y="4295157"/>
-              <a:ext cx="9193236" cy="2568119"/>
-            </a:xfrm>
-            <a:prstGeom prst="rect">
-              <a:avLst/>
-            </a:prstGeom>
-          </p:spPr>
-        </p:pic>
-      </p:grpSp>
-      <p:grpSp>
-        <p:nvGrpSpPr>
-          <p:cNvPr id="4" name="Group 3">
-            <a:extLst>
-              <a:ext uri="{FF2B5EF4-FFF2-40B4-BE49-F238E27FC236}">
-                <a16:creationId xmlns:a16="http://schemas.microsoft.com/office/drawing/2014/main" id="{8DF33DCA-2DF5-BECD-2C3E-DD405D4C794F}"/>
-              </a:ext>
-            </a:extLst>
-          </p:cNvPr>
-          <p:cNvGrpSpPr/>
-          <p:nvPr/>
-        </p:nvGrpSpPr>
-        <p:grpSpPr>
-          <a:xfrm>
-            <a:off x="1354466" y="3479800"/>
-            <a:ext cx="9198052" cy="2901186"/>
-            <a:chOff x="1246164" y="758966"/>
-            <a:chExt cx="9198052" cy="2901186"/>
-          </a:xfrm>
-        </p:grpSpPr>
-        <p:sp>
-          <p:nvSpPr>
-            <p:cNvPr id="7" name="TextBox 6">
-              <a:extLst>
-                <a:ext uri="{FF2B5EF4-FFF2-40B4-BE49-F238E27FC236}">
-                  <a16:creationId xmlns:a16="http://schemas.microsoft.com/office/drawing/2014/main" id="{C3A443DE-6A79-90DC-C40A-238B08A8BED1}"/>
-                </a:ext>
-              </a:extLst>
-            </p:cNvPr>
-            <p:cNvSpPr txBox="1"/>
-            <p:nvPr/>
-          </p:nvSpPr>
-          <p:spPr>
-            <a:xfrm>
-              <a:off x="5068092" y="758966"/>
-              <a:ext cx="1518364" cy="369332"/>
-            </a:xfrm>
-            <a:prstGeom prst="rect">
-              <a:avLst/>
-            </a:prstGeom>
-            <a:noFill/>
-          </p:spPr>
-          <p:txBody>
-            <a:bodyPr wrap="none" rtlCol="0">
-              <a:spAutoFit/>
-            </a:bodyPr>
-            <a:lstStyle/>
-            <a:p>
-              <a:r>
-                <a:rPr lang="en-US" dirty="0">
-                  <a:latin typeface="Helvetica" pitchFamily="2" charset="0"/>
-                </a:rPr>
-                <a:t>2018 dataset</a:t>
-              </a:r>
-            </a:p>
-          </p:txBody>
-        </p:sp>
-        <p:pic>
-          <p:nvPicPr>
-            <p:cNvPr id="3" name="Picture 2">
-              <a:extLst>
-                <a:ext uri="{FF2B5EF4-FFF2-40B4-BE49-F238E27FC236}">
-                  <a16:creationId xmlns:a16="http://schemas.microsoft.com/office/drawing/2014/main" id="{178679B2-5E69-D47D-C178-6E34C085B162}"/>
-                </a:ext>
-              </a:extLst>
-            </p:cNvPr>
-            <p:cNvPicPr>
-              <a:picLocks noChangeAspect="1"/>
-            </p:cNvPicPr>
-            <p:nvPr/>
-          </p:nvPicPr>
-          <p:blipFill>
-            <a:blip r:embed="rId3"/>
-            <a:stretch>
-              <a:fillRect/>
-            </a:stretch>
-          </p:blipFill>
-          <p:spPr>
-            <a:xfrm>
-              <a:off x="1246164" y="1090688"/>
-              <a:ext cx="9198052" cy="2569464"/>
-            </a:xfrm>
-            <a:prstGeom prst="rect">
-              <a:avLst/>
-            </a:prstGeom>
-          </p:spPr>
-        </p:pic>
-      </p:grpSp>
-      <p:sp>
-        <p:nvSpPr>
-          <p:cNvPr id="8" name="TextBox 7">
-            <a:extLst>
-              <a:ext uri="{FF2B5EF4-FFF2-40B4-BE49-F238E27FC236}">
-                <a16:creationId xmlns:a16="http://schemas.microsoft.com/office/drawing/2014/main" id="{391AAC1D-56F8-86D6-F3A4-D6196B3093F8}"/>
-              </a:ext>
-            </a:extLst>
-          </p:cNvPr>
-          <p:cNvSpPr txBox="1"/>
-          <p:nvPr/>
-        </p:nvSpPr>
-        <p:spPr>
-          <a:xfrm>
-            <a:off x="1278467" y="232577"/>
-            <a:ext cx="423514" cy="523220"/>
-          </a:xfrm>
-          <a:prstGeom prst="rect">
-            <a:avLst/>
-          </a:prstGeom>
-          <a:noFill/>
-        </p:spPr>
-        <p:txBody>
-          <a:bodyPr wrap="none" rtlCol="0">
-            <a:spAutoFit/>
-          </a:bodyPr>
-          <a:lstStyle/>
-          <a:p>
-            <a:r>
-              <a:rPr lang="en-US" sz="2800" dirty="0">
-                <a:latin typeface="Helvetica" pitchFamily="2" charset="0"/>
-              </a:rPr>
-              <a:t>A</a:t>
-            </a:r>
-          </a:p>
-        </p:txBody>
-      </p:sp>
-      <p:sp>
-        <p:nvSpPr>
-          <p:cNvPr id="9" name="TextBox 8">
-            <a:extLst>
-              <a:ext uri="{FF2B5EF4-FFF2-40B4-BE49-F238E27FC236}">
-                <a16:creationId xmlns:a16="http://schemas.microsoft.com/office/drawing/2014/main" id="{836C063A-1C70-159C-4506-C0BB4C833945}"/>
-              </a:ext>
-            </a:extLst>
-          </p:cNvPr>
-          <p:cNvSpPr txBox="1"/>
-          <p:nvPr/>
-        </p:nvSpPr>
-        <p:spPr>
-          <a:xfrm>
-            <a:off x="1278467" y="3400941"/>
-            <a:ext cx="423514" cy="523220"/>
-          </a:xfrm>
-          <a:prstGeom prst="rect">
-            <a:avLst/>
-          </a:prstGeom>
-          <a:noFill/>
-        </p:spPr>
-        <p:txBody>
-          <a:bodyPr wrap="none" rtlCol="0">
-            <a:spAutoFit/>
-          </a:bodyPr>
-          <a:lstStyle/>
-          <a:p>
-            <a:r>
-              <a:rPr lang="en-US" sz="2800" dirty="0">
-                <a:latin typeface="Helvetica" pitchFamily="2" charset="0"/>
-              </a:rPr>
-              <a:t>B</a:t>
-            </a:r>
-          </a:p>
-        </p:txBody>
-      </p:sp>
-    </p:spTree>
-    <p:extLst>
-      <p:ext uri="{BB962C8B-B14F-4D97-AF65-F5344CB8AC3E}">
-        <p14:creationId xmlns:p14="http://schemas.microsoft.com/office/powerpoint/2010/main" val="2072890612"/>
-      </p:ext>
-    </p:extLst>
-  </p:cSld>
-  <p:clrMapOvr>
-    <a:masterClrMapping/>
-  </p:clrMapOvr>
-</p:sld>
-</file>
-
-<file path=ppt/slides/slide4.xml><?xml version="1.0" encoding="utf-8"?>
-<p:sld xmlns:a="http://schemas.openxmlformats.org/drawingml/2006/main" xmlns:r="http://schemas.openxmlformats.org/officeDocument/2006/relationships" xmlns:p="http://schemas.openxmlformats.org/presentationml/2006/main">
-  <p:cSld>
-    <p:bg>
-      <p:bgPr>
-        <a:solidFill>
-          <a:schemeClr val="bg1">
-            <a:alpha val="47177"/>
-          </a:schemeClr>
-        </a:solidFill>
-        <a:effectLst/>
-      </p:bgPr>
-    </p:bg>
-    <p:spTree>
-      <p:nvGrpSpPr>
-        <p:cNvPr id="1" name=""/>
-        <p:cNvGrpSpPr/>
-        <p:nvPr/>
-      </p:nvGrpSpPr>
-      <p:grpSpPr>
-        <a:xfrm>
-          <a:off x="0" y="0"/>
-          <a:ext cx="0" cy="0"/>
-          <a:chOff x="0" y="0"/>
-          <a:chExt cx="0" cy="0"/>
-        </a:xfrm>
-      </p:grpSpPr>
-      <p:sp>
-        <p:nvSpPr>
-          <p:cNvPr id="17" name="TextBox 16">
-            <a:extLst>
-              <a:ext uri="{FF2B5EF4-FFF2-40B4-BE49-F238E27FC236}">
-                <a16:creationId xmlns:a16="http://schemas.microsoft.com/office/drawing/2014/main" id="{CCC06B6F-0619-968C-F2AC-9F22B08985E1}"/>
-              </a:ext>
-            </a:extLst>
-          </p:cNvPr>
-          <p:cNvSpPr txBox="1"/>
-          <p:nvPr/>
-        </p:nvSpPr>
-        <p:spPr>
-          <a:xfrm>
             <a:off x="2788668" y="374274"/>
             <a:ext cx="1518364" cy="369332"/>
           </a:xfrm>
@@ -6692,7 +4813,7 @@
 </p:sld>
 </file>
 
-<file path=ppt/slides/slide5.xml><?xml version="1.0" encoding="utf-8"?>
+<file path=ppt/slides/slide11.xml><?xml version="1.0" encoding="utf-8"?>
 <p:sld xmlns:a="http://schemas.openxmlformats.org/drawingml/2006/main" xmlns:r="http://schemas.openxmlformats.org/officeDocument/2006/relationships" xmlns:p="http://schemas.openxmlformats.org/presentationml/2006/main">
   <p:cSld>
     <p:spTree>
@@ -7259,7 +5380,7 @@
 </p:sld>
 </file>
 
-<file path=ppt/slides/slide6.xml><?xml version="1.0" encoding="utf-8"?>
+<file path=ppt/slides/slide12.xml><?xml version="1.0" encoding="utf-8"?>
 <p:sld xmlns:a="http://schemas.openxmlformats.org/drawingml/2006/main" xmlns:r="http://schemas.openxmlformats.org/officeDocument/2006/relationships" xmlns:p="http://schemas.openxmlformats.org/presentationml/2006/main">
   <p:cSld>
     <p:spTree>
@@ -7581,7 +5702,7 @@
 </p:sld>
 </file>
 
-<file path=ppt/slides/slide7.xml><?xml version="1.0" encoding="utf-8"?>
+<file path=ppt/slides/slide13.xml><?xml version="1.0" encoding="utf-8"?>
 <p:sld xmlns:a="http://schemas.openxmlformats.org/drawingml/2006/main" xmlns:r="http://schemas.openxmlformats.org/officeDocument/2006/relationships" xmlns:p="http://schemas.openxmlformats.org/presentationml/2006/main">
   <p:cSld>
     <p:spTree>
@@ -7953,7 +6074,7 @@
 </p:sld>
 </file>
 
-<file path=ppt/slides/slide8.xml><?xml version="1.0" encoding="utf-8"?>
+<file path=ppt/slides/slide14.xml><?xml version="1.0" encoding="utf-8"?>
 <p:sld xmlns:a="http://schemas.openxmlformats.org/drawingml/2006/main" xmlns:r="http://schemas.openxmlformats.org/officeDocument/2006/relationships" xmlns:p="http://schemas.openxmlformats.org/presentationml/2006/main">
   <p:cSld>
     <p:spTree>
@@ -8999,6 +7120,3336 @@
 </p:sld>
 </file>
 
+<file path=ppt/slides/slide15.xml><?xml version="1.0" encoding="utf-8"?>
+<p:sld xmlns:a="http://schemas.openxmlformats.org/drawingml/2006/main" xmlns:r="http://schemas.openxmlformats.org/officeDocument/2006/relationships" xmlns:p="http://schemas.openxmlformats.org/presentationml/2006/main">
+  <p:cSld>
+    <p:spTree>
+      <p:nvGrpSpPr>
+        <p:cNvPr id="1" name=""/>
+        <p:cNvGrpSpPr/>
+        <p:nvPr/>
+      </p:nvGrpSpPr>
+      <p:grpSpPr>
+        <a:xfrm>
+          <a:off x="0" y="0"/>
+          <a:ext cx="0" cy="0"/>
+          <a:chOff x="0" y="0"/>
+          <a:chExt cx="0" cy="0"/>
+        </a:xfrm>
+      </p:grpSpPr>
+      <p:sp>
+        <p:nvSpPr>
+          <p:cNvPr id="2" name="Title 1">
+            <a:extLst>
+              <a:ext uri="{FF2B5EF4-FFF2-40B4-BE49-F238E27FC236}">
+                <a16:creationId xmlns:a16="http://schemas.microsoft.com/office/drawing/2014/main" id="{DCD55971-DFF6-8F80-840A-F9EACA17448E}"/>
+              </a:ext>
+            </a:extLst>
+          </p:cNvPr>
+          <p:cNvSpPr>
+            <a:spLocks noGrp="1"/>
+          </p:cNvSpPr>
+          <p:nvPr>
+            <p:ph type="ctrTitle"/>
+          </p:nvPr>
+        </p:nvSpPr>
+        <p:spPr/>
+        <p:txBody>
+          <a:bodyPr/>
+          <a:lstStyle/>
+          <a:p>
+            <a:r>
+              <a:rPr lang="en-US" dirty="0" err="1"/>
+              <a:t>pval</a:t>
+            </a:r>
+            <a:r>
+              <a:rPr lang="en-US" dirty="0"/>
+              <a:t> &lt; 1</a:t>
+            </a:r>
+          </a:p>
+        </p:txBody>
+      </p:sp>
+    </p:spTree>
+    <p:extLst>
+      <p:ext uri="{BB962C8B-B14F-4D97-AF65-F5344CB8AC3E}">
+        <p14:creationId xmlns:p14="http://schemas.microsoft.com/office/powerpoint/2010/main" val="1587939093"/>
+      </p:ext>
+    </p:extLst>
+  </p:cSld>
+  <p:clrMapOvr>
+    <a:masterClrMapping/>
+  </p:clrMapOvr>
+</p:sld>
+</file>
+
+<file path=ppt/slides/slide16.xml><?xml version="1.0" encoding="utf-8"?>
+<p:sld xmlns:a="http://schemas.openxmlformats.org/drawingml/2006/main" xmlns:r="http://schemas.openxmlformats.org/officeDocument/2006/relationships" xmlns:p="http://schemas.openxmlformats.org/presentationml/2006/main">
+  <p:cSld>
+    <p:bg>
+      <p:bgPr>
+        <a:solidFill>
+          <a:schemeClr val="bg1">
+            <a:alpha val="47177"/>
+          </a:schemeClr>
+        </a:solidFill>
+        <a:effectLst/>
+      </p:bgPr>
+    </p:bg>
+    <p:spTree>
+      <p:nvGrpSpPr>
+        <p:cNvPr id="1" name=""/>
+        <p:cNvGrpSpPr/>
+        <p:nvPr/>
+      </p:nvGrpSpPr>
+      <p:grpSpPr>
+        <a:xfrm>
+          <a:off x="0" y="0"/>
+          <a:ext cx="0" cy="0"/>
+          <a:chOff x="0" y="0"/>
+          <a:chExt cx="0" cy="0"/>
+        </a:xfrm>
+      </p:grpSpPr>
+      <p:sp>
+        <p:nvSpPr>
+          <p:cNvPr id="17" name="TextBox 16">
+            <a:extLst>
+              <a:ext uri="{FF2B5EF4-FFF2-40B4-BE49-F238E27FC236}">
+                <a16:creationId xmlns:a16="http://schemas.microsoft.com/office/drawing/2014/main" id="{CCC06B6F-0619-968C-F2AC-9F22B08985E1}"/>
+              </a:ext>
+            </a:extLst>
+          </p:cNvPr>
+          <p:cNvSpPr txBox="1"/>
+          <p:nvPr/>
+        </p:nvSpPr>
+        <p:spPr>
+          <a:xfrm>
+            <a:off x="2505992" y="204413"/>
+            <a:ext cx="1518364" cy="369332"/>
+          </a:xfrm>
+          <a:prstGeom prst="rect">
+            <a:avLst/>
+          </a:prstGeom>
+          <a:noFill/>
+        </p:spPr>
+        <p:txBody>
+          <a:bodyPr wrap="none" rtlCol="0">
+            <a:spAutoFit/>
+          </a:bodyPr>
+          <a:lstStyle/>
+          <a:p>
+            <a:r>
+              <a:rPr lang="en-US" dirty="0">
+                <a:latin typeface="Helvetica" pitchFamily="2" charset="0"/>
+              </a:rPr>
+              <a:t>2020 dataset</a:t>
+            </a:r>
+          </a:p>
+        </p:txBody>
+      </p:sp>
+      <p:pic>
+        <p:nvPicPr>
+          <p:cNvPr id="2" name="Picture 1">
+            <a:extLst>
+              <a:ext uri="{FF2B5EF4-FFF2-40B4-BE49-F238E27FC236}">
+                <a16:creationId xmlns:a16="http://schemas.microsoft.com/office/drawing/2014/main" id="{082BA019-4DBA-0C9C-2971-C5F1AA7D1893}"/>
+              </a:ext>
+            </a:extLst>
+          </p:cNvPr>
+          <p:cNvPicPr>
+            <a:picLocks noChangeAspect="1"/>
+          </p:cNvPicPr>
+          <p:nvPr/>
+        </p:nvPicPr>
+        <p:blipFill>
+          <a:blip r:embed="rId2"/>
+          <a:stretch>
+            <a:fillRect/>
+          </a:stretch>
+        </p:blipFill>
+        <p:spPr>
+          <a:xfrm>
+            <a:off x="1107988" y="604960"/>
+            <a:ext cx="4314372" cy="2651760"/>
+          </a:xfrm>
+          <a:prstGeom prst="rect">
+            <a:avLst/>
+          </a:prstGeom>
+        </p:spPr>
+      </p:pic>
+      <p:sp>
+        <p:nvSpPr>
+          <p:cNvPr id="4" name="TextBox 3">
+            <a:extLst>
+              <a:ext uri="{FF2B5EF4-FFF2-40B4-BE49-F238E27FC236}">
+                <a16:creationId xmlns:a16="http://schemas.microsoft.com/office/drawing/2014/main" id="{02F4BFEF-9FDE-CE72-2285-A609EF0B0F98}"/>
+              </a:ext>
+            </a:extLst>
+          </p:cNvPr>
+          <p:cNvSpPr txBox="1"/>
+          <p:nvPr/>
+        </p:nvSpPr>
+        <p:spPr>
+          <a:xfrm>
+            <a:off x="2505992" y="3363160"/>
+            <a:ext cx="1518364" cy="369332"/>
+          </a:xfrm>
+          <a:prstGeom prst="rect">
+            <a:avLst/>
+          </a:prstGeom>
+          <a:noFill/>
+        </p:spPr>
+        <p:txBody>
+          <a:bodyPr wrap="none" rtlCol="0">
+            <a:spAutoFit/>
+          </a:bodyPr>
+          <a:lstStyle/>
+          <a:p>
+            <a:r>
+              <a:rPr lang="en-US" dirty="0">
+                <a:latin typeface="Helvetica" pitchFamily="2" charset="0"/>
+              </a:rPr>
+              <a:t>2018 dataset</a:t>
+            </a:r>
+          </a:p>
+        </p:txBody>
+      </p:sp>
+      <p:pic>
+        <p:nvPicPr>
+          <p:cNvPr id="11" name="Picture 10">
+            <a:extLst>
+              <a:ext uri="{FF2B5EF4-FFF2-40B4-BE49-F238E27FC236}">
+                <a16:creationId xmlns:a16="http://schemas.microsoft.com/office/drawing/2014/main" id="{154C5E8A-3E02-9C85-D5B4-AF96094BF5B7}"/>
+              </a:ext>
+            </a:extLst>
+          </p:cNvPr>
+          <p:cNvPicPr>
+            <a:picLocks noChangeAspect="1"/>
+          </p:cNvPicPr>
+          <p:nvPr/>
+        </p:nvPicPr>
+        <p:blipFill>
+          <a:blip r:embed="rId3"/>
+          <a:stretch>
+            <a:fillRect/>
+          </a:stretch>
+        </p:blipFill>
+        <p:spPr>
+          <a:xfrm>
+            <a:off x="1150080" y="3777845"/>
+            <a:ext cx="4272280" cy="2651760"/>
+          </a:xfrm>
+          <a:prstGeom prst="rect">
+            <a:avLst/>
+          </a:prstGeom>
+        </p:spPr>
+      </p:pic>
+      <p:sp>
+        <p:nvSpPr>
+          <p:cNvPr id="18" name="TextBox 17">
+            <a:extLst>
+              <a:ext uri="{FF2B5EF4-FFF2-40B4-BE49-F238E27FC236}">
+                <a16:creationId xmlns:a16="http://schemas.microsoft.com/office/drawing/2014/main" id="{4CEA69C1-F5D1-802A-7DF1-8721F7CE7AE2}"/>
+              </a:ext>
+            </a:extLst>
+          </p:cNvPr>
+          <p:cNvSpPr txBox="1"/>
+          <p:nvPr/>
+        </p:nvSpPr>
+        <p:spPr>
+          <a:xfrm>
+            <a:off x="1024467" y="92877"/>
+            <a:ext cx="423514" cy="523220"/>
+          </a:xfrm>
+          <a:prstGeom prst="rect">
+            <a:avLst/>
+          </a:prstGeom>
+          <a:noFill/>
+        </p:spPr>
+        <p:txBody>
+          <a:bodyPr wrap="none" rtlCol="0">
+            <a:spAutoFit/>
+          </a:bodyPr>
+          <a:lstStyle/>
+          <a:p>
+            <a:r>
+              <a:rPr lang="en-US" sz="2800" dirty="0">
+                <a:latin typeface="Helvetica" pitchFamily="2" charset="0"/>
+              </a:rPr>
+              <a:t>A</a:t>
+            </a:r>
+          </a:p>
+        </p:txBody>
+      </p:sp>
+      <p:sp>
+        <p:nvSpPr>
+          <p:cNvPr id="20" name="TextBox 19">
+            <a:extLst>
+              <a:ext uri="{FF2B5EF4-FFF2-40B4-BE49-F238E27FC236}">
+                <a16:creationId xmlns:a16="http://schemas.microsoft.com/office/drawing/2014/main" id="{9D781A77-2F4B-881B-87C0-6150C9E3DFF6}"/>
+              </a:ext>
+            </a:extLst>
+          </p:cNvPr>
+          <p:cNvSpPr txBox="1"/>
+          <p:nvPr/>
+        </p:nvSpPr>
+        <p:spPr>
+          <a:xfrm>
+            <a:off x="1024467" y="3261241"/>
+            <a:ext cx="423514" cy="523220"/>
+          </a:xfrm>
+          <a:prstGeom prst="rect">
+            <a:avLst/>
+          </a:prstGeom>
+          <a:noFill/>
+        </p:spPr>
+        <p:txBody>
+          <a:bodyPr wrap="none" rtlCol="0">
+            <a:spAutoFit/>
+          </a:bodyPr>
+          <a:lstStyle/>
+          <a:p>
+            <a:r>
+              <a:rPr lang="en-US" sz="2800" dirty="0">
+                <a:latin typeface="Helvetica" pitchFamily="2" charset="0"/>
+              </a:rPr>
+              <a:t>B</a:t>
+            </a:r>
+          </a:p>
+        </p:txBody>
+      </p:sp>
+    </p:spTree>
+    <p:extLst>
+      <p:ext uri="{BB962C8B-B14F-4D97-AF65-F5344CB8AC3E}">
+        <p14:creationId xmlns:p14="http://schemas.microsoft.com/office/powerpoint/2010/main" val="1651700424"/>
+      </p:ext>
+    </p:extLst>
+  </p:cSld>
+  <p:clrMapOvr>
+    <a:masterClrMapping/>
+  </p:clrMapOvr>
+</p:sld>
+</file>
+
+<file path=ppt/slides/slide17.xml><?xml version="1.0" encoding="utf-8"?>
+<p:sld xmlns:a="http://schemas.openxmlformats.org/drawingml/2006/main" xmlns:r="http://schemas.openxmlformats.org/officeDocument/2006/relationships" xmlns:p="http://schemas.openxmlformats.org/presentationml/2006/main">
+  <p:cSld>
+    <p:bg>
+      <p:bgPr>
+        <a:solidFill>
+          <a:schemeClr val="bg1">
+            <a:alpha val="47177"/>
+          </a:schemeClr>
+        </a:solidFill>
+        <a:effectLst/>
+      </p:bgPr>
+    </p:bg>
+    <p:spTree>
+      <p:nvGrpSpPr>
+        <p:cNvPr id="1" name=""/>
+        <p:cNvGrpSpPr/>
+        <p:nvPr/>
+      </p:nvGrpSpPr>
+      <p:grpSpPr>
+        <a:xfrm>
+          <a:off x="0" y="0"/>
+          <a:ext cx="0" cy="0"/>
+          <a:chOff x="0" y="0"/>
+          <a:chExt cx="0" cy="0"/>
+        </a:xfrm>
+      </p:grpSpPr>
+      <p:grpSp>
+        <p:nvGrpSpPr>
+          <p:cNvPr id="16" name="Group 15">
+            <a:extLst>
+              <a:ext uri="{FF2B5EF4-FFF2-40B4-BE49-F238E27FC236}">
+                <a16:creationId xmlns:a16="http://schemas.microsoft.com/office/drawing/2014/main" id="{A076B026-A562-1F4F-79B2-52821FC640FF}"/>
+              </a:ext>
+            </a:extLst>
+          </p:cNvPr>
+          <p:cNvGrpSpPr/>
+          <p:nvPr/>
+        </p:nvGrpSpPr>
+        <p:grpSpPr>
+          <a:xfrm>
+            <a:off x="1098233" y="160169"/>
+            <a:ext cx="4314372" cy="6176544"/>
+            <a:chOff x="6405911" y="261769"/>
+            <a:chExt cx="4314372" cy="6176544"/>
+          </a:xfrm>
+        </p:grpSpPr>
+        <p:sp>
+          <p:nvSpPr>
+            <p:cNvPr id="17" name="TextBox 16">
+              <a:extLst>
+                <a:ext uri="{FF2B5EF4-FFF2-40B4-BE49-F238E27FC236}">
+                  <a16:creationId xmlns:a16="http://schemas.microsoft.com/office/drawing/2014/main" id="{CCC06B6F-0619-968C-F2AC-9F22B08985E1}"/>
+                </a:ext>
+              </a:extLst>
+            </p:cNvPr>
+            <p:cNvSpPr txBox="1"/>
+            <p:nvPr/>
+          </p:nvSpPr>
+          <p:spPr>
+            <a:xfrm>
+              <a:off x="7813670" y="261769"/>
+              <a:ext cx="1518364" cy="369332"/>
+            </a:xfrm>
+            <a:prstGeom prst="rect">
+              <a:avLst/>
+            </a:prstGeom>
+            <a:noFill/>
+          </p:spPr>
+          <p:txBody>
+            <a:bodyPr wrap="none" rtlCol="0">
+              <a:spAutoFit/>
+            </a:bodyPr>
+            <a:lstStyle/>
+            <a:p>
+              <a:r>
+                <a:rPr lang="en-US" dirty="0">
+                  <a:latin typeface="Helvetica" pitchFamily="2" charset="0"/>
+                </a:rPr>
+                <a:t>2020 dataset</a:t>
+              </a:r>
+            </a:p>
+          </p:txBody>
+        </p:sp>
+        <p:pic>
+          <p:nvPicPr>
+            <p:cNvPr id="2" name="Picture 1">
+              <a:extLst>
+                <a:ext uri="{FF2B5EF4-FFF2-40B4-BE49-F238E27FC236}">
+                  <a16:creationId xmlns:a16="http://schemas.microsoft.com/office/drawing/2014/main" id="{082BA019-4DBA-0C9C-2971-C5F1AA7D1893}"/>
+                </a:ext>
+              </a:extLst>
+            </p:cNvPr>
+            <p:cNvPicPr>
+              <a:picLocks noChangeAspect="1"/>
+            </p:cNvPicPr>
+            <p:nvPr/>
+          </p:nvPicPr>
+          <p:blipFill>
+            <a:blip r:embed="rId2"/>
+            <a:stretch>
+              <a:fillRect/>
+            </a:stretch>
+          </p:blipFill>
+          <p:spPr>
+            <a:xfrm>
+              <a:off x="6405911" y="3786553"/>
+              <a:ext cx="4314372" cy="2651760"/>
+            </a:xfrm>
+            <a:prstGeom prst="rect">
+              <a:avLst/>
+            </a:prstGeom>
+          </p:spPr>
+        </p:pic>
+        <p:pic>
+          <p:nvPicPr>
+            <p:cNvPr id="5" name="Picture 4">
+              <a:extLst>
+                <a:ext uri="{FF2B5EF4-FFF2-40B4-BE49-F238E27FC236}">
+                  <a16:creationId xmlns:a16="http://schemas.microsoft.com/office/drawing/2014/main" id="{952C7601-6911-868A-A857-2ECA7520C082}"/>
+                </a:ext>
+              </a:extLst>
+            </p:cNvPr>
+            <p:cNvPicPr>
+              <a:picLocks noChangeAspect="1"/>
+            </p:cNvPicPr>
+            <p:nvPr/>
+          </p:nvPicPr>
+          <p:blipFill>
+            <a:blip r:embed="rId3"/>
+            <a:stretch>
+              <a:fillRect/>
+            </a:stretch>
+          </p:blipFill>
+          <p:spPr>
+            <a:xfrm>
+              <a:off x="6767905" y="700982"/>
+              <a:ext cx="3590383" cy="2734056"/>
+            </a:xfrm>
+            <a:prstGeom prst="rect">
+              <a:avLst/>
+            </a:prstGeom>
+          </p:spPr>
+        </p:pic>
+      </p:grpSp>
+      <p:grpSp>
+        <p:nvGrpSpPr>
+          <p:cNvPr id="15" name="Group 14">
+            <a:extLst>
+              <a:ext uri="{FF2B5EF4-FFF2-40B4-BE49-F238E27FC236}">
+                <a16:creationId xmlns:a16="http://schemas.microsoft.com/office/drawing/2014/main" id="{49EF675B-5B62-9A5D-D8D1-DEA6E46028C5}"/>
+              </a:ext>
+            </a:extLst>
+          </p:cNvPr>
+          <p:cNvGrpSpPr/>
+          <p:nvPr/>
+        </p:nvGrpSpPr>
+        <p:grpSpPr>
+          <a:xfrm>
+            <a:off x="5918200" y="147469"/>
+            <a:ext cx="4272280" cy="6189244"/>
+            <a:chOff x="556484" y="249069"/>
+            <a:chExt cx="4272280" cy="6189244"/>
+          </a:xfrm>
+        </p:grpSpPr>
+        <p:sp>
+          <p:nvSpPr>
+            <p:cNvPr id="4" name="TextBox 3">
+              <a:extLst>
+                <a:ext uri="{FF2B5EF4-FFF2-40B4-BE49-F238E27FC236}">
+                  <a16:creationId xmlns:a16="http://schemas.microsoft.com/office/drawing/2014/main" id="{02F4BFEF-9FDE-CE72-2285-A609EF0B0F98}"/>
+                </a:ext>
+              </a:extLst>
+            </p:cNvPr>
+            <p:cNvSpPr txBox="1"/>
+            <p:nvPr/>
+          </p:nvSpPr>
+          <p:spPr>
+            <a:xfrm>
+              <a:off x="1945287" y="249069"/>
+              <a:ext cx="1518364" cy="369332"/>
+            </a:xfrm>
+            <a:prstGeom prst="rect">
+              <a:avLst/>
+            </a:prstGeom>
+            <a:noFill/>
+          </p:spPr>
+          <p:txBody>
+            <a:bodyPr wrap="none" rtlCol="0">
+              <a:spAutoFit/>
+            </a:bodyPr>
+            <a:lstStyle/>
+            <a:p>
+              <a:r>
+                <a:rPr lang="en-US" dirty="0">
+                  <a:latin typeface="Helvetica" pitchFamily="2" charset="0"/>
+                </a:rPr>
+                <a:t>2018 dataset</a:t>
+              </a:r>
+            </a:p>
+          </p:txBody>
+        </p:sp>
+        <p:pic>
+          <p:nvPicPr>
+            <p:cNvPr id="9" name="Picture 8">
+              <a:extLst>
+                <a:ext uri="{FF2B5EF4-FFF2-40B4-BE49-F238E27FC236}">
+                  <a16:creationId xmlns:a16="http://schemas.microsoft.com/office/drawing/2014/main" id="{6958F28B-CBE7-7298-0700-D70F11403E8C}"/>
+                </a:ext>
+              </a:extLst>
+            </p:cNvPr>
+            <p:cNvPicPr>
+              <a:picLocks noChangeAspect="1"/>
+            </p:cNvPicPr>
+            <p:nvPr/>
+          </p:nvPicPr>
+          <p:blipFill>
+            <a:blip r:embed="rId4"/>
+            <a:stretch>
+              <a:fillRect/>
+            </a:stretch>
+          </p:blipFill>
+          <p:spPr>
+            <a:xfrm>
+              <a:off x="899384" y="700982"/>
+              <a:ext cx="3590383" cy="2734056"/>
+            </a:xfrm>
+            <a:prstGeom prst="rect">
+              <a:avLst/>
+            </a:prstGeom>
+          </p:spPr>
+        </p:pic>
+        <p:pic>
+          <p:nvPicPr>
+            <p:cNvPr id="11" name="Picture 10">
+              <a:extLst>
+                <a:ext uri="{FF2B5EF4-FFF2-40B4-BE49-F238E27FC236}">
+                  <a16:creationId xmlns:a16="http://schemas.microsoft.com/office/drawing/2014/main" id="{154C5E8A-3E02-9C85-D5B4-AF96094BF5B7}"/>
+                </a:ext>
+              </a:extLst>
+            </p:cNvPr>
+            <p:cNvPicPr>
+              <a:picLocks noChangeAspect="1"/>
+            </p:cNvPicPr>
+            <p:nvPr/>
+          </p:nvPicPr>
+          <p:blipFill>
+            <a:blip r:embed="rId5"/>
+            <a:stretch>
+              <a:fillRect/>
+            </a:stretch>
+          </p:blipFill>
+          <p:spPr>
+            <a:xfrm>
+              <a:off x="556484" y="3786553"/>
+              <a:ext cx="4272280" cy="2651760"/>
+            </a:xfrm>
+            <a:prstGeom prst="rect">
+              <a:avLst/>
+            </a:prstGeom>
+          </p:spPr>
+        </p:pic>
+      </p:grpSp>
+      <p:sp>
+        <p:nvSpPr>
+          <p:cNvPr id="18" name="TextBox 17">
+            <a:extLst>
+              <a:ext uri="{FF2B5EF4-FFF2-40B4-BE49-F238E27FC236}">
+                <a16:creationId xmlns:a16="http://schemas.microsoft.com/office/drawing/2014/main" id="{4CEA69C1-F5D1-802A-7DF1-8721F7CE7AE2}"/>
+              </a:ext>
+            </a:extLst>
+          </p:cNvPr>
+          <p:cNvSpPr txBox="1"/>
+          <p:nvPr/>
+        </p:nvSpPr>
+        <p:spPr>
+          <a:xfrm>
+            <a:off x="1024467" y="92877"/>
+            <a:ext cx="423514" cy="523220"/>
+          </a:xfrm>
+          <a:prstGeom prst="rect">
+            <a:avLst/>
+          </a:prstGeom>
+          <a:noFill/>
+        </p:spPr>
+        <p:txBody>
+          <a:bodyPr wrap="none" rtlCol="0">
+            <a:spAutoFit/>
+          </a:bodyPr>
+          <a:lstStyle/>
+          <a:p>
+            <a:r>
+              <a:rPr lang="en-US" sz="2800" dirty="0">
+                <a:latin typeface="Helvetica" pitchFamily="2" charset="0"/>
+              </a:rPr>
+              <a:t>A</a:t>
+            </a:r>
+          </a:p>
+        </p:txBody>
+      </p:sp>
+      <p:sp>
+        <p:nvSpPr>
+          <p:cNvPr id="19" name="TextBox 18">
+            <a:extLst>
+              <a:ext uri="{FF2B5EF4-FFF2-40B4-BE49-F238E27FC236}">
+                <a16:creationId xmlns:a16="http://schemas.microsoft.com/office/drawing/2014/main" id="{7235B3FF-0567-27FC-6321-8F73255D8D47}"/>
+              </a:ext>
+            </a:extLst>
+          </p:cNvPr>
+          <p:cNvSpPr txBox="1"/>
+          <p:nvPr/>
+        </p:nvSpPr>
+        <p:spPr>
+          <a:xfrm>
+            <a:off x="5795718" y="108149"/>
+            <a:ext cx="444352" cy="523220"/>
+          </a:xfrm>
+          <a:prstGeom prst="rect">
+            <a:avLst/>
+          </a:prstGeom>
+          <a:noFill/>
+        </p:spPr>
+        <p:txBody>
+          <a:bodyPr wrap="none" rtlCol="0">
+            <a:spAutoFit/>
+          </a:bodyPr>
+          <a:lstStyle/>
+          <a:p>
+            <a:r>
+              <a:rPr lang="en-US" sz="2800" dirty="0">
+                <a:latin typeface="Helvetica" pitchFamily="2" charset="0"/>
+              </a:rPr>
+              <a:t>C</a:t>
+            </a:r>
+          </a:p>
+        </p:txBody>
+      </p:sp>
+      <p:sp>
+        <p:nvSpPr>
+          <p:cNvPr id="20" name="TextBox 19">
+            <a:extLst>
+              <a:ext uri="{FF2B5EF4-FFF2-40B4-BE49-F238E27FC236}">
+                <a16:creationId xmlns:a16="http://schemas.microsoft.com/office/drawing/2014/main" id="{9D781A77-2F4B-881B-87C0-6150C9E3DFF6}"/>
+              </a:ext>
+            </a:extLst>
+          </p:cNvPr>
+          <p:cNvSpPr txBox="1"/>
+          <p:nvPr/>
+        </p:nvSpPr>
+        <p:spPr>
+          <a:xfrm>
+            <a:off x="1024467" y="3261241"/>
+            <a:ext cx="423514" cy="523220"/>
+          </a:xfrm>
+          <a:prstGeom prst="rect">
+            <a:avLst/>
+          </a:prstGeom>
+          <a:noFill/>
+        </p:spPr>
+        <p:txBody>
+          <a:bodyPr wrap="none" rtlCol="0">
+            <a:spAutoFit/>
+          </a:bodyPr>
+          <a:lstStyle/>
+          <a:p>
+            <a:r>
+              <a:rPr lang="en-US" sz="2800" dirty="0">
+                <a:latin typeface="Helvetica" pitchFamily="2" charset="0"/>
+              </a:rPr>
+              <a:t>B</a:t>
+            </a:r>
+          </a:p>
+        </p:txBody>
+      </p:sp>
+      <p:sp>
+        <p:nvSpPr>
+          <p:cNvPr id="21" name="TextBox 20">
+            <a:extLst>
+              <a:ext uri="{FF2B5EF4-FFF2-40B4-BE49-F238E27FC236}">
+                <a16:creationId xmlns:a16="http://schemas.microsoft.com/office/drawing/2014/main" id="{66FA19AA-8B04-E3D7-C290-D23221007867}"/>
+              </a:ext>
+            </a:extLst>
+          </p:cNvPr>
+          <p:cNvSpPr txBox="1"/>
+          <p:nvPr/>
+        </p:nvSpPr>
+        <p:spPr>
+          <a:xfrm>
+            <a:off x="5797025" y="3256720"/>
+            <a:ext cx="444352" cy="523220"/>
+          </a:xfrm>
+          <a:prstGeom prst="rect">
+            <a:avLst/>
+          </a:prstGeom>
+          <a:noFill/>
+        </p:spPr>
+        <p:txBody>
+          <a:bodyPr wrap="none" rtlCol="0">
+            <a:spAutoFit/>
+          </a:bodyPr>
+          <a:lstStyle/>
+          <a:p>
+            <a:r>
+              <a:rPr lang="en-US" sz="2800" dirty="0">
+                <a:latin typeface="Helvetica" pitchFamily="2" charset="0"/>
+              </a:rPr>
+              <a:t>D</a:t>
+            </a:r>
+          </a:p>
+        </p:txBody>
+      </p:sp>
+    </p:spTree>
+    <p:extLst>
+      <p:ext uri="{BB962C8B-B14F-4D97-AF65-F5344CB8AC3E}">
+        <p14:creationId xmlns:p14="http://schemas.microsoft.com/office/powerpoint/2010/main" val="1134357242"/>
+      </p:ext>
+    </p:extLst>
+  </p:cSld>
+  <p:clrMapOvr>
+    <a:masterClrMapping/>
+  </p:clrMapOvr>
+</p:sld>
+</file>
+
+<file path=ppt/slides/slide18.xml><?xml version="1.0" encoding="utf-8"?>
+<p:sld xmlns:a="http://schemas.openxmlformats.org/drawingml/2006/main" xmlns:r="http://schemas.openxmlformats.org/officeDocument/2006/relationships" xmlns:p="http://schemas.openxmlformats.org/presentationml/2006/main">
+  <p:cSld>
+    <p:spTree>
+      <p:nvGrpSpPr>
+        <p:cNvPr id="1" name=""/>
+        <p:cNvGrpSpPr/>
+        <p:nvPr/>
+      </p:nvGrpSpPr>
+      <p:grpSpPr>
+        <a:xfrm>
+          <a:off x="0" y="0"/>
+          <a:ext cx="0" cy="0"/>
+          <a:chOff x="0" y="0"/>
+          <a:chExt cx="0" cy="0"/>
+        </a:xfrm>
+      </p:grpSpPr>
+      <p:pic>
+        <p:nvPicPr>
+          <p:cNvPr id="6" name="Picture 5">
+            <a:extLst>
+              <a:ext uri="{FF2B5EF4-FFF2-40B4-BE49-F238E27FC236}">
+                <a16:creationId xmlns:a16="http://schemas.microsoft.com/office/drawing/2014/main" id="{44C19633-CFF9-1FDF-5DE5-1318DBCC2B41}"/>
+              </a:ext>
+            </a:extLst>
+          </p:cNvPr>
+          <p:cNvPicPr>
+            <a:picLocks noChangeAspect="1"/>
+          </p:cNvPicPr>
+          <p:nvPr/>
+        </p:nvPicPr>
+        <p:blipFill>
+          <a:blip r:embed="rId2"/>
+          <a:stretch>
+            <a:fillRect/>
+          </a:stretch>
+        </p:blipFill>
+        <p:spPr>
+          <a:xfrm>
+            <a:off x="5908511" y="2531456"/>
+            <a:ext cx="5028475" cy="3090672"/>
+          </a:xfrm>
+          <a:prstGeom prst="rect">
+            <a:avLst/>
+          </a:prstGeom>
+        </p:spPr>
+      </p:pic>
+      <p:pic>
+        <p:nvPicPr>
+          <p:cNvPr id="8" name="Picture 7">
+            <a:extLst>
+              <a:ext uri="{FF2B5EF4-FFF2-40B4-BE49-F238E27FC236}">
+                <a16:creationId xmlns:a16="http://schemas.microsoft.com/office/drawing/2014/main" id="{852C9346-EAA0-D8A2-A4E1-1DFF55903CDA}"/>
+              </a:ext>
+            </a:extLst>
+          </p:cNvPr>
+          <p:cNvPicPr>
+            <a:picLocks noChangeAspect="1"/>
+          </p:cNvPicPr>
+          <p:nvPr/>
+        </p:nvPicPr>
+        <p:blipFill>
+          <a:blip r:embed="rId3"/>
+          <a:stretch>
+            <a:fillRect/>
+          </a:stretch>
+        </p:blipFill>
+        <p:spPr>
+          <a:xfrm>
+            <a:off x="415073" y="2531456"/>
+            <a:ext cx="4979416" cy="3090672"/>
+          </a:xfrm>
+          <a:prstGeom prst="rect">
+            <a:avLst/>
+          </a:prstGeom>
+        </p:spPr>
+      </p:pic>
+      <p:sp>
+        <p:nvSpPr>
+          <p:cNvPr id="11" name="TextBox 10">
+            <a:extLst>
+              <a:ext uri="{FF2B5EF4-FFF2-40B4-BE49-F238E27FC236}">
+                <a16:creationId xmlns:a16="http://schemas.microsoft.com/office/drawing/2014/main" id="{8301A948-B0EC-473F-31A5-AD21A1D3BF71}"/>
+              </a:ext>
+            </a:extLst>
+          </p:cNvPr>
+          <p:cNvSpPr txBox="1"/>
+          <p:nvPr/>
+        </p:nvSpPr>
+        <p:spPr>
+          <a:xfrm>
+            <a:off x="363491" y="2222500"/>
+            <a:ext cx="423514" cy="523220"/>
+          </a:xfrm>
+          <a:prstGeom prst="rect">
+            <a:avLst/>
+          </a:prstGeom>
+          <a:noFill/>
+        </p:spPr>
+        <p:txBody>
+          <a:bodyPr wrap="none" rtlCol="0">
+            <a:spAutoFit/>
+          </a:bodyPr>
+          <a:lstStyle/>
+          <a:p>
+            <a:r>
+              <a:rPr lang="en-US" sz="2800" dirty="0">
+                <a:latin typeface="Helvetica" pitchFamily="2" charset="0"/>
+              </a:rPr>
+              <a:t>A</a:t>
+            </a:r>
+          </a:p>
+        </p:txBody>
+      </p:sp>
+      <p:sp>
+        <p:nvSpPr>
+          <p:cNvPr id="16" name="TextBox 15">
+            <a:extLst>
+              <a:ext uri="{FF2B5EF4-FFF2-40B4-BE49-F238E27FC236}">
+                <a16:creationId xmlns:a16="http://schemas.microsoft.com/office/drawing/2014/main" id="{6D9F0437-5678-B2DF-983F-1704D2A68F81}"/>
+              </a:ext>
+            </a:extLst>
+          </p:cNvPr>
+          <p:cNvSpPr txBox="1"/>
+          <p:nvPr/>
+        </p:nvSpPr>
+        <p:spPr>
+          <a:xfrm>
+            <a:off x="5896742" y="2237772"/>
+            <a:ext cx="423514" cy="523220"/>
+          </a:xfrm>
+          <a:prstGeom prst="rect">
+            <a:avLst/>
+          </a:prstGeom>
+          <a:noFill/>
+        </p:spPr>
+        <p:txBody>
+          <a:bodyPr wrap="none" rtlCol="0">
+            <a:spAutoFit/>
+          </a:bodyPr>
+          <a:lstStyle/>
+          <a:p>
+            <a:r>
+              <a:rPr lang="en-US" sz="2800" dirty="0">
+                <a:latin typeface="Helvetica" pitchFamily="2" charset="0"/>
+              </a:rPr>
+              <a:t>B</a:t>
+            </a:r>
+          </a:p>
+        </p:txBody>
+      </p:sp>
+      <p:sp>
+        <p:nvSpPr>
+          <p:cNvPr id="22" name="TextBox 21">
+            <a:extLst>
+              <a:ext uri="{FF2B5EF4-FFF2-40B4-BE49-F238E27FC236}">
+                <a16:creationId xmlns:a16="http://schemas.microsoft.com/office/drawing/2014/main" id="{F83D2853-C761-BC0F-B00F-D057DEA52A05}"/>
+              </a:ext>
+            </a:extLst>
+          </p:cNvPr>
+          <p:cNvSpPr txBox="1"/>
+          <p:nvPr/>
+        </p:nvSpPr>
+        <p:spPr>
+          <a:xfrm>
+            <a:off x="2143005" y="2037834"/>
+            <a:ext cx="1518364" cy="369332"/>
+          </a:xfrm>
+          <a:prstGeom prst="rect">
+            <a:avLst/>
+          </a:prstGeom>
+          <a:noFill/>
+        </p:spPr>
+        <p:txBody>
+          <a:bodyPr wrap="none" rtlCol="0">
+            <a:spAutoFit/>
+          </a:bodyPr>
+          <a:lstStyle/>
+          <a:p>
+            <a:r>
+              <a:rPr lang="en-US" dirty="0">
+                <a:latin typeface="Helvetica" pitchFamily="2" charset="0"/>
+              </a:rPr>
+              <a:t>2020 dataset</a:t>
+            </a:r>
+          </a:p>
+        </p:txBody>
+      </p:sp>
+      <p:sp>
+        <p:nvSpPr>
+          <p:cNvPr id="27" name="TextBox 26">
+            <a:extLst>
+              <a:ext uri="{FF2B5EF4-FFF2-40B4-BE49-F238E27FC236}">
+                <a16:creationId xmlns:a16="http://schemas.microsoft.com/office/drawing/2014/main" id="{30040F0F-25F2-1A84-4973-8D392D46F9E2}"/>
+              </a:ext>
+            </a:extLst>
+          </p:cNvPr>
+          <p:cNvSpPr txBox="1"/>
+          <p:nvPr/>
+        </p:nvSpPr>
+        <p:spPr>
+          <a:xfrm>
+            <a:off x="7663326" y="2037834"/>
+            <a:ext cx="1518364" cy="369332"/>
+          </a:xfrm>
+          <a:prstGeom prst="rect">
+            <a:avLst/>
+          </a:prstGeom>
+          <a:noFill/>
+        </p:spPr>
+        <p:txBody>
+          <a:bodyPr wrap="none" rtlCol="0">
+            <a:spAutoFit/>
+          </a:bodyPr>
+          <a:lstStyle/>
+          <a:p>
+            <a:r>
+              <a:rPr lang="en-US" dirty="0">
+                <a:latin typeface="Helvetica" pitchFamily="2" charset="0"/>
+              </a:rPr>
+              <a:t>2018 dataset</a:t>
+            </a:r>
+          </a:p>
+        </p:txBody>
+      </p:sp>
+    </p:spTree>
+    <p:extLst>
+      <p:ext uri="{BB962C8B-B14F-4D97-AF65-F5344CB8AC3E}">
+        <p14:creationId xmlns:p14="http://schemas.microsoft.com/office/powerpoint/2010/main" val="1140928553"/>
+      </p:ext>
+    </p:extLst>
+  </p:cSld>
+  <p:clrMapOvr>
+    <a:masterClrMapping/>
+  </p:clrMapOvr>
+</p:sld>
+</file>
+
+<file path=ppt/slides/slide19.xml><?xml version="1.0" encoding="utf-8"?>
+<p:sld xmlns:a="http://schemas.openxmlformats.org/drawingml/2006/main" xmlns:r="http://schemas.openxmlformats.org/officeDocument/2006/relationships" xmlns:p="http://schemas.openxmlformats.org/presentationml/2006/main">
+  <p:cSld>
+    <p:spTree>
+      <p:nvGrpSpPr>
+        <p:cNvPr id="1" name=""/>
+        <p:cNvGrpSpPr/>
+        <p:nvPr/>
+      </p:nvGrpSpPr>
+      <p:grpSpPr>
+        <a:xfrm>
+          <a:off x="0" y="0"/>
+          <a:ext cx="0" cy="0"/>
+          <a:chOff x="0" y="0"/>
+          <a:chExt cx="0" cy="0"/>
+        </a:xfrm>
+      </p:grpSpPr>
+      <p:grpSp>
+        <p:nvGrpSpPr>
+          <p:cNvPr id="9" name="Group 8">
+            <a:extLst>
+              <a:ext uri="{FF2B5EF4-FFF2-40B4-BE49-F238E27FC236}">
+                <a16:creationId xmlns:a16="http://schemas.microsoft.com/office/drawing/2014/main" id="{2C4238BB-C963-992E-CC78-184DBCA52FA8}"/>
+              </a:ext>
+            </a:extLst>
+          </p:cNvPr>
+          <p:cNvGrpSpPr/>
+          <p:nvPr/>
+        </p:nvGrpSpPr>
+        <p:grpSpPr>
+          <a:xfrm>
+            <a:off x="1496974" y="165100"/>
+            <a:ext cx="9198052" cy="3031129"/>
+            <a:chOff x="1496974" y="3741549"/>
+            <a:chExt cx="9198052" cy="3031129"/>
+          </a:xfrm>
+        </p:grpSpPr>
+        <p:sp>
+          <p:nvSpPr>
+            <p:cNvPr id="5" name="TextBox 4">
+              <a:extLst>
+                <a:ext uri="{FF2B5EF4-FFF2-40B4-BE49-F238E27FC236}">
+                  <a16:creationId xmlns:a16="http://schemas.microsoft.com/office/drawing/2014/main" id="{259CE62B-BDAC-03E0-0088-CD2FB277DF65}"/>
+                </a:ext>
+              </a:extLst>
+            </p:cNvPr>
+            <p:cNvSpPr txBox="1"/>
+            <p:nvPr/>
+          </p:nvSpPr>
+          <p:spPr>
+            <a:xfrm>
+              <a:off x="5346710" y="3741549"/>
+              <a:ext cx="1518364" cy="369332"/>
+            </a:xfrm>
+            <a:prstGeom prst="rect">
+              <a:avLst/>
+            </a:prstGeom>
+            <a:noFill/>
+          </p:spPr>
+          <p:txBody>
+            <a:bodyPr wrap="none" rtlCol="0">
+              <a:spAutoFit/>
+            </a:bodyPr>
+            <a:lstStyle/>
+            <a:p>
+              <a:r>
+                <a:rPr lang="en-US" dirty="0">
+                  <a:latin typeface="Helvetica" pitchFamily="2" charset="0"/>
+                </a:rPr>
+                <a:t>2020 dataset</a:t>
+              </a:r>
+            </a:p>
+          </p:txBody>
+        </p:sp>
+        <p:pic>
+          <p:nvPicPr>
+            <p:cNvPr id="4" name="Picture 3">
+              <a:extLst>
+                <a:ext uri="{FF2B5EF4-FFF2-40B4-BE49-F238E27FC236}">
+                  <a16:creationId xmlns:a16="http://schemas.microsoft.com/office/drawing/2014/main" id="{95EBE989-5155-A626-E935-8890FFE8BD8B}"/>
+                </a:ext>
+              </a:extLst>
+            </p:cNvPr>
+            <p:cNvPicPr>
+              <a:picLocks noChangeAspect="1"/>
+            </p:cNvPicPr>
+            <p:nvPr/>
+          </p:nvPicPr>
+          <p:blipFill>
+            <a:blip r:embed="rId2"/>
+            <a:stretch>
+              <a:fillRect/>
+            </a:stretch>
+          </p:blipFill>
+          <p:spPr>
+            <a:xfrm>
+              <a:off x="1496974" y="4203214"/>
+              <a:ext cx="9198052" cy="2569464"/>
+            </a:xfrm>
+            <a:prstGeom prst="rect">
+              <a:avLst/>
+            </a:prstGeom>
+          </p:spPr>
+        </p:pic>
+      </p:grpSp>
+      <p:grpSp>
+        <p:nvGrpSpPr>
+          <p:cNvPr id="8" name="Group 7">
+            <a:extLst>
+              <a:ext uri="{FF2B5EF4-FFF2-40B4-BE49-F238E27FC236}">
+                <a16:creationId xmlns:a16="http://schemas.microsoft.com/office/drawing/2014/main" id="{8D343915-F7FF-D487-59B5-E4324332AD84}"/>
+              </a:ext>
+            </a:extLst>
+          </p:cNvPr>
+          <p:cNvGrpSpPr/>
+          <p:nvPr/>
+        </p:nvGrpSpPr>
+        <p:grpSpPr>
+          <a:xfrm>
+            <a:off x="1496974" y="3421229"/>
+            <a:ext cx="9198052" cy="3140206"/>
+            <a:chOff x="1496974" y="492266"/>
+            <a:chExt cx="9198052" cy="3140206"/>
+          </a:xfrm>
+        </p:grpSpPr>
+        <p:sp>
+          <p:nvSpPr>
+            <p:cNvPr id="7" name="TextBox 6">
+              <a:extLst>
+                <a:ext uri="{FF2B5EF4-FFF2-40B4-BE49-F238E27FC236}">
+                  <a16:creationId xmlns:a16="http://schemas.microsoft.com/office/drawing/2014/main" id="{C3A443DE-6A79-90DC-C40A-238B08A8BED1}"/>
+                </a:ext>
+              </a:extLst>
+            </p:cNvPr>
+            <p:cNvSpPr txBox="1"/>
+            <p:nvPr/>
+          </p:nvSpPr>
+          <p:spPr>
+            <a:xfrm>
+              <a:off x="5347492" y="492266"/>
+              <a:ext cx="1518364" cy="369332"/>
+            </a:xfrm>
+            <a:prstGeom prst="rect">
+              <a:avLst/>
+            </a:prstGeom>
+            <a:noFill/>
+          </p:spPr>
+          <p:txBody>
+            <a:bodyPr wrap="none" rtlCol="0">
+              <a:spAutoFit/>
+            </a:bodyPr>
+            <a:lstStyle/>
+            <a:p>
+              <a:r>
+                <a:rPr lang="en-US" dirty="0">
+                  <a:latin typeface="Helvetica" pitchFamily="2" charset="0"/>
+                </a:rPr>
+                <a:t>2018 dataset</a:t>
+              </a:r>
+            </a:p>
+          </p:txBody>
+        </p:sp>
+        <p:pic>
+          <p:nvPicPr>
+            <p:cNvPr id="6" name="Picture 5">
+              <a:extLst>
+                <a:ext uri="{FF2B5EF4-FFF2-40B4-BE49-F238E27FC236}">
+                  <a16:creationId xmlns:a16="http://schemas.microsoft.com/office/drawing/2014/main" id="{FF6A5203-22FE-B8AB-CCE9-E056C5D69D12}"/>
+                </a:ext>
+              </a:extLst>
+            </p:cNvPr>
+            <p:cNvPicPr>
+              <a:picLocks noChangeAspect="1"/>
+            </p:cNvPicPr>
+            <p:nvPr/>
+          </p:nvPicPr>
+          <p:blipFill>
+            <a:blip r:embed="rId3"/>
+            <a:stretch>
+              <a:fillRect/>
+            </a:stretch>
+          </p:blipFill>
+          <p:spPr>
+            <a:xfrm>
+              <a:off x="1496974" y="1063008"/>
+              <a:ext cx="9198052" cy="2569464"/>
+            </a:xfrm>
+            <a:prstGeom prst="rect">
+              <a:avLst/>
+            </a:prstGeom>
+          </p:spPr>
+        </p:pic>
+      </p:grpSp>
+      <p:sp>
+        <p:nvSpPr>
+          <p:cNvPr id="10" name="TextBox 9">
+            <a:extLst>
+              <a:ext uri="{FF2B5EF4-FFF2-40B4-BE49-F238E27FC236}">
+                <a16:creationId xmlns:a16="http://schemas.microsoft.com/office/drawing/2014/main" id="{511A7DCE-7532-081A-E576-499CD4461ED2}"/>
+              </a:ext>
+            </a:extLst>
+          </p:cNvPr>
+          <p:cNvSpPr txBox="1"/>
+          <p:nvPr/>
+        </p:nvSpPr>
+        <p:spPr>
+          <a:xfrm>
+            <a:off x="1278467" y="283377"/>
+            <a:ext cx="423514" cy="523220"/>
+          </a:xfrm>
+          <a:prstGeom prst="rect">
+            <a:avLst/>
+          </a:prstGeom>
+          <a:noFill/>
+        </p:spPr>
+        <p:txBody>
+          <a:bodyPr wrap="none" rtlCol="0">
+            <a:spAutoFit/>
+          </a:bodyPr>
+          <a:lstStyle/>
+          <a:p>
+            <a:r>
+              <a:rPr lang="en-US" sz="2800" dirty="0">
+                <a:latin typeface="Helvetica" pitchFamily="2" charset="0"/>
+              </a:rPr>
+              <a:t>A</a:t>
+            </a:r>
+          </a:p>
+        </p:txBody>
+      </p:sp>
+      <p:sp>
+        <p:nvSpPr>
+          <p:cNvPr id="11" name="TextBox 10">
+            <a:extLst>
+              <a:ext uri="{FF2B5EF4-FFF2-40B4-BE49-F238E27FC236}">
+                <a16:creationId xmlns:a16="http://schemas.microsoft.com/office/drawing/2014/main" id="{10711A06-4153-4F48-8C9A-462756BE31F5}"/>
+              </a:ext>
+            </a:extLst>
+          </p:cNvPr>
+          <p:cNvSpPr txBox="1"/>
+          <p:nvPr/>
+        </p:nvSpPr>
+        <p:spPr>
+          <a:xfrm>
+            <a:off x="1278467" y="3451741"/>
+            <a:ext cx="423514" cy="523220"/>
+          </a:xfrm>
+          <a:prstGeom prst="rect">
+            <a:avLst/>
+          </a:prstGeom>
+          <a:noFill/>
+        </p:spPr>
+        <p:txBody>
+          <a:bodyPr wrap="none" rtlCol="0">
+            <a:spAutoFit/>
+          </a:bodyPr>
+          <a:lstStyle/>
+          <a:p>
+            <a:r>
+              <a:rPr lang="en-US" sz="2800" dirty="0">
+                <a:latin typeface="Helvetica" pitchFamily="2" charset="0"/>
+              </a:rPr>
+              <a:t>B</a:t>
+            </a:r>
+          </a:p>
+        </p:txBody>
+      </p:sp>
+    </p:spTree>
+    <p:extLst>
+      <p:ext uri="{BB962C8B-B14F-4D97-AF65-F5344CB8AC3E}">
+        <p14:creationId xmlns:p14="http://schemas.microsoft.com/office/powerpoint/2010/main" val="4122970339"/>
+      </p:ext>
+    </p:extLst>
+  </p:cSld>
+  <p:clrMapOvr>
+    <a:masterClrMapping/>
+  </p:clrMapOvr>
+</p:sld>
+</file>
+
+<file path=ppt/slides/slide2.xml><?xml version="1.0" encoding="utf-8"?>
+<p:sld xmlns:a="http://schemas.openxmlformats.org/drawingml/2006/main" xmlns:r="http://schemas.openxmlformats.org/officeDocument/2006/relationships" xmlns:p="http://schemas.openxmlformats.org/presentationml/2006/main">
+  <p:cSld>
+    <p:bg>
+      <p:bgPr>
+        <a:solidFill>
+          <a:schemeClr val="bg1">
+            <a:alpha val="47177"/>
+          </a:schemeClr>
+        </a:solidFill>
+        <a:effectLst/>
+      </p:bgPr>
+    </p:bg>
+    <p:spTree>
+      <p:nvGrpSpPr>
+        <p:cNvPr id="1" name=""/>
+        <p:cNvGrpSpPr/>
+        <p:nvPr/>
+      </p:nvGrpSpPr>
+      <p:grpSpPr>
+        <a:xfrm>
+          <a:off x="0" y="0"/>
+          <a:ext cx="0" cy="0"/>
+          <a:chOff x="0" y="0"/>
+          <a:chExt cx="0" cy="0"/>
+        </a:xfrm>
+      </p:grpSpPr>
+      <p:pic>
+        <p:nvPicPr>
+          <p:cNvPr id="6" name="Picture 5">
+            <a:extLst>
+              <a:ext uri="{FF2B5EF4-FFF2-40B4-BE49-F238E27FC236}">
+                <a16:creationId xmlns:a16="http://schemas.microsoft.com/office/drawing/2014/main" id="{B2BEB89D-6B6C-9464-D7D1-C84F6C3FEB10}"/>
+              </a:ext>
+            </a:extLst>
+          </p:cNvPr>
+          <p:cNvPicPr>
+            <a:picLocks noChangeAspect="1"/>
+          </p:cNvPicPr>
+          <p:nvPr/>
+        </p:nvPicPr>
+        <p:blipFill>
+          <a:blip r:embed="rId3"/>
+          <a:stretch>
+            <a:fillRect/>
+          </a:stretch>
+        </p:blipFill>
+        <p:spPr>
+          <a:xfrm>
+            <a:off x="1562281" y="900697"/>
+            <a:ext cx="3590382" cy="2734056"/>
+          </a:xfrm>
+          <a:prstGeom prst="rect">
+            <a:avLst/>
+          </a:prstGeom>
+        </p:spPr>
+      </p:pic>
+      <p:sp>
+        <p:nvSpPr>
+          <p:cNvPr id="9" name="TextBox 8">
+            <a:extLst>
+              <a:ext uri="{FF2B5EF4-FFF2-40B4-BE49-F238E27FC236}">
+                <a16:creationId xmlns:a16="http://schemas.microsoft.com/office/drawing/2014/main" id="{35236A05-BC21-D248-80D5-123EC22E62C7}"/>
+              </a:ext>
+            </a:extLst>
+          </p:cNvPr>
+          <p:cNvSpPr txBox="1"/>
+          <p:nvPr/>
+        </p:nvSpPr>
+        <p:spPr>
+          <a:xfrm>
+            <a:off x="1202267" y="428624"/>
+            <a:ext cx="423514" cy="523220"/>
+          </a:xfrm>
+          <a:prstGeom prst="rect">
+            <a:avLst/>
+          </a:prstGeom>
+          <a:noFill/>
+        </p:spPr>
+        <p:txBody>
+          <a:bodyPr wrap="none" rtlCol="0">
+            <a:spAutoFit/>
+          </a:bodyPr>
+          <a:lstStyle/>
+          <a:p>
+            <a:r>
+              <a:rPr lang="en-US" sz="2800" dirty="0">
+                <a:latin typeface="Helvetica" pitchFamily="2" charset="0"/>
+              </a:rPr>
+              <a:t>A</a:t>
+            </a:r>
+          </a:p>
+        </p:txBody>
+      </p:sp>
+      <p:sp>
+        <p:nvSpPr>
+          <p:cNvPr id="17" name="TextBox 16">
+            <a:extLst>
+              <a:ext uri="{FF2B5EF4-FFF2-40B4-BE49-F238E27FC236}">
+                <a16:creationId xmlns:a16="http://schemas.microsoft.com/office/drawing/2014/main" id="{29CA4FDA-86DA-8D53-6BCF-0F0A9B85EA6F}"/>
+              </a:ext>
+            </a:extLst>
+          </p:cNvPr>
+          <p:cNvSpPr txBox="1"/>
+          <p:nvPr/>
+        </p:nvSpPr>
+        <p:spPr>
+          <a:xfrm>
+            <a:off x="5482167" y="428624"/>
+            <a:ext cx="423514" cy="523220"/>
+          </a:xfrm>
+          <a:prstGeom prst="rect">
+            <a:avLst/>
+          </a:prstGeom>
+          <a:noFill/>
+        </p:spPr>
+        <p:txBody>
+          <a:bodyPr wrap="none" rtlCol="0">
+            <a:spAutoFit/>
+          </a:bodyPr>
+          <a:lstStyle/>
+          <a:p>
+            <a:r>
+              <a:rPr lang="en-US" sz="2800" dirty="0">
+                <a:latin typeface="Helvetica" pitchFamily="2" charset="0"/>
+              </a:rPr>
+              <a:t>B</a:t>
+            </a:r>
+          </a:p>
+        </p:txBody>
+      </p:sp>
+      <p:sp>
+        <p:nvSpPr>
+          <p:cNvPr id="21" name="TextBox 20">
+            <a:extLst>
+              <a:ext uri="{FF2B5EF4-FFF2-40B4-BE49-F238E27FC236}">
+                <a16:creationId xmlns:a16="http://schemas.microsoft.com/office/drawing/2014/main" id="{03E6A80F-F1C4-B01B-785C-B3FC4D23F18B}"/>
+              </a:ext>
+            </a:extLst>
+          </p:cNvPr>
+          <p:cNvSpPr txBox="1"/>
+          <p:nvPr/>
+        </p:nvSpPr>
+        <p:spPr>
+          <a:xfrm>
+            <a:off x="1202267" y="3620833"/>
+            <a:ext cx="444352" cy="523220"/>
+          </a:xfrm>
+          <a:prstGeom prst="rect">
+            <a:avLst/>
+          </a:prstGeom>
+          <a:noFill/>
+        </p:spPr>
+        <p:txBody>
+          <a:bodyPr wrap="none" rtlCol="0">
+            <a:spAutoFit/>
+          </a:bodyPr>
+          <a:lstStyle/>
+          <a:p>
+            <a:r>
+              <a:rPr lang="en-US" sz="2800" dirty="0">
+                <a:latin typeface="Helvetica" pitchFamily="2" charset="0"/>
+              </a:rPr>
+              <a:t>C</a:t>
+            </a:r>
+          </a:p>
+        </p:txBody>
+      </p:sp>
+      <p:sp>
+        <p:nvSpPr>
+          <p:cNvPr id="22" name="TextBox 21">
+            <a:extLst>
+              <a:ext uri="{FF2B5EF4-FFF2-40B4-BE49-F238E27FC236}">
+                <a16:creationId xmlns:a16="http://schemas.microsoft.com/office/drawing/2014/main" id="{89284462-F515-3D54-3814-E9237D7FA32E}"/>
+              </a:ext>
+            </a:extLst>
+          </p:cNvPr>
+          <p:cNvSpPr txBox="1"/>
+          <p:nvPr/>
+        </p:nvSpPr>
+        <p:spPr>
+          <a:xfrm>
+            <a:off x="5482167" y="3620833"/>
+            <a:ext cx="444352" cy="523220"/>
+          </a:xfrm>
+          <a:prstGeom prst="rect">
+            <a:avLst/>
+          </a:prstGeom>
+          <a:noFill/>
+        </p:spPr>
+        <p:txBody>
+          <a:bodyPr wrap="none" rtlCol="0">
+            <a:spAutoFit/>
+          </a:bodyPr>
+          <a:lstStyle/>
+          <a:p>
+            <a:r>
+              <a:rPr lang="en-US" sz="2800" dirty="0">
+                <a:latin typeface="Helvetica" pitchFamily="2" charset="0"/>
+              </a:rPr>
+              <a:t>D</a:t>
+            </a:r>
+          </a:p>
+        </p:txBody>
+      </p:sp>
+      <p:pic>
+        <p:nvPicPr>
+          <p:cNvPr id="23" name="Picture 22">
+            <a:extLst>
+              <a:ext uri="{FF2B5EF4-FFF2-40B4-BE49-F238E27FC236}">
+                <a16:creationId xmlns:a16="http://schemas.microsoft.com/office/drawing/2014/main" id="{3BA46C0B-01BD-5F72-573E-A3B1C35BA3BD}"/>
+              </a:ext>
+            </a:extLst>
+          </p:cNvPr>
+          <p:cNvPicPr>
+            <a:picLocks noChangeAspect="1"/>
+          </p:cNvPicPr>
+          <p:nvPr/>
+        </p:nvPicPr>
+        <p:blipFill>
+          <a:blip r:embed="rId4"/>
+          <a:stretch>
+            <a:fillRect/>
+          </a:stretch>
+        </p:blipFill>
+        <p:spPr>
+          <a:xfrm>
+            <a:off x="1424443" y="4159531"/>
+            <a:ext cx="4154958" cy="2734056"/>
+          </a:xfrm>
+          <a:prstGeom prst="rect">
+            <a:avLst/>
+          </a:prstGeom>
+        </p:spPr>
+      </p:pic>
+      <p:pic>
+        <p:nvPicPr>
+          <p:cNvPr id="25" name="Picture 24">
+            <a:extLst>
+              <a:ext uri="{FF2B5EF4-FFF2-40B4-BE49-F238E27FC236}">
+                <a16:creationId xmlns:a16="http://schemas.microsoft.com/office/drawing/2014/main" id="{DD0BE1B3-20E6-E787-0D14-BDDA23CEC145}"/>
+              </a:ext>
+            </a:extLst>
+          </p:cNvPr>
+          <p:cNvPicPr>
+            <a:picLocks noChangeAspect="1"/>
+          </p:cNvPicPr>
+          <p:nvPr/>
+        </p:nvPicPr>
+        <p:blipFill>
+          <a:blip r:embed="rId5"/>
+          <a:stretch>
+            <a:fillRect/>
+          </a:stretch>
+        </p:blipFill>
+        <p:spPr>
+          <a:xfrm>
+            <a:off x="5926519" y="3940077"/>
+            <a:ext cx="4216400" cy="2949089"/>
+          </a:xfrm>
+          <a:prstGeom prst="rect">
+            <a:avLst/>
+          </a:prstGeom>
+        </p:spPr>
+      </p:pic>
+      <p:pic>
+        <p:nvPicPr>
+          <p:cNvPr id="26" name="Picture 25">
+            <a:extLst>
+              <a:ext uri="{FF2B5EF4-FFF2-40B4-BE49-F238E27FC236}">
+                <a16:creationId xmlns:a16="http://schemas.microsoft.com/office/drawing/2014/main" id="{BB60EC04-4302-149B-5167-FF0AC06A3635}"/>
+              </a:ext>
+            </a:extLst>
+          </p:cNvPr>
+          <p:cNvPicPr>
+            <a:picLocks noChangeAspect="1"/>
+          </p:cNvPicPr>
+          <p:nvPr/>
+        </p:nvPicPr>
+        <p:blipFill>
+          <a:blip r:embed="rId6"/>
+          <a:stretch>
+            <a:fillRect/>
+          </a:stretch>
+        </p:blipFill>
+        <p:spPr>
+          <a:xfrm>
+            <a:off x="6502400" y="428624"/>
+            <a:ext cx="3422650" cy="3422650"/>
+          </a:xfrm>
+          <a:prstGeom prst="rect">
+            <a:avLst/>
+          </a:prstGeom>
+        </p:spPr>
+      </p:pic>
+    </p:spTree>
+    <p:extLst>
+      <p:ext uri="{BB962C8B-B14F-4D97-AF65-F5344CB8AC3E}">
+        <p14:creationId xmlns:p14="http://schemas.microsoft.com/office/powerpoint/2010/main" val="3614396888"/>
+      </p:ext>
+    </p:extLst>
+  </p:cSld>
+  <p:clrMapOvr>
+    <a:masterClrMapping/>
+  </p:clrMapOvr>
+</p:sld>
+</file>
+
+<file path=ppt/slides/slide20.xml><?xml version="1.0" encoding="utf-8"?>
+<p:sld xmlns:a="http://schemas.openxmlformats.org/drawingml/2006/main" xmlns:r="http://schemas.openxmlformats.org/officeDocument/2006/relationships" xmlns:p="http://schemas.openxmlformats.org/presentationml/2006/main">
+  <p:cSld>
+    <p:spTree>
+      <p:nvGrpSpPr>
+        <p:cNvPr id="1" name=""/>
+        <p:cNvGrpSpPr/>
+        <p:nvPr/>
+      </p:nvGrpSpPr>
+      <p:grpSpPr>
+        <a:xfrm>
+          <a:off x="0" y="0"/>
+          <a:ext cx="0" cy="0"/>
+          <a:chOff x="0" y="0"/>
+          <a:chExt cx="0" cy="0"/>
+        </a:xfrm>
+      </p:grpSpPr>
+      <p:sp>
+        <p:nvSpPr>
+          <p:cNvPr id="6" name="TextBox 5">
+            <a:extLst>
+              <a:ext uri="{FF2B5EF4-FFF2-40B4-BE49-F238E27FC236}">
+                <a16:creationId xmlns:a16="http://schemas.microsoft.com/office/drawing/2014/main" id="{DB14438D-A487-05C2-C2F0-A60240B8FB7B}"/>
+              </a:ext>
+            </a:extLst>
+          </p:cNvPr>
+          <p:cNvSpPr txBox="1"/>
+          <p:nvPr/>
+        </p:nvSpPr>
+        <p:spPr>
+          <a:xfrm>
+            <a:off x="6586780" y="6462793"/>
+            <a:ext cx="5071966" cy="369332"/>
+          </a:xfrm>
+          <a:prstGeom prst="rect">
+            <a:avLst/>
+          </a:prstGeom>
+          <a:noFill/>
+        </p:spPr>
+        <p:txBody>
+          <a:bodyPr wrap="none" rtlCol="0">
+            <a:spAutoFit/>
+          </a:bodyPr>
+          <a:lstStyle/>
+          <a:p>
+            <a:r>
+              <a:rPr lang="en-US" dirty="0"/>
+              <a:t>since </a:t>
+            </a:r>
+            <a:r>
+              <a:rPr lang="en-US" dirty="0" err="1"/>
+              <a:t>only_reported</a:t>
+            </a:r>
+            <a:r>
+              <a:rPr lang="en-US" dirty="0"/>
+              <a:t> == </a:t>
+            </a:r>
+            <a:r>
+              <a:rPr lang="en-US" dirty="0" err="1"/>
+              <a:t>only_mult</a:t>
+            </a:r>
+            <a:r>
+              <a:rPr lang="en-US" dirty="0"/>
+              <a:t>, didn’t subsample</a:t>
+            </a:r>
+          </a:p>
+        </p:txBody>
+      </p:sp>
+      <p:grpSp>
+        <p:nvGrpSpPr>
+          <p:cNvPr id="20" name="Group 19">
+            <a:extLst>
+              <a:ext uri="{FF2B5EF4-FFF2-40B4-BE49-F238E27FC236}">
+                <a16:creationId xmlns:a16="http://schemas.microsoft.com/office/drawing/2014/main" id="{9DDC254B-4F53-FEAA-C542-091AC9BDA240}"/>
+              </a:ext>
+            </a:extLst>
+          </p:cNvPr>
+          <p:cNvGrpSpPr/>
+          <p:nvPr/>
+        </p:nvGrpSpPr>
+        <p:grpSpPr>
+          <a:xfrm>
+            <a:off x="1392480" y="533400"/>
+            <a:ext cx="2369571" cy="5043681"/>
+            <a:chOff x="6586780" y="522250"/>
+            <a:chExt cx="2369571" cy="5043681"/>
+          </a:xfrm>
+        </p:grpSpPr>
+        <p:sp>
+          <p:nvSpPr>
+            <p:cNvPr id="8" name="TextBox 7">
+              <a:extLst>
+                <a:ext uri="{FF2B5EF4-FFF2-40B4-BE49-F238E27FC236}">
+                  <a16:creationId xmlns:a16="http://schemas.microsoft.com/office/drawing/2014/main" id="{4C142AB7-4C58-724C-D377-B2433533E7B0}"/>
+                </a:ext>
+              </a:extLst>
+            </p:cNvPr>
+            <p:cNvSpPr txBox="1"/>
+            <p:nvPr/>
+          </p:nvSpPr>
+          <p:spPr>
+            <a:xfrm>
+              <a:off x="7025019" y="522250"/>
+              <a:ext cx="1518364" cy="369332"/>
+            </a:xfrm>
+            <a:prstGeom prst="rect">
+              <a:avLst/>
+            </a:prstGeom>
+            <a:noFill/>
+          </p:spPr>
+          <p:txBody>
+            <a:bodyPr wrap="none" rtlCol="0">
+              <a:spAutoFit/>
+            </a:bodyPr>
+            <a:lstStyle/>
+            <a:p>
+              <a:r>
+                <a:rPr lang="en-US" dirty="0">
+                  <a:latin typeface="Helvetica" pitchFamily="2" charset="0"/>
+                </a:rPr>
+                <a:t>2020 dataset</a:t>
+              </a:r>
+            </a:p>
+          </p:txBody>
+        </p:sp>
+        <p:pic>
+          <p:nvPicPr>
+            <p:cNvPr id="13" name="Picture 12">
+              <a:extLst>
+                <a:ext uri="{FF2B5EF4-FFF2-40B4-BE49-F238E27FC236}">
+                  <a16:creationId xmlns:a16="http://schemas.microsoft.com/office/drawing/2014/main" id="{8EF5C56E-4D42-AD92-4489-B4635E7409C3}"/>
+                </a:ext>
+              </a:extLst>
+            </p:cNvPr>
+            <p:cNvPicPr>
+              <a:picLocks noChangeAspect="1"/>
+            </p:cNvPicPr>
+            <p:nvPr/>
+          </p:nvPicPr>
+          <p:blipFill>
+            <a:blip r:embed="rId3"/>
+            <a:stretch>
+              <a:fillRect/>
+            </a:stretch>
+          </p:blipFill>
+          <p:spPr>
+            <a:xfrm>
+              <a:off x="6605762" y="1012670"/>
+              <a:ext cx="2350589" cy="2249424"/>
+            </a:xfrm>
+            <a:prstGeom prst="rect">
+              <a:avLst/>
+            </a:prstGeom>
+          </p:spPr>
+        </p:pic>
+        <p:pic>
+          <p:nvPicPr>
+            <p:cNvPr id="14" name="Picture 13">
+              <a:extLst>
+                <a:ext uri="{FF2B5EF4-FFF2-40B4-BE49-F238E27FC236}">
+                  <a16:creationId xmlns:a16="http://schemas.microsoft.com/office/drawing/2014/main" id="{4C8693F6-9A01-7E73-534B-D8CD3EA16EBF}"/>
+                </a:ext>
+              </a:extLst>
+            </p:cNvPr>
+            <p:cNvPicPr>
+              <a:picLocks noChangeAspect="1"/>
+            </p:cNvPicPr>
+            <p:nvPr/>
+          </p:nvPicPr>
+          <p:blipFill>
+            <a:blip r:embed="rId4"/>
+            <a:stretch>
+              <a:fillRect/>
+            </a:stretch>
+          </p:blipFill>
+          <p:spPr>
+            <a:xfrm>
+              <a:off x="6586780" y="3316507"/>
+              <a:ext cx="2350589" cy="2249424"/>
+            </a:xfrm>
+            <a:prstGeom prst="rect">
+              <a:avLst/>
+            </a:prstGeom>
+          </p:spPr>
+        </p:pic>
+      </p:grpSp>
+      <p:sp>
+        <p:nvSpPr>
+          <p:cNvPr id="15" name="TextBox 14">
+            <a:extLst>
+              <a:ext uri="{FF2B5EF4-FFF2-40B4-BE49-F238E27FC236}">
+                <a16:creationId xmlns:a16="http://schemas.microsoft.com/office/drawing/2014/main" id="{BE31E3DF-7A40-A7F6-89B1-122A0D3F01FC}"/>
+              </a:ext>
+            </a:extLst>
+          </p:cNvPr>
+          <p:cNvSpPr txBox="1"/>
+          <p:nvPr/>
+        </p:nvSpPr>
+        <p:spPr>
+          <a:xfrm>
+            <a:off x="1441244" y="5733094"/>
+            <a:ext cx="2487219" cy="523220"/>
+          </a:xfrm>
+          <a:prstGeom prst="rect">
+            <a:avLst/>
+          </a:prstGeom>
+          <a:noFill/>
+        </p:spPr>
+        <p:txBody>
+          <a:bodyPr wrap="none" rtlCol="0">
+            <a:spAutoFit/>
+          </a:bodyPr>
+          <a:lstStyle/>
+          <a:p>
+            <a:r>
+              <a:rPr lang="en-US" sz="1400" dirty="0"/>
+              <a:t>only reported adds 1437 genes,</a:t>
+            </a:r>
+          </a:p>
+          <a:p>
+            <a:r>
+              <a:rPr lang="en-US" sz="1400" dirty="0"/>
+              <a:t>0.05 quantile is 1435 genes</a:t>
+            </a:r>
+          </a:p>
+        </p:txBody>
+      </p:sp>
+      <p:grpSp>
+        <p:nvGrpSpPr>
+          <p:cNvPr id="19" name="Group 18">
+            <a:extLst>
+              <a:ext uri="{FF2B5EF4-FFF2-40B4-BE49-F238E27FC236}">
+                <a16:creationId xmlns:a16="http://schemas.microsoft.com/office/drawing/2014/main" id="{F2631009-313A-4B1F-FACE-A4E4FD4D08B3}"/>
+              </a:ext>
+            </a:extLst>
+          </p:cNvPr>
+          <p:cNvGrpSpPr/>
+          <p:nvPr/>
+        </p:nvGrpSpPr>
+        <p:grpSpPr>
+          <a:xfrm>
+            <a:off x="4766663" y="537013"/>
+            <a:ext cx="2416048" cy="5157981"/>
+            <a:chOff x="954871" y="407950"/>
+            <a:chExt cx="2416048" cy="5157981"/>
+          </a:xfrm>
+        </p:grpSpPr>
+        <p:sp>
+          <p:nvSpPr>
+            <p:cNvPr id="7" name="TextBox 6">
+              <a:extLst>
+                <a:ext uri="{FF2B5EF4-FFF2-40B4-BE49-F238E27FC236}">
+                  <a16:creationId xmlns:a16="http://schemas.microsoft.com/office/drawing/2014/main" id="{22EBF74C-0878-404D-4436-B5659CF92509}"/>
+                </a:ext>
+              </a:extLst>
+            </p:cNvPr>
+            <p:cNvSpPr txBox="1"/>
+            <p:nvPr/>
+          </p:nvSpPr>
+          <p:spPr>
+            <a:xfrm>
+              <a:off x="1420925" y="407950"/>
+              <a:ext cx="1518364" cy="369332"/>
+            </a:xfrm>
+            <a:prstGeom prst="rect">
+              <a:avLst/>
+            </a:prstGeom>
+            <a:noFill/>
+          </p:spPr>
+          <p:txBody>
+            <a:bodyPr wrap="none" rtlCol="0">
+              <a:spAutoFit/>
+            </a:bodyPr>
+            <a:lstStyle/>
+            <a:p>
+              <a:r>
+                <a:rPr lang="en-US" dirty="0">
+                  <a:latin typeface="Helvetica" pitchFamily="2" charset="0"/>
+                </a:rPr>
+                <a:t>2018 dataset</a:t>
+              </a:r>
+            </a:p>
+          </p:txBody>
+        </p:sp>
+        <p:pic>
+          <p:nvPicPr>
+            <p:cNvPr id="16" name="Picture 15">
+              <a:extLst>
+                <a:ext uri="{FF2B5EF4-FFF2-40B4-BE49-F238E27FC236}">
+                  <a16:creationId xmlns:a16="http://schemas.microsoft.com/office/drawing/2014/main" id="{F0C287F8-F67A-9F0B-D1CE-0D4904BB0510}"/>
+                </a:ext>
+              </a:extLst>
+            </p:cNvPr>
+            <p:cNvPicPr>
+              <a:picLocks noChangeAspect="1"/>
+            </p:cNvPicPr>
+            <p:nvPr/>
+          </p:nvPicPr>
+          <p:blipFill>
+            <a:blip r:embed="rId5"/>
+            <a:stretch>
+              <a:fillRect/>
+            </a:stretch>
+          </p:blipFill>
+          <p:spPr>
+            <a:xfrm>
+              <a:off x="954871" y="890975"/>
+              <a:ext cx="2416048" cy="2249424"/>
+            </a:xfrm>
+            <a:prstGeom prst="rect">
+              <a:avLst/>
+            </a:prstGeom>
+          </p:spPr>
+        </p:pic>
+        <p:pic>
+          <p:nvPicPr>
+            <p:cNvPr id="17" name="Picture 16">
+              <a:extLst>
+                <a:ext uri="{FF2B5EF4-FFF2-40B4-BE49-F238E27FC236}">
+                  <a16:creationId xmlns:a16="http://schemas.microsoft.com/office/drawing/2014/main" id="{03E28493-5E91-A793-78E9-794BEEE9897D}"/>
+                </a:ext>
+              </a:extLst>
+            </p:cNvPr>
+            <p:cNvPicPr>
+              <a:picLocks noChangeAspect="1"/>
+            </p:cNvPicPr>
+            <p:nvPr/>
+          </p:nvPicPr>
+          <p:blipFill>
+            <a:blip r:embed="rId6"/>
+            <a:stretch>
+              <a:fillRect/>
+            </a:stretch>
+          </p:blipFill>
+          <p:spPr>
+            <a:xfrm>
+              <a:off x="1020330" y="3316507"/>
+              <a:ext cx="2350589" cy="2249424"/>
+            </a:xfrm>
+            <a:prstGeom prst="rect">
+              <a:avLst/>
+            </a:prstGeom>
+          </p:spPr>
+        </p:pic>
+      </p:grpSp>
+      <p:sp>
+        <p:nvSpPr>
+          <p:cNvPr id="18" name="TextBox 17">
+            <a:extLst>
+              <a:ext uri="{FF2B5EF4-FFF2-40B4-BE49-F238E27FC236}">
+                <a16:creationId xmlns:a16="http://schemas.microsoft.com/office/drawing/2014/main" id="{4C21FED9-6025-01A7-C0A1-D355E3650F19}"/>
+              </a:ext>
+            </a:extLst>
+          </p:cNvPr>
+          <p:cNvSpPr txBox="1"/>
+          <p:nvPr/>
+        </p:nvSpPr>
+        <p:spPr>
+          <a:xfrm>
+            <a:off x="4628922" y="5758494"/>
+            <a:ext cx="3254481" cy="523220"/>
+          </a:xfrm>
+          <a:prstGeom prst="rect">
+            <a:avLst/>
+          </a:prstGeom>
+          <a:noFill/>
+        </p:spPr>
+        <p:txBody>
+          <a:bodyPr wrap="none" rtlCol="0">
+            <a:spAutoFit/>
+          </a:bodyPr>
+          <a:lstStyle/>
+          <a:p>
+            <a:r>
+              <a:rPr lang="en-US" sz="1400" dirty="0"/>
+              <a:t>only reported adds 1339 genes,</a:t>
+            </a:r>
+          </a:p>
+          <a:p>
+            <a:r>
+              <a:rPr lang="en-US" sz="1400" dirty="0"/>
+              <a:t>0.05 quantile is 1339 genes, so not P&lt;0.05</a:t>
+            </a:r>
+          </a:p>
+        </p:txBody>
+      </p:sp>
+      <p:sp>
+        <p:nvSpPr>
+          <p:cNvPr id="21" name="TextBox 20">
+            <a:extLst>
+              <a:ext uri="{FF2B5EF4-FFF2-40B4-BE49-F238E27FC236}">
+                <a16:creationId xmlns:a16="http://schemas.microsoft.com/office/drawing/2014/main" id="{C7F530D7-E843-B019-8CE6-F8E0AD7A5A07}"/>
+              </a:ext>
+            </a:extLst>
+          </p:cNvPr>
+          <p:cNvSpPr txBox="1"/>
+          <p:nvPr/>
+        </p:nvSpPr>
+        <p:spPr>
+          <a:xfrm>
+            <a:off x="1219420" y="553771"/>
+            <a:ext cx="423514" cy="523220"/>
+          </a:xfrm>
+          <a:prstGeom prst="rect">
+            <a:avLst/>
+          </a:prstGeom>
+          <a:noFill/>
+        </p:spPr>
+        <p:txBody>
+          <a:bodyPr wrap="none" rtlCol="0">
+            <a:spAutoFit/>
+          </a:bodyPr>
+          <a:lstStyle/>
+          <a:p>
+            <a:r>
+              <a:rPr lang="en-US" sz="2800" dirty="0">
+                <a:latin typeface="Helvetica" pitchFamily="2" charset="0"/>
+              </a:rPr>
+              <a:t>A</a:t>
+            </a:r>
+          </a:p>
+        </p:txBody>
+      </p:sp>
+      <p:sp>
+        <p:nvSpPr>
+          <p:cNvPr id="22" name="TextBox 21">
+            <a:extLst>
+              <a:ext uri="{FF2B5EF4-FFF2-40B4-BE49-F238E27FC236}">
+                <a16:creationId xmlns:a16="http://schemas.microsoft.com/office/drawing/2014/main" id="{7F6B3C56-0BD4-309F-F5DF-93445CF396E0}"/>
+              </a:ext>
+            </a:extLst>
+          </p:cNvPr>
+          <p:cNvSpPr txBox="1"/>
+          <p:nvPr/>
+        </p:nvSpPr>
+        <p:spPr>
+          <a:xfrm>
+            <a:off x="4469512" y="548742"/>
+            <a:ext cx="444352" cy="523220"/>
+          </a:xfrm>
+          <a:prstGeom prst="rect">
+            <a:avLst/>
+          </a:prstGeom>
+          <a:noFill/>
+        </p:spPr>
+        <p:txBody>
+          <a:bodyPr wrap="none" rtlCol="0">
+            <a:spAutoFit/>
+          </a:bodyPr>
+          <a:lstStyle/>
+          <a:p>
+            <a:r>
+              <a:rPr lang="en-US" sz="2800" dirty="0">
+                <a:latin typeface="Helvetica" pitchFamily="2" charset="0"/>
+              </a:rPr>
+              <a:t>C</a:t>
+            </a:r>
+          </a:p>
+        </p:txBody>
+      </p:sp>
+      <p:sp>
+        <p:nvSpPr>
+          <p:cNvPr id="23" name="TextBox 22">
+            <a:extLst>
+              <a:ext uri="{FF2B5EF4-FFF2-40B4-BE49-F238E27FC236}">
+                <a16:creationId xmlns:a16="http://schemas.microsoft.com/office/drawing/2014/main" id="{129DC235-2215-2C8C-E485-8F8F48E8F339}"/>
+              </a:ext>
+            </a:extLst>
+          </p:cNvPr>
+          <p:cNvSpPr txBox="1"/>
+          <p:nvPr/>
+        </p:nvSpPr>
+        <p:spPr>
+          <a:xfrm>
+            <a:off x="1181320" y="2960135"/>
+            <a:ext cx="423514" cy="523220"/>
+          </a:xfrm>
+          <a:prstGeom prst="rect">
+            <a:avLst/>
+          </a:prstGeom>
+          <a:noFill/>
+        </p:spPr>
+        <p:txBody>
+          <a:bodyPr wrap="none" rtlCol="0">
+            <a:spAutoFit/>
+          </a:bodyPr>
+          <a:lstStyle/>
+          <a:p>
+            <a:r>
+              <a:rPr lang="en-US" sz="2800" dirty="0">
+                <a:latin typeface="Helvetica" pitchFamily="2" charset="0"/>
+              </a:rPr>
+              <a:t>B</a:t>
+            </a:r>
+          </a:p>
+        </p:txBody>
+      </p:sp>
+      <p:sp>
+        <p:nvSpPr>
+          <p:cNvPr id="24" name="TextBox 23">
+            <a:extLst>
+              <a:ext uri="{FF2B5EF4-FFF2-40B4-BE49-F238E27FC236}">
+                <a16:creationId xmlns:a16="http://schemas.microsoft.com/office/drawing/2014/main" id="{46E22A85-E370-9F2D-14E5-AADB1C80EE55}"/>
+              </a:ext>
+            </a:extLst>
+          </p:cNvPr>
+          <p:cNvSpPr txBox="1"/>
+          <p:nvPr/>
+        </p:nvSpPr>
+        <p:spPr>
+          <a:xfrm>
+            <a:off x="4469073" y="2971799"/>
+            <a:ext cx="444352" cy="523220"/>
+          </a:xfrm>
+          <a:prstGeom prst="rect">
+            <a:avLst/>
+          </a:prstGeom>
+          <a:noFill/>
+        </p:spPr>
+        <p:txBody>
+          <a:bodyPr wrap="none" rtlCol="0">
+            <a:spAutoFit/>
+          </a:bodyPr>
+          <a:lstStyle/>
+          <a:p>
+            <a:r>
+              <a:rPr lang="en-US" sz="2800" dirty="0">
+                <a:latin typeface="Helvetica" pitchFamily="2" charset="0"/>
+              </a:rPr>
+              <a:t>D</a:t>
+            </a:r>
+          </a:p>
+        </p:txBody>
+      </p:sp>
+    </p:spTree>
+    <p:extLst>
+      <p:ext uri="{BB962C8B-B14F-4D97-AF65-F5344CB8AC3E}">
+        <p14:creationId xmlns:p14="http://schemas.microsoft.com/office/powerpoint/2010/main" val="169818959"/>
+      </p:ext>
+    </p:extLst>
+  </p:cSld>
+  <p:clrMapOvr>
+    <a:masterClrMapping/>
+  </p:clrMapOvr>
+</p:sld>
+</file>
+
+<file path=ppt/slides/slide3.xml><?xml version="1.0" encoding="utf-8"?>
+<p:sld xmlns:a="http://schemas.openxmlformats.org/drawingml/2006/main" xmlns:r="http://schemas.openxmlformats.org/officeDocument/2006/relationships" xmlns:p="http://schemas.openxmlformats.org/presentationml/2006/main">
+  <p:cSld>
+    <p:spTree>
+      <p:nvGrpSpPr>
+        <p:cNvPr id="1" name=""/>
+        <p:cNvGrpSpPr/>
+        <p:nvPr/>
+      </p:nvGrpSpPr>
+      <p:grpSpPr>
+        <a:xfrm>
+          <a:off x="0" y="0"/>
+          <a:ext cx="0" cy="0"/>
+          <a:chOff x="0" y="0"/>
+          <a:chExt cx="0" cy="0"/>
+        </a:xfrm>
+      </p:grpSpPr>
+      <p:grpSp>
+        <p:nvGrpSpPr>
+          <p:cNvPr id="4" name="Group 3">
+            <a:extLst>
+              <a:ext uri="{FF2B5EF4-FFF2-40B4-BE49-F238E27FC236}">
+                <a16:creationId xmlns:a16="http://schemas.microsoft.com/office/drawing/2014/main" id="{89B608B9-6B8A-341F-92BF-E4EA13876D16}"/>
+              </a:ext>
+            </a:extLst>
+          </p:cNvPr>
+          <p:cNvGrpSpPr/>
+          <p:nvPr/>
+        </p:nvGrpSpPr>
+        <p:grpSpPr>
+          <a:xfrm>
+            <a:off x="3340693" y="1515937"/>
+            <a:ext cx="4864100" cy="3826125"/>
+            <a:chOff x="6414093" y="2718975"/>
+            <a:chExt cx="4864100" cy="3826125"/>
+          </a:xfrm>
+        </p:grpSpPr>
+        <p:pic>
+          <p:nvPicPr>
+            <p:cNvPr id="5" name="Picture 4">
+              <a:extLst>
+                <a:ext uri="{FF2B5EF4-FFF2-40B4-BE49-F238E27FC236}">
+                  <a16:creationId xmlns:a16="http://schemas.microsoft.com/office/drawing/2014/main" id="{2AB337E9-1E3D-1A09-308E-897F9F00C3DC}"/>
+                </a:ext>
+              </a:extLst>
+            </p:cNvPr>
+            <p:cNvPicPr>
+              <a:picLocks noChangeAspect="1"/>
+            </p:cNvPicPr>
+            <p:nvPr/>
+          </p:nvPicPr>
+          <p:blipFill>
+            <a:blip r:embed="rId2"/>
+            <a:stretch>
+              <a:fillRect/>
+            </a:stretch>
+          </p:blipFill>
+          <p:spPr>
+            <a:xfrm>
+              <a:off x="6414093" y="3154200"/>
+              <a:ext cx="4864100" cy="3390900"/>
+            </a:xfrm>
+            <a:prstGeom prst="rect">
+              <a:avLst/>
+            </a:prstGeom>
+          </p:spPr>
+        </p:pic>
+        <p:sp>
+          <p:nvSpPr>
+            <p:cNvPr id="6" name="TextBox 5">
+              <a:extLst>
+                <a:ext uri="{FF2B5EF4-FFF2-40B4-BE49-F238E27FC236}">
+                  <a16:creationId xmlns:a16="http://schemas.microsoft.com/office/drawing/2014/main" id="{49772866-4D7A-8EA6-63CC-DDE613CBBC24}"/>
+                </a:ext>
+              </a:extLst>
+            </p:cNvPr>
+            <p:cNvSpPr txBox="1"/>
+            <p:nvPr/>
+          </p:nvSpPr>
+          <p:spPr>
+            <a:xfrm>
+              <a:off x="6716447" y="2718975"/>
+              <a:ext cx="930063" cy="369332"/>
+            </a:xfrm>
+            <a:prstGeom prst="rect">
+              <a:avLst/>
+            </a:prstGeom>
+            <a:noFill/>
+          </p:spPr>
+          <p:txBody>
+            <a:bodyPr wrap="none" rtlCol="0">
+              <a:spAutoFit/>
+            </a:bodyPr>
+            <a:lstStyle/>
+            <a:p>
+              <a:pPr algn="ctr"/>
+              <a:r>
+                <a:rPr lang="en-US" sz="900" dirty="0">
+                  <a:solidFill>
+                    <a:srgbClr val="849BAC"/>
+                  </a:solidFill>
+                </a:rPr>
+                <a:t>RPS25A-RPS25B</a:t>
+              </a:r>
+            </a:p>
+            <a:p>
+              <a:pPr algn="ctr"/>
+              <a:r>
+                <a:rPr lang="en-US" sz="900" dirty="0">
+                  <a:solidFill>
+                    <a:srgbClr val="849BAC"/>
+                  </a:solidFill>
+                </a:rPr>
+                <a:t>ARE2-ARE1</a:t>
+              </a:r>
+            </a:p>
+          </p:txBody>
+        </p:sp>
+        <p:sp>
+          <p:nvSpPr>
+            <p:cNvPr id="7" name="TextBox 6">
+              <a:extLst>
+                <a:ext uri="{FF2B5EF4-FFF2-40B4-BE49-F238E27FC236}">
+                  <a16:creationId xmlns:a16="http://schemas.microsoft.com/office/drawing/2014/main" id="{4EC1D034-0043-3388-73CC-3CA2BBB5FDF6}"/>
+                </a:ext>
+              </a:extLst>
+            </p:cNvPr>
+            <p:cNvSpPr txBox="1"/>
+            <p:nvPr/>
+          </p:nvSpPr>
+          <p:spPr>
+            <a:xfrm>
+              <a:off x="7460457" y="3030964"/>
+              <a:ext cx="787395" cy="230832"/>
+            </a:xfrm>
+            <a:prstGeom prst="rect">
+              <a:avLst/>
+            </a:prstGeom>
+            <a:noFill/>
+          </p:spPr>
+          <p:txBody>
+            <a:bodyPr wrap="none" rtlCol="0">
+              <a:spAutoFit/>
+            </a:bodyPr>
+            <a:lstStyle/>
+            <a:p>
+              <a:pPr algn="ctr"/>
+              <a:r>
+                <a:rPr lang="en-US" sz="900" dirty="0">
+                  <a:solidFill>
+                    <a:srgbClr val="849BAC"/>
+                  </a:solidFill>
+                </a:rPr>
+                <a:t>MSN2-MSN4</a:t>
+              </a:r>
+            </a:p>
+          </p:txBody>
+        </p:sp>
+      </p:grpSp>
+    </p:spTree>
+    <p:extLst>
+      <p:ext uri="{BB962C8B-B14F-4D97-AF65-F5344CB8AC3E}">
+        <p14:creationId xmlns:p14="http://schemas.microsoft.com/office/powerpoint/2010/main" val="1625081177"/>
+      </p:ext>
+    </p:extLst>
+  </p:cSld>
+  <p:clrMapOvr>
+    <a:masterClrMapping/>
+  </p:clrMapOvr>
+</p:sld>
+</file>
+
+<file path=ppt/slides/slide4.xml><?xml version="1.0" encoding="utf-8"?>
+<p:sld xmlns:a="http://schemas.openxmlformats.org/drawingml/2006/main" xmlns:r="http://schemas.openxmlformats.org/officeDocument/2006/relationships" xmlns:p="http://schemas.openxmlformats.org/presentationml/2006/main">
+  <p:cSld>
+    <p:bg>
+      <p:bgPr>
+        <a:solidFill>
+          <a:schemeClr val="bg1">
+            <a:alpha val="47177"/>
+          </a:schemeClr>
+        </a:solidFill>
+        <a:effectLst/>
+      </p:bgPr>
+    </p:bg>
+    <p:spTree>
+      <p:nvGrpSpPr>
+        <p:cNvPr id="1" name=""/>
+        <p:cNvGrpSpPr/>
+        <p:nvPr/>
+      </p:nvGrpSpPr>
+      <p:grpSpPr>
+        <a:xfrm>
+          <a:off x="0" y="0"/>
+          <a:ext cx="0" cy="0"/>
+          <a:chOff x="0" y="0"/>
+          <a:chExt cx="0" cy="0"/>
+        </a:xfrm>
+      </p:grpSpPr>
+      <p:sp>
+        <p:nvSpPr>
+          <p:cNvPr id="9" name="TextBox 8">
+            <a:extLst>
+              <a:ext uri="{FF2B5EF4-FFF2-40B4-BE49-F238E27FC236}">
+                <a16:creationId xmlns:a16="http://schemas.microsoft.com/office/drawing/2014/main" id="{35236A05-BC21-D248-80D5-123EC22E62C7}"/>
+              </a:ext>
+            </a:extLst>
+          </p:cNvPr>
+          <p:cNvSpPr txBox="1"/>
+          <p:nvPr/>
+        </p:nvSpPr>
+        <p:spPr>
+          <a:xfrm>
+            <a:off x="1202267" y="428624"/>
+            <a:ext cx="423514" cy="523220"/>
+          </a:xfrm>
+          <a:prstGeom prst="rect">
+            <a:avLst/>
+          </a:prstGeom>
+          <a:noFill/>
+        </p:spPr>
+        <p:txBody>
+          <a:bodyPr wrap="none" rtlCol="0">
+            <a:spAutoFit/>
+          </a:bodyPr>
+          <a:lstStyle/>
+          <a:p>
+            <a:r>
+              <a:rPr lang="en-US" sz="2800" dirty="0">
+                <a:latin typeface="Helvetica" pitchFamily="2" charset="0"/>
+              </a:rPr>
+              <a:t>A</a:t>
+            </a:r>
+          </a:p>
+        </p:txBody>
+      </p:sp>
+      <p:sp>
+        <p:nvSpPr>
+          <p:cNvPr id="17" name="TextBox 16">
+            <a:extLst>
+              <a:ext uri="{FF2B5EF4-FFF2-40B4-BE49-F238E27FC236}">
+                <a16:creationId xmlns:a16="http://schemas.microsoft.com/office/drawing/2014/main" id="{29CA4FDA-86DA-8D53-6BCF-0F0A9B85EA6F}"/>
+              </a:ext>
+            </a:extLst>
+          </p:cNvPr>
+          <p:cNvSpPr txBox="1"/>
+          <p:nvPr/>
+        </p:nvSpPr>
+        <p:spPr>
+          <a:xfrm>
+            <a:off x="5482167" y="428624"/>
+            <a:ext cx="423514" cy="523220"/>
+          </a:xfrm>
+          <a:prstGeom prst="rect">
+            <a:avLst/>
+          </a:prstGeom>
+          <a:noFill/>
+        </p:spPr>
+        <p:txBody>
+          <a:bodyPr wrap="none" rtlCol="0">
+            <a:spAutoFit/>
+          </a:bodyPr>
+          <a:lstStyle/>
+          <a:p>
+            <a:r>
+              <a:rPr lang="en-US" sz="2800" dirty="0">
+                <a:latin typeface="Helvetica" pitchFamily="2" charset="0"/>
+              </a:rPr>
+              <a:t>B</a:t>
+            </a:r>
+          </a:p>
+        </p:txBody>
+      </p:sp>
+      <p:sp>
+        <p:nvSpPr>
+          <p:cNvPr id="21" name="TextBox 20">
+            <a:extLst>
+              <a:ext uri="{FF2B5EF4-FFF2-40B4-BE49-F238E27FC236}">
+                <a16:creationId xmlns:a16="http://schemas.microsoft.com/office/drawing/2014/main" id="{03E6A80F-F1C4-B01B-785C-B3FC4D23F18B}"/>
+              </a:ext>
+            </a:extLst>
+          </p:cNvPr>
+          <p:cNvSpPr txBox="1"/>
+          <p:nvPr/>
+        </p:nvSpPr>
+        <p:spPr>
+          <a:xfrm>
+            <a:off x="1202267" y="3620833"/>
+            <a:ext cx="444352" cy="523220"/>
+          </a:xfrm>
+          <a:prstGeom prst="rect">
+            <a:avLst/>
+          </a:prstGeom>
+          <a:noFill/>
+        </p:spPr>
+        <p:txBody>
+          <a:bodyPr wrap="none" rtlCol="0">
+            <a:spAutoFit/>
+          </a:bodyPr>
+          <a:lstStyle/>
+          <a:p>
+            <a:r>
+              <a:rPr lang="en-US" sz="2800" dirty="0">
+                <a:latin typeface="Helvetica" pitchFamily="2" charset="0"/>
+              </a:rPr>
+              <a:t>C</a:t>
+            </a:r>
+          </a:p>
+        </p:txBody>
+      </p:sp>
+      <p:pic>
+        <p:nvPicPr>
+          <p:cNvPr id="4" name="Picture 3">
+            <a:extLst>
+              <a:ext uri="{FF2B5EF4-FFF2-40B4-BE49-F238E27FC236}">
+                <a16:creationId xmlns:a16="http://schemas.microsoft.com/office/drawing/2014/main" id="{ECD6870E-D573-BACE-FF78-69194F087171}"/>
+              </a:ext>
+            </a:extLst>
+          </p:cNvPr>
+          <p:cNvPicPr>
+            <a:picLocks noChangeAspect="1"/>
+          </p:cNvPicPr>
+          <p:nvPr/>
+        </p:nvPicPr>
+        <p:blipFill>
+          <a:blip r:embed="rId3"/>
+          <a:stretch>
+            <a:fillRect/>
+          </a:stretch>
+        </p:blipFill>
+        <p:spPr>
+          <a:xfrm>
+            <a:off x="1562281" y="900697"/>
+            <a:ext cx="3590383" cy="2734056"/>
+          </a:xfrm>
+          <a:prstGeom prst="rect">
+            <a:avLst/>
+          </a:prstGeom>
+        </p:spPr>
+      </p:pic>
+      <p:pic>
+        <p:nvPicPr>
+          <p:cNvPr id="12" name="Picture 11">
+            <a:extLst>
+              <a:ext uri="{FF2B5EF4-FFF2-40B4-BE49-F238E27FC236}">
+                <a16:creationId xmlns:a16="http://schemas.microsoft.com/office/drawing/2014/main" id="{700FA013-D627-FFE8-59F9-E000639E4D3E}"/>
+              </a:ext>
+            </a:extLst>
+          </p:cNvPr>
+          <p:cNvPicPr>
+            <a:picLocks noChangeAspect="1"/>
+          </p:cNvPicPr>
+          <p:nvPr/>
+        </p:nvPicPr>
+        <p:blipFill>
+          <a:blip r:embed="rId4"/>
+          <a:stretch>
+            <a:fillRect/>
+          </a:stretch>
+        </p:blipFill>
+        <p:spPr>
+          <a:xfrm>
+            <a:off x="1424443" y="4211162"/>
+            <a:ext cx="4078623" cy="2601880"/>
+          </a:xfrm>
+          <a:prstGeom prst="rect">
+            <a:avLst/>
+          </a:prstGeom>
+        </p:spPr>
+      </p:pic>
+      <p:pic>
+        <p:nvPicPr>
+          <p:cNvPr id="23" name="Picture 22">
+            <a:extLst>
+              <a:ext uri="{FF2B5EF4-FFF2-40B4-BE49-F238E27FC236}">
+                <a16:creationId xmlns:a16="http://schemas.microsoft.com/office/drawing/2014/main" id="{6C022264-CC77-06F9-C317-0280B8CD3781}"/>
+              </a:ext>
+            </a:extLst>
+          </p:cNvPr>
+          <p:cNvPicPr>
+            <a:picLocks noChangeAspect="1"/>
+          </p:cNvPicPr>
+          <p:nvPr/>
+        </p:nvPicPr>
+        <p:blipFill>
+          <a:blip r:embed="rId5"/>
+          <a:stretch>
+            <a:fillRect/>
+          </a:stretch>
+        </p:blipFill>
+        <p:spPr>
+          <a:xfrm>
+            <a:off x="6096000" y="690234"/>
+            <a:ext cx="3590383" cy="3590383"/>
+          </a:xfrm>
+          <a:prstGeom prst="rect">
+            <a:avLst/>
+          </a:prstGeom>
+        </p:spPr>
+      </p:pic>
+    </p:spTree>
+    <p:extLst>
+      <p:ext uri="{BB962C8B-B14F-4D97-AF65-F5344CB8AC3E}">
+        <p14:creationId xmlns:p14="http://schemas.microsoft.com/office/powerpoint/2010/main" val="2934026292"/>
+      </p:ext>
+    </p:extLst>
+  </p:cSld>
+  <p:clrMapOvr>
+    <a:masterClrMapping/>
+  </p:clrMapOvr>
+</p:sld>
+</file>
+
+<file path=ppt/slides/slide5.xml><?xml version="1.0" encoding="utf-8"?>
+<p:sld xmlns:a="http://schemas.openxmlformats.org/drawingml/2006/main" xmlns:r="http://schemas.openxmlformats.org/officeDocument/2006/relationships" xmlns:p="http://schemas.openxmlformats.org/presentationml/2006/main">
+  <p:cSld>
+    <p:bg>
+      <p:bgPr>
+        <a:solidFill>
+          <a:schemeClr val="bg1">
+            <a:alpha val="47177"/>
+          </a:schemeClr>
+        </a:solidFill>
+        <a:effectLst/>
+      </p:bgPr>
+    </p:bg>
+    <p:spTree>
+      <p:nvGrpSpPr>
+        <p:cNvPr id="1" name=""/>
+        <p:cNvGrpSpPr/>
+        <p:nvPr/>
+      </p:nvGrpSpPr>
+      <p:grpSpPr>
+        <a:xfrm>
+          <a:off x="0" y="0"/>
+          <a:ext cx="0" cy="0"/>
+          <a:chOff x="0" y="0"/>
+          <a:chExt cx="0" cy="0"/>
+        </a:xfrm>
+      </p:grpSpPr>
+      <p:sp>
+        <p:nvSpPr>
+          <p:cNvPr id="9" name="TextBox 8">
+            <a:extLst>
+              <a:ext uri="{FF2B5EF4-FFF2-40B4-BE49-F238E27FC236}">
+                <a16:creationId xmlns:a16="http://schemas.microsoft.com/office/drawing/2014/main" id="{35236A05-BC21-D248-80D5-123EC22E62C7}"/>
+              </a:ext>
+            </a:extLst>
+          </p:cNvPr>
+          <p:cNvSpPr txBox="1"/>
+          <p:nvPr/>
+        </p:nvSpPr>
+        <p:spPr>
+          <a:xfrm>
+            <a:off x="1202267" y="428624"/>
+            <a:ext cx="423514" cy="523220"/>
+          </a:xfrm>
+          <a:prstGeom prst="rect">
+            <a:avLst/>
+          </a:prstGeom>
+          <a:noFill/>
+        </p:spPr>
+        <p:txBody>
+          <a:bodyPr wrap="none" rtlCol="0">
+            <a:spAutoFit/>
+          </a:bodyPr>
+          <a:lstStyle/>
+          <a:p>
+            <a:r>
+              <a:rPr lang="en-US" sz="2800" dirty="0">
+                <a:latin typeface="Helvetica" pitchFamily="2" charset="0"/>
+              </a:rPr>
+              <a:t>A</a:t>
+            </a:r>
+          </a:p>
+        </p:txBody>
+      </p:sp>
+      <p:sp>
+        <p:nvSpPr>
+          <p:cNvPr id="17" name="TextBox 16">
+            <a:extLst>
+              <a:ext uri="{FF2B5EF4-FFF2-40B4-BE49-F238E27FC236}">
+                <a16:creationId xmlns:a16="http://schemas.microsoft.com/office/drawing/2014/main" id="{29CA4FDA-86DA-8D53-6BCF-0F0A9B85EA6F}"/>
+              </a:ext>
+            </a:extLst>
+          </p:cNvPr>
+          <p:cNvSpPr txBox="1"/>
+          <p:nvPr/>
+        </p:nvSpPr>
+        <p:spPr>
+          <a:xfrm>
+            <a:off x="5482167" y="428624"/>
+            <a:ext cx="423514" cy="523220"/>
+          </a:xfrm>
+          <a:prstGeom prst="rect">
+            <a:avLst/>
+          </a:prstGeom>
+          <a:noFill/>
+        </p:spPr>
+        <p:txBody>
+          <a:bodyPr wrap="none" rtlCol="0">
+            <a:spAutoFit/>
+          </a:bodyPr>
+          <a:lstStyle/>
+          <a:p>
+            <a:r>
+              <a:rPr lang="en-US" sz="2800" dirty="0">
+                <a:latin typeface="Helvetica" pitchFamily="2" charset="0"/>
+              </a:rPr>
+              <a:t>B</a:t>
+            </a:r>
+          </a:p>
+        </p:txBody>
+      </p:sp>
+      <p:sp>
+        <p:nvSpPr>
+          <p:cNvPr id="21" name="TextBox 20">
+            <a:extLst>
+              <a:ext uri="{FF2B5EF4-FFF2-40B4-BE49-F238E27FC236}">
+                <a16:creationId xmlns:a16="http://schemas.microsoft.com/office/drawing/2014/main" id="{03E6A80F-F1C4-B01B-785C-B3FC4D23F18B}"/>
+              </a:ext>
+            </a:extLst>
+          </p:cNvPr>
+          <p:cNvSpPr txBox="1"/>
+          <p:nvPr/>
+        </p:nvSpPr>
+        <p:spPr>
+          <a:xfrm>
+            <a:off x="1202267" y="3620833"/>
+            <a:ext cx="444352" cy="523220"/>
+          </a:xfrm>
+          <a:prstGeom prst="rect">
+            <a:avLst/>
+          </a:prstGeom>
+          <a:noFill/>
+        </p:spPr>
+        <p:txBody>
+          <a:bodyPr wrap="none" rtlCol="0">
+            <a:spAutoFit/>
+          </a:bodyPr>
+          <a:lstStyle/>
+          <a:p>
+            <a:r>
+              <a:rPr lang="en-US" sz="2800" dirty="0">
+                <a:latin typeface="Helvetica" pitchFamily="2" charset="0"/>
+              </a:rPr>
+              <a:t>C</a:t>
+            </a:r>
+          </a:p>
+        </p:txBody>
+      </p:sp>
+      <p:pic>
+        <p:nvPicPr>
+          <p:cNvPr id="12" name="Picture 11">
+            <a:extLst>
+              <a:ext uri="{FF2B5EF4-FFF2-40B4-BE49-F238E27FC236}">
+                <a16:creationId xmlns:a16="http://schemas.microsoft.com/office/drawing/2014/main" id="{2D6B9DC7-E0E0-47E2-F951-E201AD3216AC}"/>
+              </a:ext>
+            </a:extLst>
+          </p:cNvPr>
+          <p:cNvPicPr>
+            <a:picLocks noChangeAspect="1"/>
+          </p:cNvPicPr>
+          <p:nvPr/>
+        </p:nvPicPr>
+        <p:blipFill>
+          <a:blip r:embed="rId3"/>
+          <a:stretch>
+            <a:fillRect/>
+          </a:stretch>
+        </p:blipFill>
+        <p:spPr>
+          <a:xfrm>
+            <a:off x="1907161" y="847422"/>
+            <a:ext cx="3590383" cy="2734056"/>
+          </a:xfrm>
+          <a:prstGeom prst="rect">
+            <a:avLst/>
+          </a:prstGeom>
+        </p:spPr>
+      </p:pic>
+      <p:pic>
+        <p:nvPicPr>
+          <p:cNvPr id="25" name="Picture 24">
+            <a:extLst>
+              <a:ext uri="{FF2B5EF4-FFF2-40B4-BE49-F238E27FC236}">
+                <a16:creationId xmlns:a16="http://schemas.microsoft.com/office/drawing/2014/main" id="{F1E9A9AF-8607-62E4-03F8-9201AA53AD5F}"/>
+              </a:ext>
+            </a:extLst>
+          </p:cNvPr>
+          <p:cNvPicPr>
+            <a:picLocks noChangeAspect="1"/>
+          </p:cNvPicPr>
+          <p:nvPr/>
+        </p:nvPicPr>
+        <p:blipFill>
+          <a:blip r:embed="rId4"/>
+          <a:stretch>
+            <a:fillRect/>
+          </a:stretch>
+        </p:blipFill>
+        <p:spPr>
+          <a:xfrm>
+            <a:off x="1619863" y="4000276"/>
+            <a:ext cx="4285818" cy="2734056"/>
+          </a:xfrm>
+          <a:prstGeom prst="rect">
+            <a:avLst/>
+          </a:prstGeom>
+        </p:spPr>
+      </p:pic>
+      <p:pic>
+        <p:nvPicPr>
+          <p:cNvPr id="26" name="Picture 25">
+            <a:extLst>
+              <a:ext uri="{FF2B5EF4-FFF2-40B4-BE49-F238E27FC236}">
+                <a16:creationId xmlns:a16="http://schemas.microsoft.com/office/drawing/2014/main" id="{53FB7C3C-18F3-8047-5010-81EB0F94F59D}"/>
+              </a:ext>
+            </a:extLst>
+          </p:cNvPr>
+          <p:cNvPicPr>
+            <a:picLocks noChangeAspect="1"/>
+          </p:cNvPicPr>
+          <p:nvPr/>
+        </p:nvPicPr>
+        <p:blipFill>
+          <a:blip r:embed="rId5"/>
+          <a:stretch>
+            <a:fillRect/>
+          </a:stretch>
+        </p:blipFill>
+        <p:spPr>
+          <a:xfrm>
+            <a:off x="6096000" y="715634"/>
+            <a:ext cx="3670298" cy="3545276"/>
+          </a:xfrm>
+          <a:prstGeom prst="rect">
+            <a:avLst/>
+          </a:prstGeom>
+        </p:spPr>
+      </p:pic>
+    </p:spTree>
+    <p:extLst>
+      <p:ext uri="{BB962C8B-B14F-4D97-AF65-F5344CB8AC3E}">
+        <p14:creationId xmlns:p14="http://schemas.microsoft.com/office/powerpoint/2010/main" val="2798112115"/>
+      </p:ext>
+    </p:extLst>
+  </p:cSld>
+  <p:clrMapOvr>
+    <a:masterClrMapping/>
+  </p:clrMapOvr>
+</p:sld>
+</file>
+
+<file path=ppt/slides/slide6.xml><?xml version="1.0" encoding="utf-8"?>
+<p:sld xmlns:a="http://schemas.openxmlformats.org/drawingml/2006/main" xmlns:r="http://schemas.openxmlformats.org/officeDocument/2006/relationships" xmlns:p="http://schemas.openxmlformats.org/presentationml/2006/main">
+  <p:cSld>
+    <p:bg>
+      <p:bgPr>
+        <a:solidFill>
+          <a:schemeClr val="bg1">
+            <a:alpha val="47177"/>
+          </a:schemeClr>
+        </a:solidFill>
+        <a:effectLst/>
+      </p:bgPr>
+    </p:bg>
+    <p:spTree>
+      <p:nvGrpSpPr>
+        <p:cNvPr id="1" name=""/>
+        <p:cNvGrpSpPr/>
+        <p:nvPr/>
+      </p:nvGrpSpPr>
+      <p:grpSpPr>
+        <a:xfrm>
+          <a:off x="0" y="0"/>
+          <a:ext cx="0" cy="0"/>
+          <a:chOff x="0" y="0"/>
+          <a:chExt cx="0" cy="0"/>
+        </a:xfrm>
+      </p:grpSpPr>
+      <p:sp>
+        <p:nvSpPr>
+          <p:cNvPr id="9" name="TextBox 8">
+            <a:extLst>
+              <a:ext uri="{FF2B5EF4-FFF2-40B4-BE49-F238E27FC236}">
+                <a16:creationId xmlns:a16="http://schemas.microsoft.com/office/drawing/2014/main" id="{35236A05-BC21-D248-80D5-123EC22E62C7}"/>
+              </a:ext>
+            </a:extLst>
+          </p:cNvPr>
+          <p:cNvSpPr txBox="1"/>
+          <p:nvPr/>
+        </p:nvSpPr>
+        <p:spPr>
+          <a:xfrm>
+            <a:off x="1202267" y="428624"/>
+            <a:ext cx="423514" cy="523220"/>
+          </a:xfrm>
+          <a:prstGeom prst="rect">
+            <a:avLst/>
+          </a:prstGeom>
+          <a:noFill/>
+        </p:spPr>
+        <p:txBody>
+          <a:bodyPr wrap="none" rtlCol="0">
+            <a:spAutoFit/>
+          </a:bodyPr>
+          <a:lstStyle/>
+          <a:p>
+            <a:r>
+              <a:rPr lang="en-US" sz="2800" dirty="0">
+                <a:latin typeface="Helvetica" pitchFamily="2" charset="0"/>
+              </a:rPr>
+              <a:t>A</a:t>
+            </a:r>
+          </a:p>
+        </p:txBody>
+      </p:sp>
+      <p:sp>
+        <p:nvSpPr>
+          <p:cNvPr id="17" name="TextBox 16">
+            <a:extLst>
+              <a:ext uri="{FF2B5EF4-FFF2-40B4-BE49-F238E27FC236}">
+                <a16:creationId xmlns:a16="http://schemas.microsoft.com/office/drawing/2014/main" id="{29CA4FDA-86DA-8D53-6BCF-0F0A9B85EA6F}"/>
+              </a:ext>
+            </a:extLst>
+          </p:cNvPr>
+          <p:cNvSpPr txBox="1"/>
+          <p:nvPr/>
+        </p:nvSpPr>
+        <p:spPr>
+          <a:xfrm>
+            <a:off x="5482167" y="428624"/>
+            <a:ext cx="423514" cy="523220"/>
+          </a:xfrm>
+          <a:prstGeom prst="rect">
+            <a:avLst/>
+          </a:prstGeom>
+          <a:noFill/>
+        </p:spPr>
+        <p:txBody>
+          <a:bodyPr wrap="none" rtlCol="0">
+            <a:spAutoFit/>
+          </a:bodyPr>
+          <a:lstStyle/>
+          <a:p>
+            <a:r>
+              <a:rPr lang="en-US" sz="2800" dirty="0">
+                <a:latin typeface="Helvetica" pitchFamily="2" charset="0"/>
+              </a:rPr>
+              <a:t>B</a:t>
+            </a:r>
+          </a:p>
+        </p:txBody>
+      </p:sp>
+      <p:sp>
+        <p:nvSpPr>
+          <p:cNvPr id="21" name="TextBox 20">
+            <a:extLst>
+              <a:ext uri="{FF2B5EF4-FFF2-40B4-BE49-F238E27FC236}">
+                <a16:creationId xmlns:a16="http://schemas.microsoft.com/office/drawing/2014/main" id="{03E6A80F-F1C4-B01B-785C-B3FC4D23F18B}"/>
+              </a:ext>
+            </a:extLst>
+          </p:cNvPr>
+          <p:cNvSpPr txBox="1"/>
+          <p:nvPr/>
+        </p:nvSpPr>
+        <p:spPr>
+          <a:xfrm>
+            <a:off x="1202267" y="3620833"/>
+            <a:ext cx="444352" cy="523220"/>
+          </a:xfrm>
+          <a:prstGeom prst="rect">
+            <a:avLst/>
+          </a:prstGeom>
+          <a:noFill/>
+        </p:spPr>
+        <p:txBody>
+          <a:bodyPr wrap="none" rtlCol="0">
+            <a:spAutoFit/>
+          </a:bodyPr>
+          <a:lstStyle/>
+          <a:p>
+            <a:r>
+              <a:rPr lang="en-US" sz="2800" dirty="0">
+                <a:latin typeface="Helvetica" pitchFamily="2" charset="0"/>
+              </a:rPr>
+              <a:t>C</a:t>
+            </a:r>
+          </a:p>
+        </p:txBody>
+      </p:sp>
+      <p:pic>
+        <p:nvPicPr>
+          <p:cNvPr id="5" name="Picture 4">
+            <a:extLst>
+              <a:ext uri="{FF2B5EF4-FFF2-40B4-BE49-F238E27FC236}">
+                <a16:creationId xmlns:a16="http://schemas.microsoft.com/office/drawing/2014/main" id="{30C47522-A4A8-CA33-7FF3-E71560AB4640}"/>
+              </a:ext>
+            </a:extLst>
+          </p:cNvPr>
+          <p:cNvPicPr>
+            <a:picLocks noChangeAspect="1"/>
+          </p:cNvPicPr>
+          <p:nvPr/>
+        </p:nvPicPr>
+        <p:blipFill>
+          <a:blip r:embed="rId3"/>
+          <a:stretch>
+            <a:fillRect/>
+          </a:stretch>
+        </p:blipFill>
+        <p:spPr>
+          <a:xfrm>
+            <a:off x="1968681" y="851124"/>
+            <a:ext cx="3590383" cy="2734056"/>
+          </a:xfrm>
+          <a:prstGeom prst="rect">
+            <a:avLst/>
+          </a:prstGeom>
+        </p:spPr>
+      </p:pic>
+      <p:pic>
+        <p:nvPicPr>
+          <p:cNvPr id="10" name="Picture 9">
+            <a:extLst>
+              <a:ext uri="{FF2B5EF4-FFF2-40B4-BE49-F238E27FC236}">
+                <a16:creationId xmlns:a16="http://schemas.microsoft.com/office/drawing/2014/main" id="{43AEDC23-C7FC-B956-DEE9-6DCFBCA2E324}"/>
+              </a:ext>
+            </a:extLst>
+          </p:cNvPr>
+          <p:cNvPicPr>
+            <a:picLocks noChangeAspect="1"/>
+          </p:cNvPicPr>
+          <p:nvPr/>
+        </p:nvPicPr>
+        <p:blipFill>
+          <a:blip r:embed="rId4"/>
+          <a:stretch>
+            <a:fillRect/>
+          </a:stretch>
+        </p:blipFill>
+        <p:spPr>
+          <a:xfrm>
+            <a:off x="6096000" y="689728"/>
+            <a:ext cx="3590383" cy="3590383"/>
+          </a:xfrm>
+          <a:prstGeom prst="rect">
+            <a:avLst/>
+          </a:prstGeom>
+        </p:spPr>
+      </p:pic>
+      <p:pic>
+        <p:nvPicPr>
+          <p:cNvPr id="13" name="Picture 12">
+            <a:extLst>
+              <a:ext uri="{FF2B5EF4-FFF2-40B4-BE49-F238E27FC236}">
+                <a16:creationId xmlns:a16="http://schemas.microsoft.com/office/drawing/2014/main" id="{0BD503D9-7F52-8425-42F9-9A4AE8E018CE}"/>
+              </a:ext>
+            </a:extLst>
+          </p:cNvPr>
+          <p:cNvPicPr>
+            <a:picLocks noChangeAspect="1"/>
+          </p:cNvPicPr>
+          <p:nvPr/>
+        </p:nvPicPr>
+        <p:blipFill>
+          <a:blip r:embed="rId5"/>
+          <a:stretch>
+            <a:fillRect/>
+          </a:stretch>
+        </p:blipFill>
+        <p:spPr>
+          <a:xfrm>
+            <a:off x="1529849" y="4123943"/>
+            <a:ext cx="4375832" cy="2734057"/>
+          </a:xfrm>
+          <a:prstGeom prst="rect">
+            <a:avLst/>
+          </a:prstGeom>
+        </p:spPr>
+      </p:pic>
+    </p:spTree>
+    <p:extLst>
+      <p:ext uri="{BB962C8B-B14F-4D97-AF65-F5344CB8AC3E}">
+        <p14:creationId xmlns:p14="http://schemas.microsoft.com/office/powerpoint/2010/main" val="1702326334"/>
+      </p:ext>
+    </p:extLst>
+  </p:cSld>
+  <p:clrMapOvr>
+    <a:masterClrMapping/>
+  </p:clrMapOvr>
+</p:sld>
+</file>
+
+<file path=ppt/slides/slide7.xml><?xml version="1.0" encoding="utf-8"?>
+<p:sld xmlns:a="http://schemas.openxmlformats.org/drawingml/2006/main" xmlns:r="http://schemas.openxmlformats.org/officeDocument/2006/relationships" xmlns:p="http://schemas.openxmlformats.org/presentationml/2006/main">
+  <p:cSld>
+    <p:spTree>
+      <p:nvGrpSpPr>
+        <p:cNvPr id="1" name=""/>
+        <p:cNvGrpSpPr/>
+        <p:nvPr/>
+      </p:nvGrpSpPr>
+      <p:grpSpPr>
+        <a:xfrm>
+          <a:off x="0" y="0"/>
+          <a:ext cx="0" cy="0"/>
+          <a:chOff x="0" y="0"/>
+          <a:chExt cx="0" cy="0"/>
+        </a:xfrm>
+      </p:grpSpPr>
+      <p:sp>
+        <p:nvSpPr>
+          <p:cNvPr id="2" name="Title 1">
+            <a:extLst>
+              <a:ext uri="{FF2B5EF4-FFF2-40B4-BE49-F238E27FC236}">
+                <a16:creationId xmlns:a16="http://schemas.microsoft.com/office/drawing/2014/main" id="{60D44A6D-A0BC-AAB9-84C7-9A0FBB472B31}"/>
+              </a:ext>
+            </a:extLst>
+          </p:cNvPr>
+          <p:cNvSpPr>
+            <a:spLocks noGrp="1"/>
+          </p:cNvSpPr>
+          <p:nvPr>
+            <p:ph type="title"/>
+          </p:nvPr>
+        </p:nvSpPr>
+        <p:spPr/>
+        <p:txBody>
+          <a:bodyPr/>
+          <a:lstStyle/>
+          <a:p>
+            <a:endParaRPr lang="en-US"/>
+          </a:p>
+        </p:txBody>
+      </p:sp>
+      <p:sp>
+        <p:nvSpPr>
+          <p:cNvPr id="3" name="Content Placeholder 2">
+            <a:extLst>
+              <a:ext uri="{FF2B5EF4-FFF2-40B4-BE49-F238E27FC236}">
+                <a16:creationId xmlns:a16="http://schemas.microsoft.com/office/drawing/2014/main" id="{932690BE-651A-DAC4-F573-F26E92C4DC99}"/>
+              </a:ext>
+            </a:extLst>
+          </p:cNvPr>
+          <p:cNvSpPr>
+            <a:spLocks noGrp="1"/>
+          </p:cNvSpPr>
+          <p:nvPr>
+            <p:ph idx="1"/>
+          </p:nvPr>
+        </p:nvSpPr>
+        <p:spPr/>
+        <p:txBody>
+          <a:bodyPr/>
+          <a:lstStyle/>
+          <a:p>
+            <a:endParaRPr lang="en-US"/>
+          </a:p>
+        </p:txBody>
+      </p:sp>
+    </p:spTree>
+    <p:extLst>
+      <p:ext uri="{BB962C8B-B14F-4D97-AF65-F5344CB8AC3E}">
+        <p14:creationId xmlns:p14="http://schemas.microsoft.com/office/powerpoint/2010/main" val="730126670"/>
+      </p:ext>
+    </p:extLst>
+  </p:cSld>
+  <p:clrMapOvr>
+    <a:masterClrMapping/>
+  </p:clrMapOvr>
+</p:sld>
+</file>
+
+<file path=ppt/slides/slide8.xml><?xml version="1.0" encoding="utf-8"?>
+<p:sld xmlns:a="http://schemas.openxmlformats.org/drawingml/2006/main" xmlns:r="http://schemas.openxmlformats.org/officeDocument/2006/relationships" xmlns:p="http://schemas.openxmlformats.org/presentationml/2006/main">
+  <p:cSld>
+    <p:bg>
+      <p:bgPr>
+        <a:solidFill>
+          <a:schemeClr val="bg1">
+            <a:alpha val="47177"/>
+          </a:schemeClr>
+        </a:solidFill>
+        <a:effectLst/>
+      </p:bgPr>
+    </p:bg>
+    <p:spTree>
+      <p:nvGrpSpPr>
+        <p:cNvPr id="1" name=""/>
+        <p:cNvGrpSpPr/>
+        <p:nvPr/>
+      </p:nvGrpSpPr>
+      <p:grpSpPr>
+        <a:xfrm>
+          <a:off x="0" y="0"/>
+          <a:ext cx="0" cy="0"/>
+          <a:chOff x="0" y="0"/>
+          <a:chExt cx="0" cy="0"/>
+        </a:xfrm>
+      </p:grpSpPr>
+      <p:sp>
+        <p:nvSpPr>
+          <p:cNvPr id="17" name="TextBox 16">
+            <a:extLst>
+              <a:ext uri="{FF2B5EF4-FFF2-40B4-BE49-F238E27FC236}">
+                <a16:creationId xmlns:a16="http://schemas.microsoft.com/office/drawing/2014/main" id="{CCC06B6F-0619-968C-F2AC-9F22B08985E1}"/>
+              </a:ext>
+            </a:extLst>
+          </p:cNvPr>
+          <p:cNvSpPr txBox="1"/>
+          <p:nvPr/>
+        </p:nvSpPr>
+        <p:spPr>
+          <a:xfrm>
+            <a:off x="2788668" y="386466"/>
+            <a:ext cx="1518364" cy="369332"/>
+          </a:xfrm>
+          <a:prstGeom prst="rect">
+            <a:avLst/>
+          </a:prstGeom>
+          <a:noFill/>
+        </p:spPr>
+        <p:txBody>
+          <a:bodyPr wrap="none" rtlCol="0">
+            <a:spAutoFit/>
+          </a:bodyPr>
+          <a:lstStyle/>
+          <a:p>
+            <a:r>
+              <a:rPr lang="en-US" dirty="0">
+                <a:latin typeface="Helvetica" pitchFamily="2" charset="0"/>
+              </a:rPr>
+              <a:t>2020 dataset</a:t>
+            </a:r>
+          </a:p>
+        </p:txBody>
+      </p:sp>
+      <p:pic>
+        <p:nvPicPr>
+          <p:cNvPr id="6" name="Picture 5">
+            <a:extLst>
+              <a:ext uri="{FF2B5EF4-FFF2-40B4-BE49-F238E27FC236}">
+                <a16:creationId xmlns:a16="http://schemas.microsoft.com/office/drawing/2014/main" id="{B2BEB89D-6B6C-9464-D7D1-C84F6C3FEB10}"/>
+              </a:ext>
+            </a:extLst>
+          </p:cNvPr>
+          <p:cNvPicPr>
+            <a:picLocks noChangeAspect="1"/>
+          </p:cNvPicPr>
+          <p:nvPr/>
+        </p:nvPicPr>
+        <p:blipFill>
+          <a:blip r:embed="rId2"/>
+          <a:stretch>
+            <a:fillRect/>
+          </a:stretch>
+        </p:blipFill>
+        <p:spPr>
+          <a:xfrm>
+            <a:off x="1758174" y="839366"/>
+            <a:ext cx="3584969" cy="2729933"/>
+          </a:xfrm>
+          <a:prstGeom prst="rect">
+            <a:avLst/>
+          </a:prstGeom>
+        </p:spPr>
+      </p:pic>
+      <p:sp>
+        <p:nvSpPr>
+          <p:cNvPr id="4" name="TextBox 3">
+            <a:extLst>
+              <a:ext uri="{FF2B5EF4-FFF2-40B4-BE49-F238E27FC236}">
+                <a16:creationId xmlns:a16="http://schemas.microsoft.com/office/drawing/2014/main" id="{02F4BFEF-9FDE-CE72-2285-A609EF0B0F98}"/>
+              </a:ext>
+            </a:extLst>
+          </p:cNvPr>
+          <p:cNvSpPr txBox="1"/>
+          <p:nvPr/>
+        </p:nvSpPr>
+        <p:spPr>
+          <a:xfrm>
+            <a:off x="2722963" y="3722665"/>
+            <a:ext cx="1518364" cy="369332"/>
+          </a:xfrm>
+          <a:prstGeom prst="rect">
+            <a:avLst/>
+          </a:prstGeom>
+          <a:noFill/>
+        </p:spPr>
+        <p:txBody>
+          <a:bodyPr wrap="none" rtlCol="0">
+            <a:spAutoFit/>
+          </a:bodyPr>
+          <a:lstStyle/>
+          <a:p>
+            <a:r>
+              <a:rPr lang="en-US" dirty="0">
+                <a:latin typeface="Helvetica" pitchFamily="2" charset="0"/>
+              </a:rPr>
+              <a:t>2018 dataset</a:t>
+            </a:r>
+          </a:p>
+        </p:txBody>
+      </p:sp>
+      <p:pic>
+        <p:nvPicPr>
+          <p:cNvPr id="7" name="Picture 6">
+            <a:extLst>
+              <a:ext uri="{FF2B5EF4-FFF2-40B4-BE49-F238E27FC236}">
+                <a16:creationId xmlns:a16="http://schemas.microsoft.com/office/drawing/2014/main" id="{6E1D97D5-3859-CC08-8560-1F37B6D146E6}"/>
+              </a:ext>
+            </a:extLst>
+          </p:cNvPr>
+          <p:cNvPicPr>
+            <a:picLocks noChangeAspect="1"/>
+          </p:cNvPicPr>
+          <p:nvPr/>
+        </p:nvPicPr>
+        <p:blipFill>
+          <a:blip r:embed="rId3"/>
+          <a:stretch>
+            <a:fillRect/>
+          </a:stretch>
+        </p:blipFill>
+        <p:spPr>
+          <a:xfrm>
+            <a:off x="1758174" y="4123944"/>
+            <a:ext cx="3590383" cy="2734056"/>
+          </a:xfrm>
+          <a:prstGeom prst="rect">
+            <a:avLst/>
+          </a:prstGeom>
+        </p:spPr>
+      </p:pic>
+      <p:sp>
+        <p:nvSpPr>
+          <p:cNvPr id="9" name="TextBox 8">
+            <a:extLst>
+              <a:ext uri="{FF2B5EF4-FFF2-40B4-BE49-F238E27FC236}">
+                <a16:creationId xmlns:a16="http://schemas.microsoft.com/office/drawing/2014/main" id="{35236A05-BC21-D248-80D5-123EC22E62C7}"/>
+              </a:ext>
+            </a:extLst>
+          </p:cNvPr>
+          <p:cNvSpPr txBox="1"/>
+          <p:nvPr/>
+        </p:nvSpPr>
+        <p:spPr>
+          <a:xfrm>
+            <a:off x="1278467" y="232577"/>
+            <a:ext cx="423514" cy="523220"/>
+          </a:xfrm>
+          <a:prstGeom prst="rect">
+            <a:avLst/>
+          </a:prstGeom>
+          <a:noFill/>
+        </p:spPr>
+        <p:txBody>
+          <a:bodyPr wrap="none" rtlCol="0">
+            <a:spAutoFit/>
+          </a:bodyPr>
+          <a:lstStyle/>
+          <a:p>
+            <a:r>
+              <a:rPr lang="en-US" sz="2800" dirty="0">
+                <a:latin typeface="Helvetica" pitchFamily="2" charset="0"/>
+              </a:rPr>
+              <a:t>A</a:t>
+            </a:r>
+          </a:p>
+        </p:txBody>
+      </p:sp>
+      <p:sp>
+        <p:nvSpPr>
+          <p:cNvPr id="11" name="TextBox 10">
+            <a:extLst>
+              <a:ext uri="{FF2B5EF4-FFF2-40B4-BE49-F238E27FC236}">
+                <a16:creationId xmlns:a16="http://schemas.microsoft.com/office/drawing/2014/main" id="{3D61AE7B-C40B-10EB-BCE7-55ED273E64AE}"/>
+              </a:ext>
+            </a:extLst>
+          </p:cNvPr>
+          <p:cNvSpPr txBox="1"/>
+          <p:nvPr/>
+        </p:nvSpPr>
+        <p:spPr>
+          <a:xfrm>
+            <a:off x="1278467" y="3400941"/>
+            <a:ext cx="423514" cy="523220"/>
+          </a:xfrm>
+          <a:prstGeom prst="rect">
+            <a:avLst/>
+          </a:prstGeom>
+          <a:noFill/>
+        </p:spPr>
+        <p:txBody>
+          <a:bodyPr wrap="none" rtlCol="0">
+            <a:spAutoFit/>
+          </a:bodyPr>
+          <a:lstStyle/>
+          <a:p>
+            <a:r>
+              <a:rPr lang="en-US" sz="2800" dirty="0">
+                <a:latin typeface="Helvetica" pitchFamily="2" charset="0"/>
+              </a:rPr>
+              <a:t>B</a:t>
+            </a:r>
+          </a:p>
+        </p:txBody>
+      </p:sp>
+    </p:spTree>
+    <p:extLst>
+      <p:ext uri="{BB962C8B-B14F-4D97-AF65-F5344CB8AC3E}">
+        <p14:creationId xmlns:p14="http://schemas.microsoft.com/office/powerpoint/2010/main" val="3341280753"/>
+      </p:ext>
+    </p:extLst>
+  </p:cSld>
+  <p:clrMapOvr>
+    <a:masterClrMapping/>
+  </p:clrMapOvr>
+</p:sld>
+</file>
+
 <file path=ppt/slides/slide9.xml><?xml version="1.0" encoding="utf-8"?>
 <p:sld xmlns:a="http://schemas.openxmlformats.org/drawingml/2006/main" xmlns:r="http://schemas.openxmlformats.org/officeDocument/2006/relationships" xmlns:p="http://schemas.openxmlformats.org/presentationml/2006/main">
   <p:cSld>
@@ -9016,34 +10467,252 @@
           <a:chExt cx="0" cy="0"/>
         </a:xfrm>
       </p:grpSpPr>
-      <p:sp>
-        <p:nvSpPr>
-          <p:cNvPr id="2" name="Title 1">
-            <a:extLst>
-              <a:ext uri="{FF2B5EF4-FFF2-40B4-BE49-F238E27FC236}">
-                <a16:creationId xmlns:a16="http://schemas.microsoft.com/office/drawing/2014/main" id="{DCD55971-DFF6-8F80-840A-F9EACA17448E}"/>
-              </a:ext>
-            </a:extLst>
-          </p:cNvPr>
-          <p:cNvSpPr>
-            <a:spLocks noGrp="1"/>
-          </p:cNvSpPr>
-          <p:nvPr>
-            <p:ph type="ctrTitle"/>
-          </p:nvPr>
-        </p:nvSpPr>
-        <p:spPr/>
-        <p:txBody>
-          <a:bodyPr/>
-          <a:lstStyle/>
-          <a:p>
-            <a:r>
-              <a:rPr lang="en-US" dirty="0" err="1"/>
-              <a:t>pval</a:t>
-            </a:r>
-            <a:r>
-              <a:rPr lang="en-US" dirty="0"/>
-              <a:t> &lt; 1</a:t>
+      <p:grpSp>
+        <p:nvGrpSpPr>
+          <p:cNvPr id="6" name="Group 5">
+            <a:extLst>
+              <a:ext uri="{FF2B5EF4-FFF2-40B4-BE49-F238E27FC236}">
+                <a16:creationId xmlns:a16="http://schemas.microsoft.com/office/drawing/2014/main" id="{4615EA7B-150C-5076-E971-4D3BD2340A55}"/>
+              </a:ext>
+            </a:extLst>
+          </p:cNvPr>
+          <p:cNvGrpSpPr/>
+          <p:nvPr/>
+        </p:nvGrpSpPr>
+        <p:grpSpPr>
+          <a:xfrm>
+            <a:off x="1359282" y="307273"/>
+            <a:ext cx="9193236" cy="3121727"/>
+            <a:chOff x="1246164" y="3741549"/>
+            <a:chExt cx="9193236" cy="3121727"/>
+          </a:xfrm>
+        </p:grpSpPr>
+        <p:sp>
+          <p:nvSpPr>
+            <p:cNvPr id="5" name="TextBox 4">
+              <a:extLst>
+                <a:ext uri="{FF2B5EF4-FFF2-40B4-BE49-F238E27FC236}">
+                  <a16:creationId xmlns:a16="http://schemas.microsoft.com/office/drawing/2014/main" id="{259CE62B-BDAC-03E0-0088-CD2FB277DF65}"/>
+                </a:ext>
+              </a:extLst>
+            </p:cNvPr>
+            <p:cNvSpPr txBox="1"/>
+            <p:nvPr/>
+          </p:nvSpPr>
+          <p:spPr>
+            <a:xfrm>
+              <a:off x="5080010" y="3741549"/>
+              <a:ext cx="1518364" cy="369332"/>
+            </a:xfrm>
+            <a:prstGeom prst="rect">
+              <a:avLst/>
+            </a:prstGeom>
+            <a:noFill/>
+          </p:spPr>
+          <p:txBody>
+            <a:bodyPr wrap="none" rtlCol="0">
+              <a:spAutoFit/>
+            </a:bodyPr>
+            <a:lstStyle/>
+            <a:p>
+              <a:r>
+                <a:rPr lang="en-US" dirty="0">
+                  <a:latin typeface="Helvetica" pitchFamily="2" charset="0"/>
+                </a:rPr>
+                <a:t>2020 dataset</a:t>
+              </a:r>
+            </a:p>
+          </p:txBody>
+        </p:sp>
+        <p:pic>
+          <p:nvPicPr>
+            <p:cNvPr id="2" name="Picture 1">
+              <a:extLst>
+                <a:ext uri="{FF2B5EF4-FFF2-40B4-BE49-F238E27FC236}">
+                  <a16:creationId xmlns:a16="http://schemas.microsoft.com/office/drawing/2014/main" id="{BDC03239-0A47-AB49-3864-9056AC8738E8}"/>
+                </a:ext>
+              </a:extLst>
+            </p:cNvPr>
+            <p:cNvPicPr>
+              <a:picLocks noChangeAspect="1"/>
+            </p:cNvPicPr>
+            <p:nvPr/>
+          </p:nvPicPr>
+          <p:blipFill>
+            <a:blip r:embed="rId2"/>
+            <a:stretch>
+              <a:fillRect/>
+            </a:stretch>
+          </p:blipFill>
+          <p:spPr>
+            <a:xfrm>
+              <a:off x="1246164" y="4295157"/>
+              <a:ext cx="9193236" cy="2568119"/>
+            </a:xfrm>
+            <a:prstGeom prst="rect">
+              <a:avLst/>
+            </a:prstGeom>
+          </p:spPr>
+        </p:pic>
+      </p:grpSp>
+      <p:grpSp>
+        <p:nvGrpSpPr>
+          <p:cNvPr id="4" name="Group 3">
+            <a:extLst>
+              <a:ext uri="{FF2B5EF4-FFF2-40B4-BE49-F238E27FC236}">
+                <a16:creationId xmlns:a16="http://schemas.microsoft.com/office/drawing/2014/main" id="{8DF33DCA-2DF5-BECD-2C3E-DD405D4C794F}"/>
+              </a:ext>
+            </a:extLst>
+          </p:cNvPr>
+          <p:cNvGrpSpPr/>
+          <p:nvPr/>
+        </p:nvGrpSpPr>
+        <p:grpSpPr>
+          <a:xfrm>
+            <a:off x="1354466" y="3479800"/>
+            <a:ext cx="9198052" cy="2901186"/>
+            <a:chOff x="1246164" y="758966"/>
+            <a:chExt cx="9198052" cy="2901186"/>
+          </a:xfrm>
+        </p:grpSpPr>
+        <p:sp>
+          <p:nvSpPr>
+            <p:cNvPr id="7" name="TextBox 6">
+              <a:extLst>
+                <a:ext uri="{FF2B5EF4-FFF2-40B4-BE49-F238E27FC236}">
+                  <a16:creationId xmlns:a16="http://schemas.microsoft.com/office/drawing/2014/main" id="{C3A443DE-6A79-90DC-C40A-238B08A8BED1}"/>
+                </a:ext>
+              </a:extLst>
+            </p:cNvPr>
+            <p:cNvSpPr txBox="1"/>
+            <p:nvPr/>
+          </p:nvSpPr>
+          <p:spPr>
+            <a:xfrm>
+              <a:off x="5068092" y="758966"/>
+              <a:ext cx="1518364" cy="369332"/>
+            </a:xfrm>
+            <a:prstGeom prst="rect">
+              <a:avLst/>
+            </a:prstGeom>
+            <a:noFill/>
+          </p:spPr>
+          <p:txBody>
+            <a:bodyPr wrap="none" rtlCol="0">
+              <a:spAutoFit/>
+            </a:bodyPr>
+            <a:lstStyle/>
+            <a:p>
+              <a:r>
+                <a:rPr lang="en-US" dirty="0">
+                  <a:latin typeface="Helvetica" pitchFamily="2" charset="0"/>
+                </a:rPr>
+                <a:t>2018 dataset</a:t>
+              </a:r>
+            </a:p>
+          </p:txBody>
+        </p:sp>
+        <p:pic>
+          <p:nvPicPr>
+            <p:cNvPr id="3" name="Picture 2">
+              <a:extLst>
+                <a:ext uri="{FF2B5EF4-FFF2-40B4-BE49-F238E27FC236}">
+                  <a16:creationId xmlns:a16="http://schemas.microsoft.com/office/drawing/2014/main" id="{178679B2-5E69-D47D-C178-6E34C085B162}"/>
+                </a:ext>
+              </a:extLst>
+            </p:cNvPr>
+            <p:cNvPicPr>
+              <a:picLocks noChangeAspect="1"/>
+            </p:cNvPicPr>
+            <p:nvPr/>
+          </p:nvPicPr>
+          <p:blipFill>
+            <a:blip r:embed="rId3"/>
+            <a:stretch>
+              <a:fillRect/>
+            </a:stretch>
+          </p:blipFill>
+          <p:spPr>
+            <a:xfrm>
+              <a:off x="1246164" y="1090688"/>
+              <a:ext cx="9198052" cy="2569464"/>
+            </a:xfrm>
+            <a:prstGeom prst="rect">
+              <a:avLst/>
+            </a:prstGeom>
+          </p:spPr>
+        </p:pic>
+      </p:grpSp>
+      <p:sp>
+        <p:nvSpPr>
+          <p:cNvPr id="8" name="TextBox 7">
+            <a:extLst>
+              <a:ext uri="{FF2B5EF4-FFF2-40B4-BE49-F238E27FC236}">
+                <a16:creationId xmlns:a16="http://schemas.microsoft.com/office/drawing/2014/main" id="{391AAC1D-56F8-86D6-F3A4-D6196B3093F8}"/>
+              </a:ext>
+            </a:extLst>
+          </p:cNvPr>
+          <p:cNvSpPr txBox="1"/>
+          <p:nvPr/>
+        </p:nvSpPr>
+        <p:spPr>
+          <a:xfrm>
+            <a:off x="1278467" y="232577"/>
+            <a:ext cx="423514" cy="523220"/>
+          </a:xfrm>
+          <a:prstGeom prst="rect">
+            <a:avLst/>
+          </a:prstGeom>
+          <a:noFill/>
+        </p:spPr>
+        <p:txBody>
+          <a:bodyPr wrap="none" rtlCol="0">
+            <a:spAutoFit/>
+          </a:bodyPr>
+          <a:lstStyle/>
+          <a:p>
+            <a:r>
+              <a:rPr lang="en-US" sz="2800" dirty="0">
+                <a:latin typeface="Helvetica" pitchFamily="2" charset="0"/>
+              </a:rPr>
+              <a:t>A</a:t>
+            </a:r>
+          </a:p>
+        </p:txBody>
+      </p:sp>
+      <p:sp>
+        <p:nvSpPr>
+          <p:cNvPr id="9" name="TextBox 8">
+            <a:extLst>
+              <a:ext uri="{FF2B5EF4-FFF2-40B4-BE49-F238E27FC236}">
+                <a16:creationId xmlns:a16="http://schemas.microsoft.com/office/drawing/2014/main" id="{836C063A-1C70-159C-4506-C0BB4C833945}"/>
+              </a:ext>
+            </a:extLst>
+          </p:cNvPr>
+          <p:cNvSpPr txBox="1"/>
+          <p:nvPr/>
+        </p:nvSpPr>
+        <p:spPr>
+          <a:xfrm>
+            <a:off x="1278467" y="3400941"/>
+            <a:ext cx="423514" cy="523220"/>
+          </a:xfrm>
+          <a:prstGeom prst="rect">
+            <a:avLst/>
+          </a:prstGeom>
+          <a:noFill/>
+        </p:spPr>
+        <p:txBody>
+          <a:bodyPr wrap="none" rtlCol="0">
+            <a:spAutoFit/>
+          </a:bodyPr>
+          <a:lstStyle/>
+          <a:p>
+            <a:r>
+              <a:rPr lang="en-US" sz="2800" dirty="0">
+                <a:latin typeface="Helvetica" pitchFamily="2" charset="0"/>
+              </a:rPr>
+              <a:t>B</a:t>
             </a:r>
           </a:p>
         </p:txBody>
@@ -9051,7 +10720,7 @@
     </p:spTree>
     <p:extLst>
       <p:ext uri="{BB962C8B-B14F-4D97-AF65-F5344CB8AC3E}">
-        <p14:creationId xmlns:p14="http://schemas.microsoft.com/office/powerpoint/2010/main" val="1587939093"/>
+        <p14:creationId xmlns:p14="http://schemas.microsoft.com/office/powerpoint/2010/main" val="2072890612"/>
       </p:ext>
     </p:extLst>
   </p:cSld>

--- a/yeast_screens/figs/Figs.pptx
+++ b/yeast_screens/figs/Figs.pptx
@@ -5,7 +5,7 @@
     <p:sldMasterId id="2147483648" r:id="rId1"/>
   </p:sldMasterIdLst>
   <p:notesMasterIdLst>
-    <p:notesMasterId r:id="rId22"/>
+    <p:notesMasterId r:id="rId21"/>
   </p:notesMasterIdLst>
   <p:sldIdLst>
     <p:sldId id="266" r:id="rId2"/>
@@ -13,21 +13,20 @@
     <p:sldId id="278" r:id="rId4"/>
     <p:sldId id="279" r:id="rId5"/>
     <p:sldId id="281" r:id="rId6"/>
-    <p:sldId id="282" r:id="rId7"/>
-    <p:sldId id="280" r:id="rId8"/>
-    <p:sldId id="272" r:id="rId9"/>
-    <p:sldId id="265" r:id="rId10"/>
-    <p:sldId id="274" r:id="rId11"/>
-    <p:sldId id="260" r:id="rId12"/>
-    <p:sldId id="262" r:id="rId13"/>
-    <p:sldId id="263" r:id="rId14"/>
-    <p:sldId id="273" r:id="rId15"/>
-    <p:sldId id="267" r:id="rId16"/>
-    <p:sldId id="268" r:id="rId17"/>
-    <p:sldId id="275" r:id="rId18"/>
-    <p:sldId id="269" r:id="rId19"/>
-    <p:sldId id="271" r:id="rId20"/>
-    <p:sldId id="270" r:id="rId21"/>
+    <p:sldId id="280" r:id="rId7"/>
+    <p:sldId id="272" r:id="rId8"/>
+    <p:sldId id="265" r:id="rId9"/>
+    <p:sldId id="274" r:id="rId10"/>
+    <p:sldId id="260" r:id="rId11"/>
+    <p:sldId id="262" r:id="rId12"/>
+    <p:sldId id="263" r:id="rId13"/>
+    <p:sldId id="273" r:id="rId14"/>
+    <p:sldId id="267" r:id="rId15"/>
+    <p:sldId id="268" r:id="rId16"/>
+    <p:sldId id="275" r:id="rId17"/>
+    <p:sldId id="269" r:id="rId18"/>
+    <p:sldId id="271" r:id="rId19"/>
+    <p:sldId id="270" r:id="rId20"/>
   </p:sldIdLst>
   <p:sldSz cx="12192000" cy="6858000"/>
   <p:notesSz cx="6858000" cy="9144000"/>
@@ -134,7 +133,7 @@
             <a:srgbClr val="A4A3A4"/>
           </p15:clr>
         </p15:guide>
-        <p15:guide id="2" pos="7320" userDrawn="1">
+        <p15:guide id="2" pos="6936" userDrawn="1">
           <p15:clr>
             <a:srgbClr val="A4A3A4"/>
           </p15:clr>
@@ -227,7 +226,7 @@
           <a:p>
             <a:fld id="{36ED59FA-786A-CA44-97E1-799C04F92917}" type="datetimeFigureOut">
               <a:rPr lang="en-US" smtClean="0"/>
-              <a:t>10/25/22</a:t>
+              <a:t>11/4/22</a:t>
             </a:fld>
             <a:endParaRPr lang="en-US"/>
           </a:p>
@@ -730,7 +729,7 @@
           <a:p>
             <a:r>
               <a:rPr lang="en-US" dirty="0"/>
-              <a:t>2020, </a:t>
+              <a:t>2020 (top), 2018 (bottom), </a:t>
             </a:r>
             <a:r>
               <a:rPr lang="en-US" dirty="0" err="1"/>
@@ -825,15 +824,94 @@
           <a:p>
             <a:r>
               <a:rPr lang="en-US" dirty="0"/>
-              <a:t>2018, </a:t>
+              <a:t>evidence of </a:t>
             </a:r>
             <a:r>
               <a:rPr lang="en-US" dirty="0" err="1"/>
-              <a:t>pval</a:t>
+              <a:t>functinally</a:t>
             </a:r>
             <a:r>
               <a:rPr lang="en-US" dirty="0"/>
-              <a:t> &lt; 1</a:t>
+              <a:t> redundant</a:t>
+            </a:r>
+          </a:p>
+          <a:p>
+            <a:r>
+              <a:rPr lang="en-US" dirty="0"/>
+              <a:t>look into these gene pairs more for story</a:t>
+            </a:r>
+          </a:p>
+          <a:p>
+            <a:endParaRPr lang="en-US" dirty="0"/>
+          </a:p>
+          <a:p>
+            <a:r>
+              <a:rPr lang="en-US" dirty="0"/>
+              <a:t>all math in </a:t>
+            </a:r>
+            <a:r>
+              <a:rPr lang="en-US" dirty="0" err="1"/>
+              <a:t>sep.</a:t>
+            </a:r>
+            <a:r>
+              <a:rPr lang="en-US" dirty="0"/>
+              <a:t> document with data reanalysis in own manuscript? multivariate </a:t>
+            </a:r>
+            <a:r>
+              <a:rPr lang="en-US" dirty="0" err="1"/>
+              <a:t>bern</a:t>
+            </a:r>
+            <a:r>
+              <a:rPr lang="en-US" dirty="0"/>
+              <a:t>. in another paper</a:t>
+            </a:r>
+          </a:p>
+          <a:p>
+            <a:endParaRPr lang="en-US" dirty="0"/>
+          </a:p>
+          <a:p>
+            <a:r>
+              <a:rPr lang="en-US" dirty="0"/>
+              <a:t>venues: PNAS? mol. </a:t>
+            </a:r>
+            <a:r>
+              <a:rPr lang="en-US" dirty="0" err="1"/>
+              <a:t>sys.bio</a:t>
+            </a:r>
+            <a:r>
+              <a:rPr lang="en-US" dirty="0"/>
+              <a:t>., </a:t>
+            </a:r>
+            <a:r>
+              <a:rPr lang="en-US" dirty="0" err="1"/>
+              <a:t>plos</a:t>
+            </a:r>
+            <a:r>
+              <a:rPr lang="en-US" dirty="0"/>
+              <a:t> comp bio</a:t>
+            </a:r>
+          </a:p>
+          <a:p>
+            <a:endParaRPr lang="en-US" dirty="0"/>
+          </a:p>
+          <a:p>
+            <a:r>
+              <a:rPr lang="en-US" dirty="0"/>
+              <a:t>drug </a:t>
+            </a:r>
+            <a:r>
+              <a:rPr lang="en-US" dirty="0" err="1"/>
+              <a:t>reponse</a:t>
+            </a:r>
+            <a:r>
+              <a:rPr lang="en-US" dirty="0"/>
+              <a:t> analysis for wider audience, other organisms with knockouts?</a:t>
+            </a:r>
+          </a:p>
+          <a:p>
+            <a:r>
+              <a:rPr lang="en-US" dirty="0"/>
+              <a:t>just run drug analyses and show they’re different</a:t>
             </a:r>
           </a:p>
         </p:txBody>
@@ -855,7 +933,7 @@
           <a:p>
             <a:fld id="{99DC428D-B8B9-9A4D-9B63-4FFB6E16CD68}" type="slidenum">
               <a:rPr lang="en-US" smtClean="0"/>
-              <a:t>6</a:t>
+              <a:t>10</a:t>
             </a:fld>
             <a:endParaRPr lang="en-US"/>
           </a:p>
@@ -864,7 +942,7 @@
     </p:spTree>
     <p:extLst>
       <p:ext uri="{BB962C8B-B14F-4D97-AF65-F5344CB8AC3E}">
-        <p14:creationId xmlns:p14="http://schemas.microsoft.com/office/powerpoint/2010/main" val="362477915"/>
+        <p14:creationId xmlns:p14="http://schemas.microsoft.com/office/powerpoint/2010/main" val="3781149296"/>
       </p:ext>
     </p:extLst>
   </p:cSld>
@@ -1029,7 +1107,7 @@
           <a:p>
             <a:fld id="{99DC428D-B8B9-9A4D-9B63-4FFB6E16CD68}" type="slidenum">
               <a:rPr lang="en-US" smtClean="0"/>
-              <a:t>11</a:t>
+              <a:t>13</a:t>
             </a:fld>
             <a:endParaRPr lang="en-US"/>
           </a:p>
@@ -1038,7 +1116,7 @@
     </p:spTree>
     <p:extLst>
       <p:ext uri="{BB962C8B-B14F-4D97-AF65-F5344CB8AC3E}">
-        <p14:creationId xmlns:p14="http://schemas.microsoft.com/office/powerpoint/2010/main" val="3781149296"/>
+        <p14:creationId xmlns:p14="http://schemas.microsoft.com/office/powerpoint/2010/main" val="1635314218"/>
       </p:ext>
     </p:extLst>
   </p:cSld>
@@ -1092,97 +1170,7 @@
           <a:bodyPr/>
           <a:lstStyle/>
           <a:p>
-            <a:r>
-              <a:rPr lang="en-US" dirty="0"/>
-              <a:t>evidence of </a:t>
-            </a:r>
-            <a:r>
-              <a:rPr lang="en-US" dirty="0" err="1"/>
-              <a:t>functinally</a:t>
-            </a:r>
-            <a:r>
-              <a:rPr lang="en-US" dirty="0"/>
-              <a:t> redundant</a:t>
-            </a:r>
-          </a:p>
-          <a:p>
-            <a:r>
-              <a:rPr lang="en-US" dirty="0"/>
-              <a:t>look into these gene pairs more for story</a:t>
-            </a:r>
-          </a:p>
-          <a:p>
             <a:endParaRPr lang="en-US" dirty="0"/>
-          </a:p>
-          <a:p>
-            <a:r>
-              <a:rPr lang="en-US" dirty="0"/>
-              <a:t>all math in </a:t>
-            </a:r>
-            <a:r>
-              <a:rPr lang="en-US" dirty="0" err="1"/>
-              <a:t>sep.</a:t>
-            </a:r>
-            <a:r>
-              <a:rPr lang="en-US" dirty="0"/>
-              <a:t> document with data reanalysis in own manuscript? multivariate </a:t>
-            </a:r>
-            <a:r>
-              <a:rPr lang="en-US" dirty="0" err="1"/>
-              <a:t>bern</a:t>
-            </a:r>
-            <a:r>
-              <a:rPr lang="en-US" dirty="0"/>
-              <a:t>. in another paper</a:t>
-            </a:r>
-          </a:p>
-          <a:p>
-            <a:endParaRPr lang="en-US" dirty="0"/>
-          </a:p>
-          <a:p>
-            <a:r>
-              <a:rPr lang="en-US" dirty="0"/>
-              <a:t>venues: PNAS? mol. </a:t>
-            </a:r>
-            <a:r>
-              <a:rPr lang="en-US" dirty="0" err="1"/>
-              <a:t>sys.bio</a:t>
-            </a:r>
-            <a:r>
-              <a:rPr lang="en-US" dirty="0"/>
-              <a:t>., </a:t>
-            </a:r>
-            <a:r>
-              <a:rPr lang="en-US" dirty="0" err="1"/>
-              <a:t>plos</a:t>
-            </a:r>
-            <a:r>
-              <a:rPr lang="en-US" dirty="0"/>
-              <a:t> comp bio</a:t>
-            </a:r>
-          </a:p>
-          <a:p>
-            <a:endParaRPr lang="en-US" dirty="0"/>
-          </a:p>
-          <a:p>
-            <a:r>
-              <a:rPr lang="en-US" dirty="0"/>
-              <a:t>drug </a:t>
-            </a:r>
-            <a:r>
-              <a:rPr lang="en-US" dirty="0" err="1"/>
-              <a:t>reponse</a:t>
-            </a:r>
-            <a:r>
-              <a:rPr lang="en-US" dirty="0"/>
-              <a:t> analysis for wider audience, other organisms with knockouts?</a:t>
-            </a:r>
-          </a:p>
-          <a:p>
-            <a:r>
-              <a:rPr lang="en-US" dirty="0"/>
-              <a:t>just run drug analyses and show they’re different</a:t>
-            </a:r>
           </a:p>
         </p:txBody>
       </p:sp>
@@ -1203,91 +1191,7 @@
           <a:p>
             <a:fld id="{99DC428D-B8B9-9A4D-9B63-4FFB6E16CD68}" type="slidenum">
               <a:rPr lang="en-US" smtClean="0"/>
-              <a:t>14</a:t>
-            </a:fld>
-            <a:endParaRPr lang="en-US"/>
-          </a:p>
-        </p:txBody>
-      </p:sp>
-    </p:spTree>
-    <p:extLst>
-      <p:ext uri="{BB962C8B-B14F-4D97-AF65-F5344CB8AC3E}">
-        <p14:creationId xmlns:p14="http://schemas.microsoft.com/office/powerpoint/2010/main" val="1635314218"/>
-      </p:ext>
-    </p:extLst>
-  </p:cSld>
-  <p:clrMapOvr>
-    <a:masterClrMapping/>
-  </p:clrMapOvr>
-</p:notes>
-</file>
-
-<file path=ppt/notesSlides/notesSlide7.xml><?xml version="1.0" encoding="utf-8"?>
-<p:notes xmlns:a="http://schemas.openxmlformats.org/drawingml/2006/main" xmlns:r="http://schemas.openxmlformats.org/officeDocument/2006/relationships" xmlns:p="http://schemas.openxmlformats.org/presentationml/2006/main">
-  <p:cSld>
-    <p:spTree>
-      <p:nvGrpSpPr>
-        <p:cNvPr id="1" name=""/>
-        <p:cNvGrpSpPr/>
-        <p:nvPr/>
-      </p:nvGrpSpPr>
-      <p:grpSpPr>
-        <a:xfrm>
-          <a:off x="0" y="0"/>
-          <a:ext cx="0" cy="0"/>
-          <a:chOff x="0" y="0"/>
-          <a:chExt cx="0" cy="0"/>
-        </a:xfrm>
-      </p:grpSpPr>
-      <p:sp>
-        <p:nvSpPr>
-          <p:cNvPr id="2" name="Slide Image Placeholder 1"/>
-          <p:cNvSpPr>
-            <a:spLocks noGrp="1" noRot="1" noChangeAspect="1"/>
-          </p:cNvSpPr>
-          <p:nvPr>
-            <p:ph type="sldImg"/>
-          </p:nvPr>
-        </p:nvSpPr>
-        <p:spPr/>
-      </p:sp>
-      <p:sp>
-        <p:nvSpPr>
-          <p:cNvPr id="3" name="Notes Placeholder 2"/>
-          <p:cNvSpPr>
-            <a:spLocks noGrp="1"/>
-          </p:cNvSpPr>
-          <p:nvPr>
-            <p:ph type="body" idx="1"/>
-          </p:nvPr>
-        </p:nvSpPr>
-        <p:spPr/>
-        <p:txBody>
-          <a:bodyPr/>
-          <a:lstStyle/>
-          <a:p>
-            <a:endParaRPr lang="en-US" dirty="0"/>
-          </a:p>
-        </p:txBody>
-      </p:sp>
-      <p:sp>
-        <p:nvSpPr>
-          <p:cNvPr id="4" name="Slide Number Placeholder 3"/>
-          <p:cNvSpPr>
-            <a:spLocks noGrp="1"/>
-          </p:cNvSpPr>
-          <p:nvPr>
-            <p:ph type="sldNum" sz="quarter" idx="5"/>
-          </p:nvPr>
-        </p:nvSpPr>
-        <p:spPr/>
-        <p:txBody>
-          <a:bodyPr/>
-          <a:lstStyle/>
-          <a:p>
-            <a:fld id="{99DC428D-B8B9-9A4D-9B63-4FFB6E16CD68}" type="slidenum">
-              <a:rPr lang="en-US" smtClean="0"/>
-              <a:t>20</a:t>
+              <a:t>19</a:t>
             </a:fld>
             <a:endParaRPr lang="en-US"/>
           </a:p>
@@ -1453,7 +1357,7 @@
           <a:p>
             <a:fld id="{603DBC62-F765-EF46-81A2-1D333B03ED06}" type="datetimeFigureOut">
               <a:rPr lang="en-US" smtClean="0"/>
-              <a:t>10/25/22</a:t>
+              <a:t>11/4/22</a:t>
             </a:fld>
             <a:endParaRPr lang="en-US"/>
           </a:p>
@@ -1651,7 +1555,7 @@
           <a:p>
             <a:fld id="{603DBC62-F765-EF46-81A2-1D333B03ED06}" type="datetimeFigureOut">
               <a:rPr lang="en-US" smtClean="0"/>
-              <a:t>10/25/22</a:t>
+              <a:t>11/4/22</a:t>
             </a:fld>
             <a:endParaRPr lang="en-US"/>
           </a:p>
@@ -1859,7 +1763,7 @@
           <a:p>
             <a:fld id="{603DBC62-F765-EF46-81A2-1D333B03ED06}" type="datetimeFigureOut">
               <a:rPr lang="en-US" smtClean="0"/>
-              <a:t>10/25/22</a:t>
+              <a:t>11/4/22</a:t>
             </a:fld>
             <a:endParaRPr lang="en-US"/>
           </a:p>
@@ -2057,7 +1961,7 @@
           <a:p>
             <a:fld id="{603DBC62-F765-EF46-81A2-1D333B03ED06}" type="datetimeFigureOut">
               <a:rPr lang="en-US" smtClean="0"/>
-              <a:t>10/25/22</a:t>
+              <a:t>11/4/22</a:t>
             </a:fld>
             <a:endParaRPr lang="en-US"/>
           </a:p>
@@ -2332,7 +2236,7 @@
           <a:p>
             <a:fld id="{603DBC62-F765-EF46-81A2-1D333B03ED06}" type="datetimeFigureOut">
               <a:rPr lang="en-US" smtClean="0"/>
-              <a:t>10/25/22</a:t>
+              <a:t>11/4/22</a:t>
             </a:fld>
             <a:endParaRPr lang="en-US"/>
           </a:p>
@@ -2597,7 +2501,7 @@
           <a:p>
             <a:fld id="{603DBC62-F765-EF46-81A2-1D333B03ED06}" type="datetimeFigureOut">
               <a:rPr lang="en-US" smtClean="0"/>
-              <a:t>10/25/22</a:t>
+              <a:t>11/4/22</a:t>
             </a:fld>
             <a:endParaRPr lang="en-US"/>
           </a:p>
@@ -3009,7 +2913,7 @@
           <a:p>
             <a:fld id="{603DBC62-F765-EF46-81A2-1D333B03ED06}" type="datetimeFigureOut">
               <a:rPr lang="en-US" smtClean="0"/>
-              <a:t>10/25/22</a:t>
+              <a:t>11/4/22</a:t>
             </a:fld>
             <a:endParaRPr lang="en-US"/>
           </a:p>
@@ -3150,7 +3054,7 @@
           <a:p>
             <a:fld id="{603DBC62-F765-EF46-81A2-1D333B03ED06}" type="datetimeFigureOut">
               <a:rPr lang="en-US" smtClean="0"/>
-              <a:t>10/25/22</a:t>
+              <a:t>11/4/22</a:t>
             </a:fld>
             <a:endParaRPr lang="en-US"/>
           </a:p>
@@ -3263,7 +3167,7 @@
           <a:p>
             <a:fld id="{603DBC62-F765-EF46-81A2-1D333B03ED06}" type="datetimeFigureOut">
               <a:rPr lang="en-US" smtClean="0"/>
-              <a:t>10/25/22</a:t>
+              <a:t>11/4/22</a:t>
             </a:fld>
             <a:endParaRPr lang="en-US"/>
           </a:p>
@@ -3574,7 +3478,7 @@
           <a:p>
             <a:fld id="{603DBC62-F765-EF46-81A2-1D333B03ED06}" type="datetimeFigureOut">
               <a:rPr lang="en-US" smtClean="0"/>
-              <a:t>10/25/22</a:t>
+              <a:t>11/4/22</a:t>
             </a:fld>
             <a:endParaRPr lang="en-US"/>
           </a:p>
@@ -3862,7 +3766,7 @@
           <a:p>
             <a:fld id="{603DBC62-F765-EF46-81A2-1D333B03ED06}" type="datetimeFigureOut">
               <a:rPr lang="en-US" smtClean="0"/>
-              <a:t>10/25/22</a:t>
+              <a:t>11/4/22</a:t>
             </a:fld>
             <a:endParaRPr lang="en-US"/>
           </a:p>
@@ -4103,7 +4007,7 @@
           <a:p>
             <a:fld id="{603DBC62-F765-EF46-81A2-1D333B03ED06}" type="datetimeFigureOut">
               <a:rPr lang="en-US" smtClean="0"/>
-              <a:t>10/25/22</a:t>
+              <a:t>11/4/22</a:t>
             </a:fld>
             <a:endParaRPr lang="en-US"/>
           </a:p>
@@ -4568,254 +4472,6 @@
 <file path=ppt/slides/slide10.xml><?xml version="1.0" encoding="utf-8"?>
 <p:sld xmlns:a="http://schemas.openxmlformats.org/drawingml/2006/main" xmlns:r="http://schemas.openxmlformats.org/officeDocument/2006/relationships" xmlns:p="http://schemas.openxmlformats.org/presentationml/2006/main">
   <p:cSld>
-    <p:bg>
-      <p:bgPr>
-        <a:solidFill>
-          <a:schemeClr val="bg1">
-            <a:alpha val="47177"/>
-          </a:schemeClr>
-        </a:solidFill>
-        <a:effectLst/>
-      </p:bgPr>
-    </p:bg>
-    <p:spTree>
-      <p:nvGrpSpPr>
-        <p:cNvPr id="1" name=""/>
-        <p:cNvGrpSpPr/>
-        <p:nvPr/>
-      </p:nvGrpSpPr>
-      <p:grpSpPr>
-        <a:xfrm>
-          <a:off x="0" y="0"/>
-          <a:ext cx="0" cy="0"/>
-          <a:chOff x="0" y="0"/>
-          <a:chExt cx="0" cy="0"/>
-        </a:xfrm>
-      </p:grpSpPr>
-      <p:sp>
-        <p:nvSpPr>
-          <p:cNvPr id="17" name="TextBox 16">
-            <a:extLst>
-              <a:ext uri="{FF2B5EF4-FFF2-40B4-BE49-F238E27FC236}">
-                <a16:creationId xmlns:a16="http://schemas.microsoft.com/office/drawing/2014/main" id="{CCC06B6F-0619-968C-F2AC-9F22B08985E1}"/>
-              </a:ext>
-            </a:extLst>
-          </p:cNvPr>
-          <p:cNvSpPr txBox="1"/>
-          <p:nvPr/>
-        </p:nvSpPr>
-        <p:spPr>
-          <a:xfrm>
-            <a:off x="2788668" y="374274"/>
-            <a:ext cx="1518364" cy="369332"/>
-          </a:xfrm>
-          <a:prstGeom prst="rect">
-            <a:avLst/>
-          </a:prstGeom>
-          <a:noFill/>
-        </p:spPr>
-        <p:txBody>
-          <a:bodyPr wrap="none" rtlCol="0">
-            <a:spAutoFit/>
-          </a:bodyPr>
-          <a:lstStyle/>
-          <a:p>
-            <a:r>
-              <a:rPr lang="en-US" dirty="0">
-                <a:latin typeface="Helvetica" pitchFamily="2" charset="0"/>
-              </a:rPr>
-              <a:t>2020 dataset</a:t>
-            </a:r>
-          </a:p>
-        </p:txBody>
-      </p:sp>
-      <p:pic>
-        <p:nvPicPr>
-          <p:cNvPr id="3" name="Picture 2">
-            <a:extLst>
-              <a:ext uri="{FF2B5EF4-FFF2-40B4-BE49-F238E27FC236}">
-                <a16:creationId xmlns:a16="http://schemas.microsoft.com/office/drawing/2014/main" id="{22221BA4-244B-45E6-B8A1-1CF7D505B605}"/>
-              </a:ext>
-            </a:extLst>
-          </p:cNvPr>
-          <p:cNvPicPr>
-            <a:picLocks noChangeAspect="1"/>
-          </p:cNvPicPr>
-          <p:nvPr/>
-        </p:nvPicPr>
-        <p:blipFill>
-          <a:blip r:embed="rId2"/>
-          <a:stretch>
-            <a:fillRect/>
-          </a:stretch>
-        </p:blipFill>
-        <p:spPr>
-          <a:xfrm>
-            <a:off x="1456904" y="838200"/>
-            <a:ext cx="4202128" cy="2651760"/>
-          </a:xfrm>
-          <a:prstGeom prst="rect">
-            <a:avLst/>
-          </a:prstGeom>
-        </p:spPr>
-      </p:pic>
-      <p:sp>
-        <p:nvSpPr>
-          <p:cNvPr id="4" name="TextBox 3">
-            <a:extLst>
-              <a:ext uri="{FF2B5EF4-FFF2-40B4-BE49-F238E27FC236}">
-                <a16:creationId xmlns:a16="http://schemas.microsoft.com/office/drawing/2014/main" id="{02F4BFEF-9FDE-CE72-2285-A609EF0B0F98}"/>
-              </a:ext>
-            </a:extLst>
-          </p:cNvPr>
-          <p:cNvSpPr txBox="1"/>
-          <p:nvPr/>
-        </p:nvSpPr>
-        <p:spPr>
-          <a:xfrm>
-            <a:off x="2784118" y="3522761"/>
-            <a:ext cx="1518364" cy="369332"/>
-          </a:xfrm>
-          <a:prstGeom prst="rect">
-            <a:avLst/>
-          </a:prstGeom>
-          <a:noFill/>
-        </p:spPr>
-        <p:txBody>
-          <a:bodyPr wrap="none" rtlCol="0">
-            <a:spAutoFit/>
-          </a:bodyPr>
-          <a:lstStyle/>
-          <a:p>
-            <a:r>
-              <a:rPr lang="en-US" dirty="0">
-                <a:latin typeface="Helvetica" pitchFamily="2" charset="0"/>
-              </a:rPr>
-              <a:t>2018 dataset</a:t>
-            </a:r>
-          </a:p>
-        </p:txBody>
-      </p:sp>
-      <p:pic>
-        <p:nvPicPr>
-          <p:cNvPr id="8" name="Picture 7">
-            <a:extLst>
-              <a:ext uri="{FF2B5EF4-FFF2-40B4-BE49-F238E27FC236}">
-                <a16:creationId xmlns:a16="http://schemas.microsoft.com/office/drawing/2014/main" id="{D86BCBC5-DC90-7C81-24DD-81F7F747269A}"/>
-              </a:ext>
-            </a:extLst>
-          </p:cNvPr>
-          <p:cNvPicPr>
-            <a:picLocks noChangeAspect="1"/>
-          </p:cNvPicPr>
-          <p:nvPr/>
-        </p:nvPicPr>
-        <p:blipFill>
-          <a:blip r:embed="rId3"/>
-          <a:stretch>
-            <a:fillRect/>
-          </a:stretch>
-        </p:blipFill>
-        <p:spPr>
-          <a:xfrm>
-            <a:off x="1386752" y="3973663"/>
-            <a:ext cx="4272280" cy="2651760"/>
-          </a:xfrm>
-          <a:prstGeom prst="rect">
-            <a:avLst/>
-          </a:prstGeom>
-        </p:spPr>
-      </p:pic>
-      <p:sp>
-        <p:nvSpPr>
-          <p:cNvPr id="9" name="TextBox 8">
-            <a:extLst>
-              <a:ext uri="{FF2B5EF4-FFF2-40B4-BE49-F238E27FC236}">
-                <a16:creationId xmlns:a16="http://schemas.microsoft.com/office/drawing/2014/main" id="{35236A05-BC21-D248-80D5-123EC22E62C7}"/>
-              </a:ext>
-            </a:extLst>
-          </p:cNvPr>
-          <p:cNvSpPr txBox="1"/>
-          <p:nvPr/>
-        </p:nvSpPr>
-        <p:spPr>
-          <a:xfrm>
-            <a:off x="1278467" y="232577"/>
-            <a:ext cx="423514" cy="523220"/>
-          </a:xfrm>
-          <a:prstGeom prst="rect">
-            <a:avLst/>
-          </a:prstGeom>
-          <a:noFill/>
-        </p:spPr>
-        <p:txBody>
-          <a:bodyPr wrap="none" rtlCol="0">
-            <a:spAutoFit/>
-          </a:bodyPr>
-          <a:lstStyle/>
-          <a:p>
-            <a:r>
-              <a:rPr lang="en-US" sz="2800" dirty="0">
-                <a:latin typeface="Helvetica" pitchFamily="2" charset="0"/>
-              </a:rPr>
-              <a:t>A</a:t>
-            </a:r>
-          </a:p>
-        </p:txBody>
-      </p:sp>
-      <p:sp>
-        <p:nvSpPr>
-          <p:cNvPr id="11" name="TextBox 10">
-            <a:extLst>
-              <a:ext uri="{FF2B5EF4-FFF2-40B4-BE49-F238E27FC236}">
-                <a16:creationId xmlns:a16="http://schemas.microsoft.com/office/drawing/2014/main" id="{3D61AE7B-C40B-10EB-BCE7-55ED273E64AE}"/>
-              </a:ext>
-            </a:extLst>
-          </p:cNvPr>
-          <p:cNvSpPr txBox="1"/>
-          <p:nvPr/>
-        </p:nvSpPr>
-        <p:spPr>
-          <a:xfrm>
-            <a:off x="1278467" y="3400941"/>
-            <a:ext cx="423514" cy="523220"/>
-          </a:xfrm>
-          <a:prstGeom prst="rect">
-            <a:avLst/>
-          </a:prstGeom>
-          <a:noFill/>
-        </p:spPr>
-        <p:txBody>
-          <a:bodyPr wrap="none" rtlCol="0">
-            <a:spAutoFit/>
-          </a:bodyPr>
-          <a:lstStyle/>
-          <a:p>
-            <a:r>
-              <a:rPr lang="en-US" sz="2800" dirty="0">
-                <a:latin typeface="Helvetica" pitchFamily="2" charset="0"/>
-              </a:rPr>
-              <a:t>B</a:t>
-            </a:r>
-          </a:p>
-        </p:txBody>
-      </p:sp>
-    </p:spTree>
-    <p:extLst>
-      <p:ext uri="{BB962C8B-B14F-4D97-AF65-F5344CB8AC3E}">
-        <p14:creationId xmlns:p14="http://schemas.microsoft.com/office/powerpoint/2010/main" val="1852369774"/>
-      </p:ext>
-    </p:extLst>
-  </p:cSld>
-  <p:clrMapOvr>
-    <a:masterClrMapping/>
-  </p:clrMapOvr>
-</p:sld>
-</file>
-
-<file path=ppt/slides/slide11.xml><?xml version="1.0" encoding="utf-8"?>
-<p:sld xmlns:a="http://schemas.openxmlformats.org/drawingml/2006/main" xmlns:r="http://schemas.openxmlformats.org/officeDocument/2006/relationships" xmlns:p="http://schemas.openxmlformats.org/presentationml/2006/main">
-  <p:cSld>
     <p:spTree>
       <p:nvGrpSpPr>
         <p:cNvPr id="1" name=""/>
@@ -5380,7 +5036,7 @@
 </p:sld>
 </file>
 
-<file path=ppt/slides/slide12.xml><?xml version="1.0" encoding="utf-8"?>
+<file path=ppt/slides/slide11.xml><?xml version="1.0" encoding="utf-8"?>
 <p:sld xmlns:a="http://schemas.openxmlformats.org/drawingml/2006/main" xmlns:r="http://schemas.openxmlformats.org/officeDocument/2006/relationships" xmlns:p="http://schemas.openxmlformats.org/presentationml/2006/main">
   <p:cSld>
     <p:spTree>
@@ -5702,7 +5358,7 @@
 </p:sld>
 </file>
 
-<file path=ppt/slides/slide13.xml><?xml version="1.0" encoding="utf-8"?>
+<file path=ppt/slides/slide12.xml><?xml version="1.0" encoding="utf-8"?>
 <p:sld xmlns:a="http://schemas.openxmlformats.org/drawingml/2006/main" xmlns:r="http://schemas.openxmlformats.org/officeDocument/2006/relationships" xmlns:p="http://schemas.openxmlformats.org/presentationml/2006/main">
   <p:cSld>
     <p:spTree>
@@ -6074,7 +5730,7 @@
 </p:sld>
 </file>
 
-<file path=ppt/slides/slide14.xml><?xml version="1.0" encoding="utf-8"?>
+<file path=ppt/slides/slide13.xml><?xml version="1.0" encoding="utf-8"?>
 <p:sld xmlns:a="http://schemas.openxmlformats.org/drawingml/2006/main" xmlns:r="http://schemas.openxmlformats.org/officeDocument/2006/relationships" xmlns:p="http://schemas.openxmlformats.org/presentationml/2006/main">
   <p:cSld>
     <p:spTree>
@@ -7120,7 +6776,7 @@
 </p:sld>
 </file>
 
-<file path=ppt/slides/slide15.xml><?xml version="1.0" encoding="utf-8"?>
+<file path=ppt/slides/slide14.xml><?xml version="1.0" encoding="utf-8"?>
 <p:sld xmlns:a="http://schemas.openxmlformats.org/drawingml/2006/main" xmlns:r="http://schemas.openxmlformats.org/officeDocument/2006/relationships" xmlns:p="http://schemas.openxmlformats.org/presentationml/2006/main">
   <p:cSld>
     <p:spTree>
@@ -7182,7 +6838,7 @@
 </p:sld>
 </file>
 
-<file path=ppt/slides/slide16.xml><?xml version="1.0" encoding="utf-8"?>
+<file path=ppt/slides/slide15.xml><?xml version="1.0" encoding="utf-8"?>
 <p:sld xmlns:a="http://schemas.openxmlformats.org/drawingml/2006/main" xmlns:r="http://schemas.openxmlformats.org/officeDocument/2006/relationships" xmlns:p="http://schemas.openxmlformats.org/presentationml/2006/main">
   <p:cSld>
     <p:bg>
@@ -7430,7 +7086,7 @@
 </p:sld>
 </file>
 
-<file path=ppt/slides/slide17.xml><?xml version="1.0" encoding="utf-8"?>
+<file path=ppt/slides/slide16.xml><?xml version="1.0" encoding="utf-8"?>
 <p:sld xmlns:a="http://schemas.openxmlformats.org/drawingml/2006/main" xmlns:r="http://schemas.openxmlformats.org/officeDocument/2006/relationships" xmlns:p="http://schemas.openxmlformats.org/presentationml/2006/main">
   <p:cSld>
     <p:bg>
@@ -7854,7 +7510,7 @@
 </p:sld>
 </file>
 
-<file path=ppt/slides/slide18.xml><?xml version="1.0" encoding="utf-8"?>
+<file path=ppt/slides/slide17.xml><?xml version="1.0" encoding="utf-8"?>
 <p:sld xmlns:a="http://schemas.openxmlformats.org/drawingml/2006/main" xmlns:r="http://schemas.openxmlformats.org/officeDocument/2006/relationships" xmlns:p="http://schemas.openxmlformats.org/presentationml/2006/main">
   <p:cSld>
     <p:spTree>
@@ -8092,7 +7748,7 @@
 </p:sld>
 </file>
 
-<file path=ppt/slides/slide19.xml><?xml version="1.0" encoding="utf-8"?>
+<file path=ppt/slides/slide18.xml><?xml version="1.0" encoding="utf-8"?>
 <p:sld xmlns:a="http://schemas.openxmlformats.org/drawingml/2006/main" xmlns:r="http://schemas.openxmlformats.org/officeDocument/2006/relationships" xmlns:p="http://schemas.openxmlformats.org/presentationml/2006/main">
   <p:cSld>
     <p:spTree>
@@ -8372,315 +8028,7 @@
 </p:sld>
 </file>
 
-<file path=ppt/slides/slide2.xml><?xml version="1.0" encoding="utf-8"?>
-<p:sld xmlns:a="http://schemas.openxmlformats.org/drawingml/2006/main" xmlns:r="http://schemas.openxmlformats.org/officeDocument/2006/relationships" xmlns:p="http://schemas.openxmlformats.org/presentationml/2006/main">
-  <p:cSld>
-    <p:bg>
-      <p:bgPr>
-        <a:solidFill>
-          <a:schemeClr val="bg1">
-            <a:alpha val="47177"/>
-          </a:schemeClr>
-        </a:solidFill>
-        <a:effectLst/>
-      </p:bgPr>
-    </p:bg>
-    <p:spTree>
-      <p:nvGrpSpPr>
-        <p:cNvPr id="1" name=""/>
-        <p:cNvGrpSpPr/>
-        <p:nvPr/>
-      </p:nvGrpSpPr>
-      <p:grpSpPr>
-        <a:xfrm>
-          <a:off x="0" y="0"/>
-          <a:ext cx="0" cy="0"/>
-          <a:chOff x="0" y="0"/>
-          <a:chExt cx="0" cy="0"/>
-        </a:xfrm>
-      </p:grpSpPr>
-      <p:pic>
-        <p:nvPicPr>
-          <p:cNvPr id="6" name="Picture 5">
-            <a:extLst>
-              <a:ext uri="{FF2B5EF4-FFF2-40B4-BE49-F238E27FC236}">
-                <a16:creationId xmlns:a16="http://schemas.microsoft.com/office/drawing/2014/main" id="{B2BEB89D-6B6C-9464-D7D1-C84F6C3FEB10}"/>
-              </a:ext>
-            </a:extLst>
-          </p:cNvPr>
-          <p:cNvPicPr>
-            <a:picLocks noChangeAspect="1"/>
-          </p:cNvPicPr>
-          <p:nvPr/>
-        </p:nvPicPr>
-        <p:blipFill>
-          <a:blip r:embed="rId3"/>
-          <a:stretch>
-            <a:fillRect/>
-          </a:stretch>
-        </p:blipFill>
-        <p:spPr>
-          <a:xfrm>
-            <a:off x="1562281" y="900697"/>
-            <a:ext cx="3590382" cy="2734056"/>
-          </a:xfrm>
-          <a:prstGeom prst="rect">
-            <a:avLst/>
-          </a:prstGeom>
-        </p:spPr>
-      </p:pic>
-      <p:sp>
-        <p:nvSpPr>
-          <p:cNvPr id="9" name="TextBox 8">
-            <a:extLst>
-              <a:ext uri="{FF2B5EF4-FFF2-40B4-BE49-F238E27FC236}">
-                <a16:creationId xmlns:a16="http://schemas.microsoft.com/office/drawing/2014/main" id="{35236A05-BC21-D248-80D5-123EC22E62C7}"/>
-              </a:ext>
-            </a:extLst>
-          </p:cNvPr>
-          <p:cNvSpPr txBox="1"/>
-          <p:nvPr/>
-        </p:nvSpPr>
-        <p:spPr>
-          <a:xfrm>
-            <a:off x="1202267" y="428624"/>
-            <a:ext cx="423514" cy="523220"/>
-          </a:xfrm>
-          <a:prstGeom prst="rect">
-            <a:avLst/>
-          </a:prstGeom>
-          <a:noFill/>
-        </p:spPr>
-        <p:txBody>
-          <a:bodyPr wrap="none" rtlCol="0">
-            <a:spAutoFit/>
-          </a:bodyPr>
-          <a:lstStyle/>
-          <a:p>
-            <a:r>
-              <a:rPr lang="en-US" sz="2800" dirty="0">
-                <a:latin typeface="Helvetica" pitchFamily="2" charset="0"/>
-              </a:rPr>
-              <a:t>A</a:t>
-            </a:r>
-          </a:p>
-        </p:txBody>
-      </p:sp>
-      <p:sp>
-        <p:nvSpPr>
-          <p:cNvPr id="17" name="TextBox 16">
-            <a:extLst>
-              <a:ext uri="{FF2B5EF4-FFF2-40B4-BE49-F238E27FC236}">
-                <a16:creationId xmlns:a16="http://schemas.microsoft.com/office/drawing/2014/main" id="{29CA4FDA-86DA-8D53-6BCF-0F0A9B85EA6F}"/>
-              </a:ext>
-            </a:extLst>
-          </p:cNvPr>
-          <p:cNvSpPr txBox="1"/>
-          <p:nvPr/>
-        </p:nvSpPr>
-        <p:spPr>
-          <a:xfrm>
-            <a:off x="5482167" y="428624"/>
-            <a:ext cx="423514" cy="523220"/>
-          </a:xfrm>
-          <a:prstGeom prst="rect">
-            <a:avLst/>
-          </a:prstGeom>
-          <a:noFill/>
-        </p:spPr>
-        <p:txBody>
-          <a:bodyPr wrap="none" rtlCol="0">
-            <a:spAutoFit/>
-          </a:bodyPr>
-          <a:lstStyle/>
-          <a:p>
-            <a:r>
-              <a:rPr lang="en-US" sz="2800" dirty="0">
-                <a:latin typeface="Helvetica" pitchFamily="2" charset="0"/>
-              </a:rPr>
-              <a:t>B</a:t>
-            </a:r>
-          </a:p>
-        </p:txBody>
-      </p:sp>
-      <p:sp>
-        <p:nvSpPr>
-          <p:cNvPr id="21" name="TextBox 20">
-            <a:extLst>
-              <a:ext uri="{FF2B5EF4-FFF2-40B4-BE49-F238E27FC236}">
-                <a16:creationId xmlns:a16="http://schemas.microsoft.com/office/drawing/2014/main" id="{03E6A80F-F1C4-B01B-785C-B3FC4D23F18B}"/>
-              </a:ext>
-            </a:extLst>
-          </p:cNvPr>
-          <p:cNvSpPr txBox="1"/>
-          <p:nvPr/>
-        </p:nvSpPr>
-        <p:spPr>
-          <a:xfrm>
-            <a:off x="1202267" y="3620833"/>
-            <a:ext cx="444352" cy="523220"/>
-          </a:xfrm>
-          <a:prstGeom prst="rect">
-            <a:avLst/>
-          </a:prstGeom>
-          <a:noFill/>
-        </p:spPr>
-        <p:txBody>
-          <a:bodyPr wrap="none" rtlCol="0">
-            <a:spAutoFit/>
-          </a:bodyPr>
-          <a:lstStyle/>
-          <a:p>
-            <a:r>
-              <a:rPr lang="en-US" sz="2800" dirty="0">
-                <a:latin typeface="Helvetica" pitchFamily="2" charset="0"/>
-              </a:rPr>
-              <a:t>C</a:t>
-            </a:r>
-          </a:p>
-        </p:txBody>
-      </p:sp>
-      <p:sp>
-        <p:nvSpPr>
-          <p:cNvPr id="22" name="TextBox 21">
-            <a:extLst>
-              <a:ext uri="{FF2B5EF4-FFF2-40B4-BE49-F238E27FC236}">
-                <a16:creationId xmlns:a16="http://schemas.microsoft.com/office/drawing/2014/main" id="{89284462-F515-3D54-3814-E9237D7FA32E}"/>
-              </a:ext>
-            </a:extLst>
-          </p:cNvPr>
-          <p:cNvSpPr txBox="1"/>
-          <p:nvPr/>
-        </p:nvSpPr>
-        <p:spPr>
-          <a:xfrm>
-            <a:off x="5482167" y="3620833"/>
-            <a:ext cx="444352" cy="523220"/>
-          </a:xfrm>
-          <a:prstGeom prst="rect">
-            <a:avLst/>
-          </a:prstGeom>
-          <a:noFill/>
-        </p:spPr>
-        <p:txBody>
-          <a:bodyPr wrap="none" rtlCol="0">
-            <a:spAutoFit/>
-          </a:bodyPr>
-          <a:lstStyle/>
-          <a:p>
-            <a:r>
-              <a:rPr lang="en-US" sz="2800" dirty="0">
-                <a:latin typeface="Helvetica" pitchFamily="2" charset="0"/>
-              </a:rPr>
-              <a:t>D</a:t>
-            </a:r>
-          </a:p>
-        </p:txBody>
-      </p:sp>
-      <p:pic>
-        <p:nvPicPr>
-          <p:cNvPr id="23" name="Picture 22">
-            <a:extLst>
-              <a:ext uri="{FF2B5EF4-FFF2-40B4-BE49-F238E27FC236}">
-                <a16:creationId xmlns:a16="http://schemas.microsoft.com/office/drawing/2014/main" id="{3BA46C0B-01BD-5F72-573E-A3B1C35BA3BD}"/>
-              </a:ext>
-            </a:extLst>
-          </p:cNvPr>
-          <p:cNvPicPr>
-            <a:picLocks noChangeAspect="1"/>
-          </p:cNvPicPr>
-          <p:nvPr/>
-        </p:nvPicPr>
-        <p:blipFill>
-          <a:blip r:embed="rId4"/>
-          <a:stretch>
-            <a:fillRect/>
-          </a:stretch>
-        </p:blipFill>
-        <p:spPr>
-          <a:xfrm>
-            <a:off x="1424443" y="4159531"/>
-            <a:ext cx="4154958" cy="2734056"/>
-          </a:xfrm>
-          <a:prstGeom prst="rect">
-            <a:avLst/>
-          </a:prstGeom>
-        </p:spPr>
-      </p:pic>
-      <p:pic>
-        <p:nvPicPr>
-          <p:cNvPr id="25" name="Picture 24">
-            <a:extLst>
-              <a:ext uri="{FF2B5EF4-FFF2-40B4-BE49-F238E27FC236}">
-                <a16:creationId xmlns:a16="http://schemas.microsoft.com/office/drawing/2014/main" id="{DD0BE1B3-20E6-E787-0D14-BDDA23CEC145}"/>
-              </a:ext>
-            </a:extLst>
-          </p:cNvPr>
-          <p:cNvPicPr>
-            <a:picLocks noChangeAspect="1"/>
-          </p:cNvPicPr>
-          <p:nvPr/>
-        </p:nvPicPr>
-        <p:blipFill>
-          <a:blip r:embed="rId5"/>
-          <a:stretch>
-            <a:fillRect/>
-          </a:stretch>
-        </p:blipFill>
-        <p:spPr>
-          <a:xfrm>
-            <a:off x="5926519" y="3940077"/>
-            <a:ext cx="4216400" cy="2949089"/>
-          </a:xfrm>
-          <a:prstGeom prst="rect">
-            <a:avLst/>
-          </a:prstGeom>
-        </p:spPr>
-      </p:pic>
-      <p:pic>
-        <p:nvPicPr>
-          <p:cNvPr id="26" name="Picture 25">
-            <a:extLst>
-              <a:ext uri="{FF2B5EF4-FFF2-40B4-BE49-F238E27FC236}">
-                <a16:creationId xmlns:a16="http://schemas.microsoft.com/office/drawing/2014/main" id="{BB60EC04-4302-149B-5167-FF0AC06A3635}"/>
-              </a:ext>
-            </a:extLst>
-          </p:cNvPr>
-          <p:cNvPicPr>
-            <a:picLocks noChangeAspect="1"/>
-          </p:cNvPicPr>
-          <p:nvPr/>
-        </p:nvPicPr>
-        <p:blipFill>
-          <a:blip r:embed="rId6"/>
-          <a:stretch>
-            <a:fillRect/>
-          </a:stretch>
-        </p:blipFill>
-        <p:spPr>
-          <a:xfrm>
-            <a:off x="6502400" y="428624"/>
-            <a:ext cx="3422650" cy="3422650"/>
-          </a:xfrm>
-          <a:prstGeom prst="rect">
-            <a:avLst/>
-          </a:prstGeom>
-        </p:spPr>
-      </p:pic>
-    </p:spTree>
-    <p:extLst>
-      <p:ext uri="{BB962C8B-B14F-4D97-AF65-F5344CB8AC3E}">
-        <p14:creationId xmlns:p14="http://schemas.microsoft.com/office/powerpoint/2010/main" val="3614396888"/>
-      </p:ext>
-    </p:extLst>
-  </p:cSld>
-  <p:clrMapOvr>
-    <a:masterClrMapping/>
-  </p:clrMapOvr>
-</p:sld>
-</file>
-
-<file path=ppt/slides/slide20.xml><?xml version="1.0" encoding="utf-8"?>
+<file path=ppt/slides/slide19.xml><?xml version="1.0" encoding="utf-8"?>
 <p:sld xmlns:a="http://schemas.openxmlformats.org/drawingml/2006/main" xmlns:r="http://schemas.openxmlformats.org/officeDocument/2006/relationships" xmlns:p="http://schemas.openxmlformats.org/presentationml/2006/main">
   <p:cSld>
     <p:spTree>
@@ -9218,6 +8566,314 @@
     <p:extLst>
       <p:ext uri="{BB962C8B-B14F-4D97-AF65-F5344CB8AC3E}">
         <p14:creationId xmlns:p14="http://schemas.microsoft.com/office/powerpoint/2010/main" val="169818959"/>
+      </p:ext>
+    </p:extLst>
+  </p:cSld>
+  <p:clrMapOvr>
+    <a:masterClrMapping/>
+  </p:clrMapOvr>
+</p:sld>
+</file>
+
+<file path=ppt/slides/slide2.xml><?xml version="1.0" encoding="utf-8"?>
+<p:sld xmlns:a="http://schemas.openxmlformats.org/drawingml/2006/main" xmlns:r="http://schemas.openxmlformats.org/officeDocument/2006/relationships" xmlns:p="http://schemas.openxmlformats.org/presentationml/2006/main">
+  <p:cSld>
+    <p:bg>
+      <p:bgPr>
+        <a:solidFill>
+          <a:schemeClr val="bg1">
+            <a:alpha val="47177"/>
+          </a:schemeClr>
+        </a:solidFill>
+        <a:effectLst/>
+      </p:bgPr>
+    </p:bg>
+    <p:spTree>
+      <p:nvGrpSpPr>
+        <p:cNvPr id="1" name=""/>
+        <p:cNvGrpSpPr/>
+        <p:nvPr/>
+      </p:nvGrpSpPr>
+      <p:grpSpPr>
+        <a:xfrm>
+          <a:off x="0" y="0"/>
+          <a:ext cx="0" cy="0"/>
+          <a:chOff x="0" y="0"/>
+          <a:chExt cx="0" cy="0"/>
+        </a:xfrm>
+      </p:grpSpPr>
+      <p:pic>
+        <p:nvPicPr>
+          <p:cNvPr id="6" name="Picture 5">
+            <a:extLst>
+              <a:ext uri="{FF2B5EF4-FFF2-40B4-BE49-F238E27FC236}">
+                <a16:creationId xmlns:a16="http://schemas.microsoft.com/office/drawing/2014/main" id="{B2BEB89D-6B6C-9464-D7D1-C84F6C3FEB10}"/>
+              </a:ext>
+            </a:extLst>
+          </p:cNvPr>
+          <p:cNvPicPr>
+            <a:picLocks noChangeAspect="1"/>
+          </p:cNvPicPr>
+          <p:nvPr/>
+        </p:nvPicPr>
+        <p:blipFill>
+          <a:blip r:embed="rId3"/>
+          <a:stretch>
+            <a:fillRect/>
+          </a:stretch>
+        </p:blipFill>
+        <p:spPr>
+          <a:xfrm>
+            <a:off x="6552537" y="486212"/>
+            <a:ext cx="3590382" cy="2734056"/>
+          </a:xfrm>
+          <a:prstGeom prst="rect">
+            <a:avLst/>
+          </a:prstGeom>
+        </p:spPr>
+      </p:pic>
+      <p:sp>
+        <p:nvSpPr>
+          <p:cNvPr id="9" name="TextBox 8">
+            <a:extLst>
+              <a:ext uri="{FF2B5EF4-FFF2-40B4-BE49-F238E27FC236}">
+                <a16:creationId xmlns:a16="http://schemas.microsoft.com/office/drawing/2014/main" id="{35236A05-BC21-D248-80D5-123EC22E62C7}"/>
+              </a:ext>
+            </a:extLst>
+          </p:cNvPr>
+          <p:cNvSpPr txBox="1"/>
+          <p:nvPr/>
+        </p:nvSpPr>
+        <p:spPr>
+          <a:xfrm>
+            <a:off x="1202267" y="60324"/>
+            <a:ext cx="423514" cy="523220"/>
+          </a:xfrm>
+          <a:prstGeom prst="rect">
+            <a:avLst/>
+          </a:prstGeom>
+          <a:noFill/>
+        </p:spPr>
+        <p:txBody>
+          <a:bodyPr wrap="none" rtlCol="0">
+            <a:spAutoFit/>
+          </a:bodyPr>
+          <a:lstStyle/>
+          <a:p>
+            <a:r>
+              <a:rPr lang="en-US" sz="2800" dirty="0">
+                <a:latin typeface="Helvetica" pitchFamily="2" charset="0"/>
+              </a:rPr>
+              <a:t>A</a:t>
+            </a:r>
+          </a:p>
+        </p:txBody>
+      </p:sp>
+      <p:sp>
+        <p:nvSpPr>
+          <p:cNvPr id="17" name="TextBox 16">
+            <a:extLst>
+              <a:ext uri="{FF2B5EF4-FFF2-40B4-BE49-F238E27FC236}">
+                <a16:creationId xmlns:a16="http://schemas.microsoft.com/office/drawing/2014/main" id="{29CA4FDA-86DA-8D53-6BCF-0F0A9B85EA6F}"/>
+              </a:ext>
+            </a:extLst>
+          </p:cNvPr>
+          <p:cNvSpPr txBox="1"/>
+          <p:nvPr/>
+        </p:nvSpPr>
+        <p:spPr>
+          <a:xfrm>
+            <a:off x="5482167" y="60324"/>
+            <a:ext cx="423514" cy="523220"/>
+          </a:xfrm>
+          <a:prstGeom prst="rect">
+            <a:avLst/>
+          </a:prstGeom>
+          <a:noFill/>
+        </p:spPr>
+        <p:txBody>
+          <a:bodyPr wrap="none" rtlCol="0">
+            <a:spAutoFit/>
+          </a:bodyPr>
+          <a:lstStyle/>
+          <a:p>
+            <a:r>
+              <a:rPr lang="en-US" sz="2800" dirty="0">
+                <a:latin typeface="Helvetica" pitchFamily="2" charset="0"/>
+              </a:rPr>
+              <a:t>B</a:t>
+            </a:r>
+          </a:p>
+        </p:txBody>
+      </p:sp>
+      <p:sp>
+        <p:nvSpPr>
+          <p:cNvPr id="21" name="TextBox 20">
+            <a:extLst>
+              <a:ext uri="{FF2B5EF4-FFF2-40B4-BE49-F238E27FC236}">
+                <a16:creationId xmlns:a16="http://schemas.microsoft.com/office/drawing/2014/main" id="{03E6A80F-F1C4-B01B-785C-B3FC4D23F18B}"/>
+              </a:ext>
+            </a:extLst>
+          </p:cNvPr>
+          <p:cNvSpPr txBox="1"/>
+          <p:nvPr/>
+        </p:nvSpPr>
+        <p:spPr>
+          <a:xfrm>
+            <a:off x="1202267" y="3620833"/>
+            <a:ext cx="444352" cy="523220"/>
+          </a:xfrm>
+          <a:prstGeom prst="rect">
+            <a:avLst/>
+          </a:prstGeom>
+          <a:noFill/>
+        </p:spPr>
+        <p:txBody>
+          <a:bodyPr wrap="none" rtlCol="0">
+            <a:spAutoFit/>
+          </a:bodyPr>
+          <a:lstStyle/>
+          <a:p>
+            <a:r>
+              <a:rPr lang="en-US" sz="2800" dirty="0">
+                <a:latin typeface="Helvetica" pitchFamily="2" charset="0"/>
+              </a:rPr>
+              <a:t>C</a:t>
+            </a:r>
+          </a:p>
+        </p:txBody>
+      </p:sp>
+      <p:sp>
+        <p:nvSpPr>
+          <p:cNvPr id="22" name="TextBox 21">
+            <a:extLst>
+              <a:ext uri="{FF2B5EF4-FFF2-40B4-BE49-F238E27FC236}">
+                <a16:creationId xmlns:a16="http://schemas.microsoft.com/office/drawing/2014/main" id="{89284462-F515-3D54-3814-E9237D7FA32E}"/>
+              </a:ext>
+            </a:extLst>
+          </p:cNvPr>
+          <p:cNvSpPr txBox="1"/>
+          <p:nvPr/>
+        </p:nvSpPr>
+        <p:spPr>
+          <a:xfrm>
+            <a:off x="5482167" y="3620833"/>
+            <a:ext cx="444352" cy="523220"/>
+          </a:xfrm>
+          <a:prstGeom prst="rect">
+            <a:avLst/>
+          </a:prstGeom>
+          <a:noFill/>
+        </p:spPr>
+        <p:txBody>
+          <a:bodyPr wrap="none" rtlCol="0">
+            <a:spAutoFit/>
+          </a:bodyPr>
+          <a:lstStyle/>
+          <a:p>
+            <a:r>
+              <a:rPr lang="en-US" sz="2800" dirty="0">
+                <a:latin typeface="Helvetica" pitchFamily="2" charset="0"/>
+              </a:rPr>
+              <a:t>D</a:t>
+            </a:r>
+          </a:p>
+        </p:txBody>
+      </p:sp>
+      <p:pic>
+        <p:nvPicPr>
+          <p:cNvPr id="23" name="Picture 22">
+            <a:extLst>
+              <a:ext uri="{FF2B5EF4-FFF2-40B4-BE49-F238E27FC236}">
+                <a16:creationId xmlns:a16="http://schemas.microsoft.com/office/drawing/2014/main" id="{3BA46C0B-01BD-5F72-573E-A3B1C35BA3BD}"/>
+              </a:ext>
+            </a:extLst>
+          </p:cNvPr>
+          <p:cNvPicPr>
+            <a:picLocks noChangeAspect="1"/>
+          </p:cNvPicPr>
+          <p:nvPr/>
+        </p:nvPicPr>
+        <p:blipFill>
+          <a:blip r:embed="rId4"/>
+          <a:stretch>
+            <a:fillRect/>
+          </a:stretch>
+        </p:blipFill>
+        <p:spPr>
+          <a:xfrm>
+            <a:off x="1424443" y="4159531"/>
+            <a:ext cx="4154958" cy="2734056"/>
+          </a:xfrm>
+          <a:prstGeom prst="rect">
+            <a:avLst/>
+          </a:prstGeom>
+        </p:spPr>
+      </p:pic>
+      <p:pic>
+        <p:nvPicPr>
+          <p:cNvPr id="25" name="Picture 24">
+            <a:extLst>
+              <a:ext uri="{FF2B5EF4-FFF2-40B4-BE49-F238E27FC236}">
+                <a16:creationId xmlns:a16="http://schemas.microsoft.com/office/drawing/2014/main" id="{DD0BE1B3-20E6-E787-0D14-BDDA23CEC145}"/>
+              </a:ext>
+            </a:extLst>
+          </p:cNvPr>
+          <p:cNvPicPr>
+            <a:picLocks noChangeAspect="1"/>
+          </p:cNvPicPr>
+          <p:nvPr/>
+        </p:nvPicPr>
+        <p:blipFill>
+          <a:blip r:embed="rId5"/>
+          <a:stretch>
+            <a:fillRect/>
+          </a:stretch>
+        </p:blipFill>
+        <p:spPr>
+          <a:xfrm>
+            <a:off x="5926519" y="3940077"/>
+            <a:ext cx="4216400" cy="2949089"/>
+          </a:xfrm>
+          <a:prstGeom prst="rect">
+            <a:avLst/>
+          </a:prstGeom>
+        </p:spPr>
+      </p:pic>
+      <p:pic>
+        <p:nvPicPr>
+          <p:cNvPr id="27" name="Picture 26">
+            <a:extLst>
+              <a:ext uri="{FF2B5EF4-FFF2-40B4-BE49-F238E27FC236}">
+                <a16:creationId xmlns:a16="http://schemas.microsoft.com/office/drawing/2014/main" id="{93AEF715-A23B-1BA1-934A-648A0B79F369}"/>
+              </a:ext>
+            </a:extLst>
+          </p:cNvPr>
+          <p:cNvPicPr>
+            <a:picLocks noChangeAspect="1"/>
+          </p:cNvPicPr>
+          <p:nvPr/>
+        </p:nvPicPr>
+        <p:blipFill>
+          <a:blip r:embed="rId6"/>
+          <a:stretch>
+            <a:fillRect/>
+          </a:stretch>
+        </p:blipFill>
+        <p:spPr>
+          <a:xfrm>
+            <a:off x="1646619" y="133069"/>
+            <a:ext cx="3773076" cy="3618143"/>
+          </a:xfrm>
+          <a:prstGeom prst="rect">
+            <a:avLst/>
+          </a:prstGeom>
+        </p:spPr>
+      </p:pic>
+    </p:spTree>
+    <p:extLst>
+      <p:ext uri="{BB962C8B-B14F-4D97-AF65-F5344CB8AC3E}">
+        <p14:creationId xmlns:p14="http://schemas.microsoft.com/office/powerpoint/2010/main" val="3614396888"/>
       </p:ext>
     </p:extLst>
   </p:cSld>
@@ -9440,7 +9096,7 @@
         </p:nvSpPr>
         <p:spPr>
           <a:xfrm>
-            <a:off x="1202267" y="428624"/>
+            <a:off x="1202267" y="47624"/>
             <a:ext cx="423514" cy="523220"/>
           </a:xfrm>
           <a:prstGeom prst="rect">
@@ -9477,7 +9133,7 @@
         </p:nvSpPr>
         <p:spPr>
           <a:xfrm>
-            <a:off x="5482167" y="428624"/>
+            <a:off x="5482167" y="47624"/>
             <a:ext cx="423514" cy="523220"/>
           </a:xfrm>
           <a:prstGeom prst="rect">
@@ -9559,7 +9215,7 @@
         </p:blipFill>
         <p:spPr>
           <a:xfrm>
-            <a:off x="1562281" y="900697"/>
+            <a:off x="6421579" y="570844"/>
             <a:ext cx="3590383" cy="2734056"/>
           </a:xfrm>
           <a:prstGeom prst="rect">
@@ -9599,10 +9255,10 @@
       </p:pic>
       <p:pic>
         <p:nvPicPr>
-          <p:cNvPr id="23" name="Picture 22">
-            <a:extLst>
-              <a:ext uri="{FF2B5EF4-FFF2-40B4-BE49-F238E27FC236}">
-                <a16:creationId xmlns:a16="http://schemas.microsoft.com/office/drawing/2014/main" id="{6C022264-CC77-06F9-C317-0280B8CD3781}"/>
+          <p:cNvPr id="24" name="Picture 23">
+            <a:extLst>
+              <a:ext uri="{FF2B5EF4-FFF2-40B4-BE49-F238E27FC236}">
+                <a16:creationId xmlns:a16="http://schemas.microsoft.com/office/drawing/2014/main" id="{16AE7618-E5B3-51DD-6866-D5F0656844B5}"/>
               </a:ext>
             </a:extLst>
           </p:cNvPr>
@@ -9619,8 +9275,8 @@
         </p:blipFill>
         <p:spPr>
           <a:xfrm>
-            <a:off x="6096000" y="690234"/>
-            <a:ext cx="3590383" cy="3590383"/>
+            <a:off x="1706086" y="114300"/>
+            <a:ext cx="3776081" cy="3621024"/>
           </a:xfrm>
           <a:prstGeom prst="rect">
             <a:avLst/>
@@ -9667,117 +9323,6 @@
           <a:chExt cx="0" cy="0"/>
         </a:xfrm>
       </p:grpSpPr>
-      <p:sp>
-        <p:nvSpPr>
-          <p:cNvPr id="9" name="TextBox 8">
-            <a:extLst>
-              <a:ext uri="{FF2B5EF4-FFF2-40B4-BE49-F238E27FC236}">
-                <a16:creationId xmlns:a16="http://schemas.microsoft.com/office/drawing/2014/main" id="{35236A05-BC21-D248-80D5-123EC22E62C7}"/>
-              </a:ext>
-            </a:extLst>
-          </p:cNvPr>
-          <p:cNvSpPr txBox="1"/>
-          <p:nvPr/>
-        </p:nvSpPr>
-        <p:spPr>
-          <a:xfrm>
-            <a:off x="1202267" y="428624"/>
-            <a:ext cx="423514" cy="523220"/>
-          </a:xfrm>
-          <a:prstGeom prst="rect">
-            <a:avLst/>
-          </a:prstGeom>
-          <a:noFill/>
-        </p:spPr>
-        <p:txBody>
-          <a:bodyPr wrap="none" rtlCol="0">
-            <a:spAutoFit/>
-          </a:bodyPr>
-          <a:lstStyle/>
-          <a:p>
-            <a:r>
-              <a:rPr lang="en-US" sz="2800" dirty="0">
-                <a:latin typeface="Helvetica" pitchFamily="2" charset="0"/>
-              </a:rPr>
-              <a:t>A</a:t>
-            </a:r>
-          </a:p>
-        </p:txBody>
-      </p:sp>
-      <p:sp>
-        <p:nvSpPr>
-          <p:cNvPr id="17" name="TextBox 16">
-            <a:extLst>
-              <a:ext uri="{FF2B5EF4-FFF2-40B4-BE49-F238E27FC236}">
-                <a16:creationId xmlns:a16="http://schemas.microsoft.com/office/drawing/2014/main" id="{29CA4FDA-86DA-8D53-6BCF-0F0A9B85EA6F}"/>
-              </a:ext>
-            </a:extLst>
-          </p:cNvPr>
-          <p:cNvSpPr txBox="1"/>
-          <p:nvPr/>
-        </p:nvSpPr>
-        <p:spPr>
-          <a:xfrm>
-            <a:off x="5482167" y="428624"/>
-            <a:ext cx="423514" cy="523220"/>
-          </a:xfrm>
-          <a:prstGeom prst="rect">
-            <a:avLst/>
-          </a:prstGeom>
-          <a:noFill/>
-        </p:spPr>
-        <p:txBody>
-          <a:bodyPr wrap="none" rtlCol="0">
-            <a:spAutoFit/>
-          </a:bodyPr>
-          <a:lstStyle/>
-          <a:p>
-            <a:r>
-              <a:rPr lang="en-US" sz="2800" dirty="0">
-                <a:latin typeface="Helvetica" pitchFamily="2" charset="0"/>
-              </a:rPr>
-              <a:t>B</a:t>
-            </a:r>
-          </a:p>
-        </p:txBody>
-      </p:sp>
-      <p:sp>
-        <p:nvSpPr>
-          <p:cNvPr id="21" name="TextBox 20">
-            <a:extLst>
-              <a:ext uri="{FF2B5EF4-FFF2-40B4-BE49-F238E27FC236}">
-                <a16:creationId xmlns:a16="http://schemas.microsoft.com/office/drawing/2014/main" id="{03E6A80F-F1C4-B01B-785C-B3FC4D23F18B}"/>
-              </a:ext>
-            </a:extLst>
-          </p:cNvPr>
-          <p:cNvSpPr txBox="1"/>
-          <p:nvPr/>
-        </p:nvSpPr>
-        <p:spPr>
-          <a:xfrm>
-            <a:off x="1202267" y="3620833"/>
-            <a:ext cx="444352" cy="523220"/>
-          </a:xfrm>
-          <a:prstGeom prst="rect">
-            <a:avLst/>
-          </a:prstGeom>
-          <a:noFill/>
-        </p:spPr>
-        <p:txBody>
-          <a:bodyPr wrap="none" rtlCol="0">
-            <a:spAutoFit/>
-          </a:bodyPr>
-          <a:lstStyle/>
-          <a:p>
-            <a:r>
-              <a:rPr lang="en-US" sz="2800" dirty="0">
-                <a:latin typeface="Helvetica" pitchFamily="2" charset="0"/>
-              </a:rPr>
-              <a:t>C</a:t>
-            </a:r>
-          </a:p>
-        </p:txBody>
-      </p:sp>
       <p:pic>
         <p:nvPicPr>
           <p:cNvPr id="12" name="Picture 11">
@@ -9800,7 +9345,7 @@
         </p:blipFill>
         <p:spPr>
           <a:xfrm>
-            <a:off x="1907161" y="847422"/>
+            <a:off x="4031820" y="248133"/>
             <a:ext cx="3590383" cy="2734056"/>
           </a:xfrm>
           <a:prstGeom prst="rect">
@@ -9808,6 +9353,80 @@
           </a:prstGeom>
         </p:spPr>
       </p:pic>
+      <p:sp>
+        <p:nvSpPr>
+          <p:cNvPr id="9" name="TextBox 8">
+            <a:extLst>
+              <a:ext uri="{FF2B5EF4-FFF2-40B4-BE49-F238E27FC236}">
+                <a16:creationId xmlns:a16="http://schemas.microsoft.com/office/drawing/2014/main" id="{35236A05-BC21-D248-80D5-123EC22E62C7}"/>
+              </a:ext>
+            </a:extLst>
+          </p:cNvPr>
+          <p:cNvSpPr txBox="1"/>
+          <p:nvPr/>
+        </p:nvSpPr>
+        <p:spPr>
+          <a:xfrm>
+            <a:off x="223718" y="-81995"/>
+            <a:ext cx="423514" cy="523220"/>
+          </a:xfrm>
+          <a:prstGeom prst="rect">
+            <a:avLst/>
+          </a:prstGeom>
+          <a:noFill/>
+        </p:spPr>
+        <p:txBody>
+          <a:bodyPr wrap="none" rtlCol="0">
+            <a:spAutoFit/>
+          </a:bodyPr>
+          <a:lstStyle/>
+          <a:p>
+            <a:r>
+              <a:rPr lang="en-US" sz="2800" dirty="0">
+                <a:latin typeface="Helvetica" pitchFamily="2" charset="0"/>
+              </a:rPr>
+              <a:t>A</a:t>
+            </a:r>
+          </a:p>
+        </p:txBody>
+      </p:sp>
+      <p:sp>
+        <p:nvSpPr>
+          <p:cNvPr id="21" name="TextBox 20">
+            <a:extLst>
+              <a:ext uri="{FF2B5EF4-FFF2-40B4-BE49-F238E27FC236}">
+                <a16:creationId xmlns:a16="http://schemas.microsoft.com/office/drawing/2014/main" id="{03E6A80F-F1C4-B01B-785C-B3FC4D23F18B}"/>
+              </a:ext>
+            </a:extLst>
+          </p:cNvPr>
+          <p:cNvSpPr txBox="1"/>
+          <p:nvPr/>
+        </p:nvSpPr>
+        <p:spPr>
+          <a:xfrm>
+            <a:off x="7301231" y="-81995"/>
+            <a:ext cx="444352" cy="523220"/>
+          </a:xfrm>
+          <a:prstGeom prst="rect">
+            <a:avLst/>
+          </a:prstGeom>
+          <a:noFill/>
+        </p:spPr>
+        <p:txBody>
+          <a:bodyPr wrap="none" rtlCol="0">
+            <a:spAutoFit/>
+          </a:bodyPr>
+          <a:lstStyle/>
+          <a:p>
+            <a:r>
+              <a:rPr lang="en-US" sz="2800" dirty="0">
+                <a:latin typeface="Helvetica" pitchFamily="2" charset="0"/>
+              </a:rPr>
+              <a:t>C</a:t>
+            </a:r>
+          </a:p>
+        </p:txBody>
+      </p:sp>
       <p:pic>
         <p:nvPicPr>
           <p:cNvPr id="25" name="Picture 24">
@@ -9830,7 +9449,7 @@
         </p:blipFill>
         <p:spPr>
           <a:xfrm>
-            <a:off x="1619863" y="4000276"/>
+            <a:off x="7789419" y="391910"/>
             <a:ext cx="4285818" cy="2734056"/>
           </a:xfrm>
           <a:prstGeom prst="rect">
@@ -9840,10 +9459,10 @@
       </p:pic>
       <p:pic>
         <p:nvPicPr>
-          <p:cNvPr id="26" name="Picture 25">
-            <a:extLst>
-              <a:ext uri="{FF2B5EF4-FFF2-40B4-BE49-F238E27FC236}">
-                <a16:creationId xmlns:a16="http://schemas.microsoft.com/office/drawing/2014/main" id="{53FB7C3C-18F3-8047-5010-81EB0F94F59D}"/>
+          <p:cNvPr id="27" name="Picture 26">
+            <a:extLst>
+              <a:ext uri="{FF2B5EF4-FFF2-40B4-BE49-F238E27FC236}">
+                <a16:creationId xmlns:a16="http://schemas.microsoft.com/office/drawing/2014/main" id="{3592937B-8CB6-0E0E-1095-32F65C377B1F}"/>
               </a:ext>
             </a:extLst>
           </p:cNvPr>
@@ -9860,14 +9479,252 @@
         </p:blipFill>
         <p:spPr>
           <a:xfrm>
-            <a:off x="6096000" y="715634"/>
-            <a:ext cx="3670298" cy="3545276"/>
+            <a:off x="548448" y="64966"/>
+            <a:ext cx="3316156" cy="3179986"/>
           </a:xfrm>
           <a:prstGeom prst="rect">
             <a:avLst/>
           </a:prstGeom>
         </p:spPr>
       </p:pic>
+      <p:sp>
+        <p:nvSpPr>
+          <p:cNvPr id="17" name="TextBox 16">
+            <a:extLst>
+              <a:ext uri="{FF2B5EF4-FFF2-40B4-BE49-F238E27FC236}">
+                <a16:creationId xmlns:a16="http://schemas.microsoft.com/office/drawing/2014/main" id="{29CA4FDA-86DA-8D53-6BCF-0F0A9B85EA6F}"/>
+              </a:ext>
+            </a:extLst>
+          </p:cNvPr>
+          <p:cNvSpPr txBox="1"/>
+          <p:nvPr/>
+        </p:nvSpPr>
+        <p:spPr>
+          <a:xfrm>
+            <a:off x="3679603" y="-81995"/>
+            <a:ext cx="423514" cy="523220"/>
+          </a:xfrm>
+          <a:prstGeom prst="rect">
+            <a:avLst/>
+          </a:prstGeom>
+          <a:noFill/>
+        </p:spPr>
+        <p:txBody>
+          <a:bodyPr wrap="none" rtlCol="0">
+            <a:spAutoFit/>
+          </a:bodyPr>
+          <a:lstStyle/>
+          <a:p>
+            <a:r>
+              <a:rPr lang="en-US" sz="2800" dirty="0">
+                <a:latin typeface="Helvetica" pitchFamily="2" charset="0"/>
+              </a:rPr>
+              <a:t>B</a:t>
+            </a:r>
+          </a:p>
+        </p:txBody>
+      </p:sp>
+      <p:pic>
+        <p:nvPicPr>
+          <p:cNvPr id="2" name="Picture 1">
+            <a:extLst>
+              <a:ext uri="{FF2B5EF4-FFF2-40B4-BE49-F238E27FC236}">
+                <a16:creationId xmlns:a16="http://schemas.microsoft.com/office/drawing/2014/main" id="{57EF30C2-504E-2766-9F6A-752B8C659993}"/>
+              </a:ext>
+            </a:extLst>
+          </p:cNvPr>
+          <p:cNvPicPr>
+            <a:picLocks noChangeAspect="1"/>
+          </p:cNvPicPr>
+          <p:nvPr/>
+        </p:nvPicPr>
+        <p:blipFill>
+          <a:blip r:embed="rId6"/>
+          <a:stretch>
+            <a:fillRect/>
+          </a:stretch>
+        </p:blipFill>
+        <p:spPr>
+          <a:xfrm>
+            <a:off x="593920" y="3364208"/>
+            <a:ext cx="3309873" cy="3309873"/>
+          </a:xfrm>
+          <a:prstGeom prst="rect">
+            <a:avLst/>
+          </a:prstGeom>
+        </p:spPr>
+      </p:pic>
+      <p:pic>
+        <p:nvPicPr>
+          <p:cNvPr id="4" name="Picture 3">
+            <a:extLst>
+              <a:ext uri="{FF2B5EF4-FFF2-40B4-BE49-F238E27FC236}">
+                <a16:creationId xmlns:a16="http://schemas.microsoft.com/office/drawing/2014/main" id="{6C79CD5C-5887-7A28-CEFC-4119FEC9E70C}"/>
+              </a:ext>
+            </a:extLst>
+          </p:cNvPr>
+          <p:cNvPicPr>
+            <a:picLocks noChangeAspect="1"/>
+          </p:cNvPicPr>
+          <p:nvPr/>
+        </p:nvPicPr>
+        <p:blipFill>
+          <a:blip r:embed="rId7"/>
+          <a:stretch>
+            <a:fillRect/>
+          </a:stretch>
+        </p:blipFill>
+        <p:spPr>
+          <a:xfrm>
+            <a:off x="4031820" y="3649186"/>
+            <a:ext cx="3590383" cy="2734056"/>
+          </a:xfrm>
+          <a:prstGeom prst="rect">
+            <a:avLst/>
+          </a:prstGeom>
+        </p:spPr>
+      </p:pic>
+      <p:pic>
+        <p:nvPicPr>
+          <p:cNvPr id="5" name="Picture 4">
+            <a:extLst>
+              <a:ext uri="{FF2B5EF4-FFF2-40B4-BE49-F238E27FC236}">
+                <a16:creationId xmlns:a16="http://schemas.microsoft.com/office/drawing/2014/main" id="{57E48167-BC45-E6E4-2BE1-37FB18FECC7B}"/>
+              </a:ext>
+            </a:extLst>
+          </p:cNvPr>
+          <p:cNvPicPr>
+            <a:picLocks noChangeAspect="1"/>
+          </p:cNvPicPr>
+          <p:nvPr/>
+        </p:nvPicPr>
+        <p:blipFill>
+          <a:blip r:embed="rId8"/>
+          <a:stretch>
+            <a:fillRect/>
+          </a:stretch>
+        </p:blipFill>
+        <p:spPr>
+          <a:xfrm>
+            <a:off x="7622203" y="3792963"/>
+            <a:ext cx="4375832" cy="2734057"/>
+          </a:xfrm>
+          <a:prstGeom prst="rect">
+            <a:avLst/>
+          </a:prstGeom>
+        </p:spPr>
+      </p:pic>
+      <p:sp>
+        <p:nvSpPr>
+          <p:cNvPr id="6" name="TextBox 5">
+            <a:extLst>
+              <a:ext uri="{FF2B5EF4-FFF2-40B4-BE49-F238E27FC236}">
+                <a16:creationId xmlns:a16="http://schemas.microsoft.com/office/drawing/2014/main" id="{9FC1B710-6BDB-3E9D-D721-D96C5E7866F3}"/>
+              </a:ext>
+            </a:extLst>
+          </p:cNvPr>
+          <p:cNvSpPr txBox="1"/>
+          <p:nvPr/>
+        </p:nvSpPr>
+        <p:spPr>
+          <a:xfrm>
+            <a:off x="223718" y="3220757"/>
+            <a:ext cx="444352" cy="523220"/>
+          </a:xfrm>
+          <a:prstGeom prst="rect">
+            <a:avLst/>
+          </a:prstGeom>
+          <a:noFill/>
+        </p:spPr>
+        <p:txBody>
+          <a:bodyPr wrap="none" rtlCol="0">
+            <a:spAutoFit/>
+          </a:bodyPr>
+          <a:lstStyle/>
+          <a:p>
+            <a:r>
+              <a:rPr lang="en-US" sz="2800" dirty="0">
+                <a:latin typeface="Helvetica" pitchFamily="2" charset="0"/>
+              </a:rPr>
+              <a:t>D</a:t>
+            </a:r>
+          </a:p>
+        </p:txBody>
+      </p:sp>
+      <p:sp>
+        <p:nvSpPr>
+          <p:cNvPr id="7" name="TextBox 6">
+            <a:extLst>
+              <a:ext uri="{FF2B5EF4-FFF2-40B4-BE49-F238E27FC236}">
+                <a16:creationId xmlns:a16="http://schemas.microsoft.com/office/drawing/2014/main" id="{C93671F7-888D-9D7F-5E48-2439C8BCBD8F}"/>
+              </a:ext>
+            </a:extLst>
+          </p:cNvPr>
+          <p:cNvSpPr txBox="1"/>
+          <p:nvPr/>
+        </p:nvSpPr>
+        <p:spPr>
+          <a:xfrm>
+            <a:off x="7301231" y="3220757"/>
+            <a:ext cx="404278" cy="523220"/>
+          </a:xfrm>
+          <a:prstGeom prst="rect">
+            <a:avLst/>
+          </a:prstGeom>
+          <a:noFill/>
+        </p:spPr>
+        <p:txBody>
+          <a:bodyPr wrap="none" rtlCol="0">
+            <a:spAutoFit/>
+          </a:bodyPr>
+          <a:lstStyle/>
+          <a:p>
+            <a:r>
+              <a:rPr lang="en-US" sz="2800" dirty="0">
+                <a:latin typeface="Helvetica" pitchFamily="2" charset="0"/>
+              </a:rPr>
+              <a:t>F</a:t>
+            </a:r>
+          </a:p>
+        </p:txBody>
+      </p:sp>
+      <p:sp>
+        <p:nvSpPr>
+          <p:cNvPr id="8" name="TextBox 7">
+            <a:extLst>
+              <a:ext uri="{FF2B5EF4-FFF2-40B4-BE49-F238E27FC236}">
+                <a16:creationId xmlns:a16="http://schemas.microsoft.com/office/drawing/2014/main" id="{80553A45-EB83-96C8-F119-D36DFE184928}"/>
+              </a:ext>
+            </a:extLst>
+          </p:cNvPr>
+          <p:cNvSpPr txBox="1"/>
+          <p:nvPr/>
+        </p:nvSpPr>
+        <p:spPr>
+          <a:xfrm>
+            <a:off x="3679603" y="3220757"/>
+            <a:ext cx="423514" cy="523220"/>
+          </a:xfrm>
+          <a:prstGeom prst="rect">
+            <a:avLst/>
+          </a:prstGeom>
+          <a:noFill/>
+        </p:spPr>
+        <p:txBody>
+          <a:bodyPr wrap="none" rtlCol="0">
+            <a:spAutoFit/>
+          </a:bodyPr>
+          <a:lstStyle/>
+          <a:p>
+            <a:r>
+              <a:rPr lang="en-US" sz="2800" dirty="0">
+                <a:latin typeface="Helvetica" pitchFamily="2" charset="0"/>
+              </a:rPr>
+              <a:t>E</a:t>
+            </a:r>
+          </a:p>
+        </p:txBody>
+      </p:sp>
     </p:spTree>
     <p:extLst>
       <p:ext uri="{BB962C8B-B14F-4D97-AF65-F5344CB8AC3E}">
@@ -9882,6 +9739,86 @@
 </file>
 
 <file path=ppt/slides/slide6.xml><?xml version="1.0" encoding="utf-8"?>
+<p:sld xmlns:a="http://schemas.openxmlformats.org/drawingml/2006/main" xmlns:r="http://schemas.openxmlformats.org/officeDocument/2006/relationships" xmlns:p="http://schemas.openxmlformats.org/presentationml/2006/main">
+  <p:cSld>
+    <p:spTree>
+      <p:nvGrpSpPr>
+        <p:cNvPr id="1" name=""/>
+        <p:cNvGrpSpPr/>
+        <p:nvPr/>
+      </p:nvGrpSpPr>
+      <p:grpSpPr>
+        <a:xfrm>
+          <a:off x="0" y="0"/>
+          <a:ext cx="0" cy="0"/>
+          <a:chOff x="0" y="0"/>
+          <a:chExt cx="0" cy="0"/>
+        </a:xfrm>
+      </p:grpSpPr>
+      <p:sp>
+        <p:nvSpPr>
+          <p:cNvPr id="2" name="Title 1">
+            <a:extLst>
+              <a:ext uri="{FF2B5EF4-FFF2-40B4-BE49-F238E27FC236}">
+                <a16:creationId xmlns:a16="http://schemas.microsoft.com/office/drawing/2014/main" id="{60D44A6D-A0BC-AAB9-84C7-9A0FBB472B31}"/>
+              </a:ext>
+            </a:extLst>
+          </p:cNvPr>
+          <p:cNvSpPr>
+            <a:spLocks noGrp="1"/>
+          </p:cNvSpPr>
+          <p:nvPr>
+            <p:ph type="title"/>
+          </p:nvPr>
+        </p:nvSpPr>
+        <p:spPr/>
+        <p:txBody>
+          <a:bodyPr/>
+          <a:lstStyle/>
+          <a:p>
+            <a:endParaRPr lang="en-US"/>
+          </a:p>
+        </p:txBody>
+      </p:sp>
+      <p:sp>
+        <p:nvSpPr>
+          <p:cNvPr id="3" name="Content Placeholder 2">
+            <a:extLst>
+              <a:ext uri="{FF2B5EF4-FFF2-40B4-BE49-F238E27FC236}">
+                <a16:creationId xmlns:a16="http://schemas.microsoft.com/office/drawing/2014/main" id="{932690BE-651A-DAC4-F573-F26E92C4DC99}"/>
+              </a:ext>
+            </a:extLst>
+          </p:cNvPr>
+          <p:cNvSpPr>
+            <a:spLocks noGrp="1"/>
+          </p:cNvSpPr>
+          <p:nvPr>
+            <p:ph idx="1"/>
+          </p:nvPr>
+        </p:nvSpPr>
+        <p:spPr/>
+        <p:txBody>
+          <a:bodyPr/>
+          <a:lstStyle/>
+          <a:p>
+            <a:endParaRPr lang="en-US"/>
+          </a:p>
+        </p:txBody>
+      </p:sp>
+    </p:spTree>
+    <p:extLst>
+      <p:ext uri="{BB962C8B-B14F-4D97-AF65-F5344CB8AC3E}">
+        <p14:creationId xmlns:p14="http://schemas.microsoft.com/office/powerpoint/2010/main" val="730126670"/>
+      </p:ext>
+    </p:extLst>
+  </p:cSld>
+  <p:clrMapOvr>
+    <a:masterClrMapping/>
+  </p:clrMapOvr>
+</p:sld>
+</file>
+
+<file path=ppt/slides/slide7.xml><?xml version="1.0" encoding="utf-8"?>
 <p:sld xmlns:a="http://schemas.openxmlformats.org/drawingml/2006/main" xmlns:r="http://schemas.openxmlformats.org/officeDocument/2006/relationships" xmlns:p="http://schemas.openxmlformats.org/presentationml/2006/main">
   <p:cSld>
     <p:bg>
@@ -9910,327 +9847,6 @@
       </p:grpSpPr>
       <p:sp>
         <p:nvSpPr>
-          <p:cNvPr id="9" name="TextBox 8">
-            <a:extLst>
-              <a:ext uri="{FF2B5EF4-FFF2-40B4-BE49-F238E27FC236}">
-                <a16:creationId xmlns:a16="http://schemas.microsoft.com/office/drawing/2014/main" id="{35236A05-BC21-D248-80D5-123EC22E62C7}"/>
-              </a:ext>
-            </a:extLst>
-          </p:cNvPr>
-          <p:cNvSpPr txBox="1"/>
-          <p:nvPr/>
-        </p:nvSpPr>
-        <p:spPr>
-          <a:xfrm>
-            <a:off x="1202267" y="428624"/>
-            <a:ext cx="423514" cy="523220"/>
-          </a:xfrm>
-          <a:prstGeom prst="rect">
-            <a:avLst/>
-          </a:prstGeom>
-          <a:noFill/>
-        </p:spPr>
-        <p:txBody>
-          <a:bodyPr wrap="none" rtlCol="0">
-            <a:spAutoFit/>
-          </a:bodyPr>
-          <a:lstStyle/>
-          <a:p>
-            <a:r>
-              <a:rPr lang="en-US" sz="2800" dirty="0">
-                <a:latin typeface="Helvetica" pitchFamily="2" charset="0"/>
-              </a:rPr>
-              <a:t>A</a:t>
-            </a:r>
-          </a:p>
-        </p:txBody>
-      </p:sp>
-      <p:sp>
-        <p:nvSpPr>
-          <p:cNvPr id="17" name="TextBox 16">
-            <a:extLst>
-              <a:ext uri="{FF2B5EF4-FFF2-40B4-BE49-F238E27FC236}">
-                <a16:creationId xmlns:a16="http://schemas.microsoft.com/office/drawing/2014/main" id="{29CA4FDA-86DA-8D53-6BCF-0F0A9B85EA6F}"/>
-              </a:ext>
-            </a:extLst>
-          </p:cNvPr>
-          <p:cNvSpPr txBox="1"/>
-          <p:nvPr/>
-        </p:nvSpPr>
-        <p:spPr>
-          <a:xfrm>
-            <a:off x="5482167" y="428624"/>
-            <a:ext cx="423514" cy="523220"/>
-          </a:xfrm>
-          <a:prstGeom prst="rect">
-            <a:avLst/>
-          </a:prstGeom>
-          <a:noFill/>
-        </p:spPr>
-        <p:txBody>
-          <a:bodyPr wrap="none" rtlCol="0">
-            <a:spAutoFit/>
-          </a:bodyPr>
-          <a:lstStyle/>
-          <a:p>
-            <a:r>
-              <a:rPr lang="en-US" sz="2800" dirty="0">
-                <a:latin typeface="Helvetica" pitchFamily="2" charset="0"/>
-              </a:rPr>
-              <a:t>B</a:t>
-            </a:r>
-          </a:p>
-        </p:txBody>
-      </p:sp>
-      <p:sp>
-        <p:nvSpPr>
-          <p:cNvPr id="21" name="TextBox 20">
-            <a:extLst>
-              <a:ext uri="{FF2B5EF4-FFF2-40B4-BE49-F238E27FC236}">
-                <a16:creationId xmlns:a16="http://schemas.microsoft.com/office/drawing/2014/main" id="{03E6A80F-F1C4-B01B-785C-B3FC4D23F18B}"/>
-              </a:ext>
-            </a:extLst>
-          </p:cNvPr>
-          <p:cNvSpPr txBox="1"/>
-          <p:nvPr/>
-        </p:nvSpPr>
-        <p:spPr>
-          <a:xfrm>
-            <a:off x="1202267" y="3620833"/>
-            <a:ext cx="444352" cy="523220"/>
-          </a:xfrm>
-          <a:prstGeom prst="rect">
-            <a:avLst/>
-          </a:prstGeom>
-          <a:noFill/>
-        </p:spPr>
-        <p:txBody>
-          <a:bodyPr wrap="none" rtlCol="0">
-            <a:spAutoFit/>
-          </a:bodyPr>
-          <a:lstStyle/>
-          <a:p>
-            <a:r>
-              <a:rPr lang="en-US" sz="2800" dirty="0">
-                <a:latin typeface="Helvetica" pitchFamily="2" charset="0"/>
-              </a:rPr>
-              <a:t>C</a:t>
-            </a:r>
-          </a:p>
-        </p:txBody>
-      </p:sp>
-      <p:pic>
-        <p:nvPicPr>
-          <p:cNvPr id="5" name="Picture 4">
-            <a:extLst>
-              <a:ext uri="{FF2B5EF4-FFF2-40B4-BE49-F238E27FC236}">
-                <a16:creationId xmlns:a16="http://schemas.microsoft.com/office/drawing/2014/main" id="{30C47522-A4A8-CA33-7FF3-E71560AB4640}"/>
-              </a:ext>
-            </a:extLst>
-          </p:cNvPr>
-          <p:cNvPicPr>
-            <a:picLocks noChangeAspect="1"/>
-          </p:cNvPicPr>
-          <p:nvPr/>
-        </p:nvPicPr>
-        <p:blipFill>
-          <a:blip r:embed="rId3"/>
-          <a:stretch>
-            <a:fillRect/>
-          </a:stretch>
-        </p:blipFill>
-        <p:spPr>
-          <a:xfrm>
-            <a:off x="1968681" y="851124"/>
-            <a:ext cx="3590383" cy="2734056"/>
-          </a:xfrm>
-          <a:prstGeom prst="rect">
-            <a:avLst/>
-          </a:prstGeom>
-        </p:spPr>
-      </p:pic>
-      <p:pic>
-        <p:nvPicPr>
-          <p:cNvPr id="10" name="Picture 9">
-            <a:extLst>
-              <a:ext uri="{FF2B5EF4-FFF2-40B4-BE49-F238E27FC236}">
-                <a16:creationId xmlns:a16="http://schemas.microsoft.com/office/drawing/2014/main" id="{43AEDC23-C7FC-B956-DEE9-6DCFBCA2E324}"/>
-              </a:ext>
-            </a:extLst>
-          </p:cNvPr>
-          <p:cNvPicPr>
-            <a:picLocks noChangeAspect="1"/>
-          </p:cNvPicPr>
-          <p:nvPr/>
-        </p:nvPicPr>
-        <p:blipFill>
-          <a:blip r:embed="rId4"/>
-          <a:stretch>
-            <a:fillRect/>
-          </a:stretch>
-        </p:blipFill>
-        <p:spPr>
-          <a:xfrm>
-            <a:off x="6096000" y="689728"/>
-            <a:ext cx="3590383" cy="3590383"/>
-          </a:xfrm>
-          <a:prstGeom prst="rect">
-            <a:avLst/>
-          </a:prstGeom>
-        </p:spPr>
-      </p:pic>
-      <p:pic>
-        <p:nvPicPr>
-          <p:cNvPr id="13" name="Picture 12">
-            <a:extLst>
-              <a:ext uri="{FF2B5EF4-FFF2-40B4-BE49-F238E27FC236}">
-                <a16:creationId xmlns:a16="http://schemas.microsoft.com/office/drawing/2014/main" id="{0BD503D9-7F52-8425-42F9-9A4AE8E018CE}"/>
-              </a:ext>
-            </a:extLst>
-          </p:cNvPr>
-          <p:cNvPicPr>
-            <a:picLocks noChangeAspect="1"/>
-          </p:cNvPicPr>
-          <p:nvPr/>
-        </p:nvPicPr>
-        <p:blipFill>
-          <a:blip r:embed="rId5"/>
-          <a:stretch>
-            <a:fillRect/>
-          </a:stretch>
-        </p:blipFill>
-        <p:spPr>
-          <a:xfrm>
-            <a:off x="1529849" y="4123943"/>
-            <a:ext cx="4375832" cy="2734057"/>
-          </a:xfrm>
-          <a:prstGeom prst="rect">
-            <a:avLst/>
-          </a:prstGeom>
-        </p:spPr>
-      </p:pic>
-    </p:spTree>
-    <p:extLst>
-      <p:ext uri="{BB962C8B-B14F-4D97-AF65-F5344CB8AC3E}">
-        <p14:creationId xmlns:p14="http://schemas.microsoft.com/office/powerpoint/2010/main" val="1702326334"/>
-      </p:ext>
-    </p:extLst>
-  </p:cSld>
-  <p:clrMapOvr>
-    <a:masterClrMapping/>
-  </p:clrMapOvr>
-</p:sld>
-</file>
-
-<file path=ppt/slides/slide7.xml><?xml version="1.0" encoding="utf-8"?>
-<p:sld xmlns:a="http://schemas.openxmlformats.org/drawingml/2006/main" xmlns:r="http://schemas.openxmlformats.org/officeDocument/2006/relationships" xmlns:p="http://schemas.openxmlformats.org/presentationml/2006/main">
-  <p:cSld>
-    <p:spTree>
-      <p:nvGrpSpPr>
-        <p:cNvPr id="1" name=""/>
-        <p:cNvGrpSpPr/>
-        <p:nvPr/>
-      </p:nvGrpSpPr>
-      <p:grpSpPr>
-        <a:xfrm>
-          <a:off x="0" y="0"/>
-          <a:ext cx="0" cy="0"/>
-          <a:chOff x="0" y="0"/>
-          <a:chExt cx="0" cy="0"/>
-        </a:xfrm>
-      </p:grpSpPr>
-      <p:sp>
-        <p:nvSpPr>
-          <p:cNvPr id="2" name="Title 1">
-            <a:extLst>
-              <a:ext uri="{FF2B5EF4-FFF2-40B4-BE49-F238E27FC236}">
-                <a16:creationId xmlns:a16="http://schemas.microsoft.com/office/drawing/2014/main" id="{60D44A6D-A0BC-AAB9-84C7-9A0FBB472B31}"/>
-              </a:ext>
-            </a:extLst>
-          </p:cNvPr>
-          <p:cNvSpPr>
-            <a:spLocks noGrp="1"/>
-          </p:cNvSpPr>
-          <p:nvPr>
-            <p:ph type="title"/>
-          </p:nvPr>
-        </p:nvSpPr>
-        <p:spPr/>
-        <p:txBody>
-          <a:bodyPr/>
-          <a:lstStyle/>
-          <a:p>
-            <a:endParaRPr lang="en-US"/>
-          </a:p>
-        </p:txBody>
-      </p:sp>
-      <p:sp>
-        <p:nvSpPr>
-          <p:cNvPr id="3" name="Content Placeholder 2">
-            <a:extLst>
-              <a:ext uri="{FF2B5EF4-FFF2-40B4-BE49-F238E27FC236}">
-                <a16:creationId xmlns:a16="http://schemas.microsoft.com/office/drawing/2014/main" id="{932690BE-651A-DAC4-F573-F26E92C4DC99}"/>
-              </a:ext>
-            </a:extLst>
-          </p:cNvPr>
-          <p:cNvSpPr>
-            <a:spLocks noGrp="1"/>
-          </p:cNvSpPr>
-          <p:nvPr>
-            <p:ph idx="1"/>
-          </p:nvPr>
-        </p:nvSpPr>
-        <p:spPr/>
-        <p:txBody>
-          <a:bodyPr/>
-          <a:lstStyle/>
-          <a:p>
-            <a:endParaRPr lang="en-US"/>
-          </a:p>
-        </p:txBody>
-      </p:sp>
-    </p:spTree>
-    <p:extLst>
-      <p:ext uri="{BB962C8B-B14F-4D97-AF65-F5344CB8AC3E}">
-        <p14:creationId xmlns:p14="http://schemas.microsoft.com/office/powerpoint/2010/main" val="730126670"/>
-      </p:ext>
-    </p:extLst>
-  </p:cSld>
-  <p:clrMapOvr>
-    <a:masterClrMapping/>
-  </p:clrMapOvr>
-</p:sld>
-</file>
-
-<file path=ppt/slides/slide8.xml><?xml version="1.0" encoding="utf-8"?>
-<p:sld xmlns:a="http://schemas.openxmlformats.org/drawingml/2006/main" xmlns:r="http://schemas.openxmlformats.org/officeDocument/2006/relationships" xmlns:p="http://schemas.openxmlformats.org/presentationml/2006/main">
-  <p:cSld>
-    <p:bg>
-      <p:bgPr>
-        <a:solidFill>
-          <a:schemeClr val="bg1">
-            <a:alpha val="47177"/>
-          </a:schemeClr>
-        </a:solidFill>
-        <a:effectLst/>
-      </p:bgPr>
-    </p:bg>
-    <p:spTree>
-      <p:nvGrpSpPr>
-        <p:cNvPr id="1" name=""/>
-        <p:cNvGrpSpPr/>
-        <p:nvPr/>
-      </p:nvGrpSpPr>
-      <p:grpSpPr>
-        <a:xfrm>
-          <a:off x="0" y="0"/>
-          <a:ext cx="0" cy="0"/>
-          <a:chOff x="0" y="0"/>
-          <a:chExt cx="0" cy="0"/>
-        </a:xfrm>
-      </p:grpSpPr>
-      <p:sp>
-        <p:nvSpPr>
           <p:cNvPr id="17" name="TextBox 16">
             <a:extLst>
               <a:ext uri="{FF2B5EF4-FFF2-40B4-BE49-F238E27FC236}">
@@ -10450,7 +10066,7 @@
 </p:sld>
 </file>
 
-<file path=ppt/slides/slide9.xml><?xml version="1.0" encoding="utf-8"?>
+<file path=ppt/slides/slide8.xml><?xml version="1.0" encoding="utf-8"?>
 <p:sld xmlns:a="http://schemas.openxmlformats.org/drawingml/2006/main" xmlns:r="http://schemas.openxmlformats.org/officeDocument/2006/relationships" xmlns:p="http://schemas.openxmlformats.org/presentationml/2006/main">
   <p:cSld>
     <p:spTree>
@@ -10721,6 +10337,254 @@
     <p:extLst>
       <p:ext uri="{BB962C8B-B14F-4D97-AF65-F5344CB8AC3E}">
         <p14:creationId xmlns:p14="http://schemas.microsoft.com/office/powerpoint/2010/main" val="2072890612"/>
+      </p:ext>
+    </p:extLst>
+  </p:cSld>
+  <p:clrMapOvr>
+    <a:masterClrMapping/>
+  </p:clrMapOvr>
+</p:sld>
+</file>
+
+<file path=ppt/slides/slide9.xml><?xml version="1.0" encoding="utf-8"?>
+<p:sld xmlns:a="http://schemas.openxmlformats.org/drawingml/2006/main" xmlns:r="http://schemas.openxmlformats.org/officeDocument/2006/relationships" xmlns:p="http://schemas.openxmlformats.org/presentationml/2006/main">
+  <p:cSld>
+    <p:bg>
+      <p:bgPr>
+        <a:solidFill>
+          <a:schemeClr val="bg1">
+            <a:alpha val="47177"/>
+          </a:schemeClr>
+        </a:solidFill>
+        <a:effectLst/>
+      </p:bgPr>
+    </p:bg>
+    <p:spTree>
+      <p:nvGrpSpPr>
+        <p:cNvPr id="1" name=""/>
+        <p:cNvGrpSpPr/>
+        <p:nvPr/>
+      </p:nvGrpSpPr>
+      <p:grpSpPr>
+        <a:xfrm>
+          <a:off x="0" y="0"/>
+          <a:ext cx="0" cy="0"/>
+          <a:chOff x="0" y="0"/>
+          <a:chExt cx="0" cy="0"/>
+        </a:xfrm>
+      </p:grpSpPr>
+      <p:sp>
+        <p:nvSpPr>
+          <p:cNvPr id="17" name="TextBox 16">
+            <a:extLst>
+              <a:ext uri="{FF2B5EF4-FFF2-40B4-BE49-F238E27FC236}">
+                <a16:creationId xmlns:a16="http://schemas.microsoft.com/office/drawing/2014/main" id="{CCC06B6F-0619-968C-F2AC-9F22B08985E1}"/>
+              </a:ext>
+            </a:extLst>
+          </p:cNvPr>
+          <p:cNvSpPr txBox="1"/>
+          <p:nvPr/>
+        </p:nvSpPr>
+        <p:spPr>
+          <a:xfrm>
+            <a:off x="2788668" y="374274"/>
+            <a:ext cx="1518364" cy="369332"/>
+          </a:xfrm>
+          <a:prstGeom prst="rect">
+            <a:avLst/>
+          </a:prstGeom>
+          <a:noFill/>
+        </p:spPr>
+        <p:txBody>
+          <a:bodyPr wrap="none" rtlCol="0">
+            <a:spAutoFit/>
+          </a:bodyPr>
+          <a:lstStyle/>
+          <a:p>
+            <a:r>
+              <a:rPr lang="en-US" dirty="0">
+                <a:latin typeface="Helvetica" pitchFamily="2" charset="0"/>
+              </a:rPr>
+              <a:t>2020 dataset</a:t>
+            </a:r>
+          </a:p>
+        </p:txBody>
+      </p:sp>
+      <p:pic>
+        <p:nvPicPr>
+          <p:cNvPr id="3" name="Picture 2">
+            <a:extLst>
+              <a:ext uri="{FF2B5EF4-FFF2-40B4-BE49-F238E27FC236}">
+                <a16:creationId xmlns:a16="http://schemas.microsoft.com/office/drawing/2014/main" id="{22221BA4-244B-45E6-B8A1-1CF7D505B605}"/>
+              </a:ext>
+            </a:extLst>
+          </p:cNvPr>
+          <p:cNvPicPr>
+            <a:picLocks noChangeAspect="1"/>
+          </p:cNvPicPr>
+          <p:nvPr/>
+        </p:nvPicPr>
+        <p:blipFill>
+          <a:blip r:embed="rId2"/>
+          <a:stretch>
+            <a:fillRect/>
+          </a:stretch>
+        </p:blipFill>
+        <p:spPr>
+          <a:xfrm>
+            <a:off x="1456904" y="838200"/>
+            <a:ext cx="4202128" cy="2651760"/>
+          </a:xfrm>
+          <a:prstGeom prst="rect">
+            <a:avLst/>
+          </a:prstGeom>
+        </p:spPr>
+      </p:pic>
+      <p:sp>
+        <p:nvSpPr>
+          <p:cNvPr id="4" name="TextBox 3">
+            <a:extLst>
+              <a:ext uri="{FF2B5EF4-FFF2-40B4-BE49-F238E27FC236}">
+                <a16:creationId xmlns:a16="http://schemas.microsoft.com/office/drawing/2014/main" id="{02F4BFEF-9FDE-CE72-2285-A609EF0B0F98}"/>
+              </a:ext>
+            </a:extLst>
+          </p:cNvPr>
+          <p:cNvSpPr txBox="1"/>
+          <p:nvPr/>
+        </p:nvSpPr>
+        <p:spPr>
+          <a:xfrm>
+            <a:off x="2784118" y="3522761"/>
+            <a:ext cx="1518364" cy="369332"/>
+          </a:xfrm>
+          <a:prstGeom prst="rect">
+            <a:avLst/>
+          </a:prstGeom>
+          <a:noFill/>
+        </p:spPr>
+        <p:txBody>
+          <a:bodyPr wrap="none" rtlCol="0">
+            <a:spAutoFit/>
+          </a:bodyPr>
+          <a:lstStyle/>
+          <a:p>
+            <a:r>
+              <a:rPr lang="en-US" dirty="0">
+                <a:latin typeface="Helvetica" pitchFamily="2" charset="0"/>
+              </a:rPr>
+              <a:t>2018 dataset</a:t>
+            </a:r>
+          </a:p>
+        </p:txBody>
+      </p:sp>
+      <p:pic>
+        <p:nvPicPr>
+          <p:cNvPr id="8" name="Picture 7">
+            <a:extLst>
+              <a:ext uri="{FF2B5EF4-FFF2-40B4-BE49-F238E27FC236}">
+                <a16:creationId xmlns:a16="http://schemas.microsoft.com/office/drawing/2014/main" id="{D86BCBC5-DC90-7C81-24DD-81F7F747269A}"/>
+              </a:ext>
+            </a:extLst>
+          </p:cNvPr>
+          <p:cNvPicPr>
+            <a:picLocks noChangeAspect="1"/>
+          </p:cNvPicPr>
+          <p:nvPr/>
+        </p:nvPicPr>
+        <p:blipFill>
+          <a:blip r:embed="rId3"/>
+          <a:stretch>
+            <a:fillRect/>
+          </a:stretch>
+        </p:blipFill>
+        <p:spPr>
+          <a:xfrm>
+            <a:off x="1386752" y="3973663"/>
+            <a:ext cx="4272280" cy="2651760"/>
+          </a:xfrm>
+          <a:prstGeom prst="rect">
+            <a:avLst/>
+          </a:prstGeom>
+        </p:spPr>
+      </p:pic>
+      <p:sp>
+        <p:nvSpPr>
+          <p:cNvPr id="9" name="TextBox 8">
+            <a:extLst>
+              <a:ext uri="{FF2B5EF4-FFF2-40B4-BE49-F238E27FC236}">
+                <a16:creationId xmlns:a16="http://schemas.microsoft.com/office/drawing/2014/main" id="{35236A05-BC21-D248-80D5-123EC22E62C7}"/>
+              </a:ext>
+            </a:extLst>
+          </p:cNvPr>
+          <p:cNvSpPr txBox="1"/>
+          <p:nvPr/>
+        </p:nvSpPr>
+        <p:spPr>
+          <a:xfrm>
+            <a:off x="1278467" y="232577"/>
+            <a:ext cx="423514" cy="523220"/>
+          </a:xfrm>
+          <a:prstGeom prst="rect">
+            <a:avLst/>
+          </a:prstGeom>
+          <a:noFill/>
+        </p:spPr>
+        <p:txBody>
+          <a:bodyPr wrap="none" rtlCol="0">
+            <a:spAutoFit/>
+          </a:bodyPr>
+          <a:lstStyle/>
+          <a:p>
+            <a:r>
+              <a:rPr lang="en-US" sz="2800" dirty="0">
+                <a:latin typeface="Helvetica" pitchFamily="2" charset="0"/>
+              </a:rPr>
+              <a:t>A</a:t>
+            </a:r>
+          </a:p>
+        </p:txBody>
+      </p:sp>
+      <p:sp>
+        <p:nvSpPr>
+          <p:cNvPr id="11" name="TextBox 10">
+            <a:extLst>
+              <a:ext uri="{FF2B5EF4-FFF2-40B4-BE49-F238E27FC236}">
+                <a16:creationId xmlns:a16="http://schemas.microsoft.com/office/drawing/2014/main" id="{3D61AE7B-C40B-10EB-BCE7-55ED273E64AE}"/>
+              </a:ext>
+            </a:extLst>
+          </p:cNvPr>
+          <p:cNvSpPr txBox="1"/>
+          <p:nvPr/>
+        </p:nvSpPr>
+        <p:spPr>
+          <a:xfrm>
+            <a:off x="1278467" y="3400941"/>
+            <a:ext cx="423514" cy="523220"/>
+          </a:xfrm>
+          <a:prstGeom prst="rect">
+            <a:avLst/>
+          </a:prstGeom>
+          <a:noFill/>
+        </p:spPr>
+        <p:txBody>
+          <a:bodyPr wrap="none" rtlCol="0">
+            <a:spAutoFit/>
+          </a:bodyPr>
+          <a:lstStyle/>
+          <a:p>
+            <a:r>
+              <a:rPr lang="en-US" sz="2800" dirty="0">
+                <a:latin typeface="Helvetica" pitchFamily="2" charset="0"/>
+              </a:rPr>
+              <a:t>B</a:t>
+            </a:r>
+          </a:p>
+        </p:txBody>
+      </p:sp>
+    </p:spTree>
+    <p:extLst>
+      <p:ext uri="{BB962C8B-B14F-4D97-AF65-F5344CB8AC3E}">
+        <p14:creationId xmlns:p14="http://schemas.microsoft.com/office/powerpoint/2010/main" val="1852369774"/>
       </p:ext>
     </p:extLst>
   </p:cSld>
